--- a/GDP.pptx
+++ b/GDP.pptx
@@ -2,7 +2,7 @@
 <file path=ppt/presentation.xml><?xml version="1.0" encoding="utf-8"?>
 <p:presentation xmlns:a="http://schemas.openxmlformats.org/drawingml/2006/main" xmlns:r="http://schemas.openxmlformats.org/officeDocument/2006/relationships" xmlns:p="http://schemas.openxmlformats.org/presentationml/2006/main" strictFirstAndLastChars="0" saveSubsetFonts="1" autoCompressPictures="0">
   <p:sldMasterIdLst>
-    <p:sldMasterId id="2147483770" r:id="rId1"/>
+    <p:sldMasterId id="2147483827" r:id="rId1"/>
   </p:sldMasterIdLst>
   <p:notesMasterIdLst>
     <p:notesMasterId r:id="rId16"/>
@@ -2039,6 +2039,14 @@
 <file path=ppt/slideLayouts/slideLayout1.xml><?xml version="1.0" encoding="utf-8"?>
 <p:sldLayout xmlns:a="http://schemas.openxmlformats.org/drawingml/2006/main" xmlns:r="http://schemas.openxmlformats.org/officeDocument/2006/relationships" xmlns:p="http://schemas.openxmlformats.org/presentationml/2006/main" type="title" preserve="1">
   <p:cSld name="Title Slide">
+    <p:bg>
+      <p:bgPr>
+        <a:solidFill>
+          <a:schemeClr val="accent2"/>
+        </a:solidFill>
+        <a:effectLst/>
+      </p:bgPr>
+    </p:bg>
     <p:spTree>
       <p:nvGrpSpPr>
         <p:cNvPr id="1" name=""/>
@@ -2053,36 +2061,6 @@
           <a:chExt cx="0" cy="0"/>
         </a:xfrm>
       </p:grpSpPr>
-      <p:pic>
-        <p:nvPicPr>
-          <p:cNvPr id="7" name="Picture 6" descr="Droplets-HD-Title-R1d.png"/>
-          <p:cNvPicPr>
-            <a:picLocks noChangeAspect="1"/>
-          </p:cNvPicPr>
-          <p:nvPr/>
-        </p:nvPicPr>
-        <p:blipFill>
-          <a:blip r:embed="rId2">
-            <a:extLst>
-              <a:ext uri="{28A0092B-C50C-407E-A947-70E740481C1C}">
-                <a14:useLocalDpi xmlns:a14="http://schemas.microsoft.com/office/drawing/2010/main" val="0"/>
-              </a:ext>
-            </a:extLst>
-          </a:blip>
-          <a:stretch>
-            <a:fillRect/>
-          </a:stretch>
-        </p:blipFill>
-        <p:spPr>
-          <a:xfrm>
-            <a:off x="0" y="0"/>
-            <a:ext cx="9144000" cy="5143500"/>
-          </a:xfrm>
-          <a:prstGeom prst="rect">
-            <a:avLst/>
-          </a:prstGeom>
-        </p:spPr>
-      </p:pic>
       <p:sp>
         <p:nvSpPr>
           <p:cNvPr id="2" name="Title 1"/>
@@ -2093,19 +2071,31 @@
             <p:ph type="ctrTitle"/>
           </p:nvPr>
         </p:nvSpPr>
-        <p:spPr>
+        <p:spPr bwMode="blackWhite">
           <a:xfrm>
-            <a:off x="1313259" y="975589"/>
-            <a:ext cx="6517482" cy="1881910"/>
+            <a:off x="1200150" y="1790058"/>
+            <a:ext cx="6743700" cy="1234440"/>
           </a:xfrm>
-        </p:spPr>
-        <p:txBody>
-          <a:bodyPr anchor="b">
+          <a:solidFill>
+            <a:srgbClr val="FFFFFF"/>
+          </a:solidFill>
+          <a:ln w="38100">
+            <a:solidFill>
+              <a:srgbClr val="404040"/>
+            </a:solidFill>
+          </a:ln>
+        </p:spPr>
+        <p:txBody>
+          <a:bodyPr lIns="274320" rIns="274320" anchor="ctr" anchorCtr="1">
             <a:normAutofit/>
           </a:bodyPr>
           <a:lstStyle>
             <a:lvl1pPr algn="ctr">
-              <a:defRPr sz="3600"/>
+              <a:defRPr sz="2850">
+                <a:solidFill>
+                  <a:srgbClr val="262626"/>
+                </a:solidFill>
+              </a:defRPr>
             </a:lvl1pPr>
           </a:lstStyle>
           <a:p>
@@ -2129,9 +2119,10 @@
         </p:nvSpPr>
         <p:spPr>
           <a:xfrm>
-            <a:off x="1313259" y="2914651"/>
-            <a:ext cx="6517482" cy="1028699"/>
+            <a:off x="2021396" y="3264408"/>
+            <a:ext cx="5101209" cy="929921"/>
           </a:xfrm>
+          <a:noFill/>
         </p:spPr>
         <p:txBody>
           <a:bodyPr>
@@ -2140,10 +2131,11 @@
           <a:lstStyle>
             <a:lvl1pPr marL="0" indent="0" algn="ctr">
               <a:buNone/>
-              <a:defRPr sz="1650">
+              <a:defRPr sz="1500">
                 <a:solidFill>
-                  <a:schemeClr val="bg1">
-                    <a:lumMod val="50000"/>
+                  <a:schemeClr val="tx1">
+                    <a:lumMod val="75000"/>
+                    <a:lumOff val="25000"/>
                   </a:schemeClr>
                 </a:solidFill>
               </a:defRPr>
@@ -2192,7 +2184,7 @@
       </p:sp>
       <p:sp>
         <p:nvSpPr>
-          <p:cNvPr id="4" name="Date Placeholder 3"/>
+          <p:cNvPr id="7" name="Date Placeholder 6"/>
           <p:cNvSpPr>
             <a:spLocks noGrp="1"/>
           </p:cNvSpPr>
@@ -2215,7 +2207,7 @@
       </p:sp>
       <p:sp>
         <p:nvSpPr>
-          <p:cNvPr id="5" name="Footer Placeholder 4"/>
+          <p:cNvPr id="8" name="Footer Placeholder 7"/>
           <p:cNvSpPr>
             <a:spLocks noGrp="1"/>
           </p:cNvSpPr>
@@ -2234,7 +2226,7 @@
       </p:sp>
       <p:sp>
         <p:nvSpPr>
-          <p:cNvPr id="6" name="Slide Number Placeholder 5"/>
+          <p:cNvPr id="9" name="Slide Number Placeholder 8"/>
           <p:cNvSpPr>
             <a:spLocks noGrp="1"/>
           </p:cNvSpPr>
@@ -2267,12 +2259,12 @@
     </p:spTree>
     <p:extLst>
       <p:ext uri="{BB962C8B-B14F-4D97-AF65-F5344CB8AC3E}">
-        <p14:creationId xmlns:p14="http://schemas.microsoft.com/office/powerpoint/2010/main" val="635662342"/>
+        <p14:creationId xmlns:p14="http://schemas.microsoft.com/office/powerpoint/2010/main" val="2268886287"/>
       </p:ext>
     </p:extLst>
   </p:cSld>
   <p:clrMapOvr>
-    <a:masterClrMapping/>
+    <a:overrideClrMapping bg1="dk1" tx1="lt1" bg2="dk2" tx2="lt2" accent1="accent1" accent2="accent2" accent3="accent3" accent4="accent4" accent5="accent5" accent6="accent6" hlink="hlink" folHlink="folHlink"/>
   </p:clrMapOvr>
   <p:hf sldNum="0" hdr="0" ftr="0" dt="0"/>
   <p:extLst>
@@ -2284,2779 +2276,6 @@
 </file>
 
 <file path=ppt/slideLayouts/slideLayout10.xml><?xml version="1.0" encoding="utf-8"?>
-<p:sldLayout xmlns:a="http://schemas.openxmlformats.org/drawingml/2006/main" xmlns:r="http://schemas.openxmlformats.org/officeDocument/2006/relationships" xmlns:p="http://schemas.openxmlformats.org/presentationml/2006/main" preserve="1">
-  <p:cSld name="Panoramic Picture with Caption">
-    <p:spTree>
-      <p:nvGrpSpPr>
-        <p:cNvPr id="1" name=""/>
-        <p:cNvGrpSpPr/>
-        <p:nvPr/>
-      </p:nvGrpSpPr>
-      <p:grpSpPr>
-        <a:xfrm>
-          <a:off x="0" y="0"/>
-          <a:ext cx="0" cy="0"/>
-          <a:chOff x="0" y="0"/>
-          <a:chExt cx="0" cy="0"/>
-        </a:xfrm>
-      </p:grpSpPr>
-      <p:pic>
-        <p:nvPicPr>
-          <p:cNvPr id="10" name="Picture 9" descr="Droplets-HD-Content-R1d.png"/>
-          <p:cNvPicPr>
-            <a:picLocks noChangeAspect="1"/>
-          </p:cNvPicPr>
-          <p:nvPr/>
-        </p:nvPicPr>
-        <p:blipFill>
-          <a:blip r:embed="rId2">
-            <a:extLst>
-              <a:ext uri="{28A0092B-C50C-407E-A947-70E740481C1C}">
-                <a14:useLocalDpi xmlns:a14="http://schemas.microsoft.com/office/drawing/2010/main" val="0"/>
-              </a:ext>
-            </a:extLst>
-          </a:blip>
-          <a:stretch>
-            <a:fillRect/>
-          </a:stretch>
-        </p:blipFill>
-        <p:spPr>
-          <a:xfrm>
-            <a:off x="0" y="0"/>
-            <a:ext cx="9144000" cy="5143500"/>
-          </a:xfrm>
-          <a:prstGeom prst="rect">
-            <a:avLst/>
-          </a:prstGeom>
-        </p:spPr>
-      </p:pic>
-      <p:sp>
-        <p:nvSpPr>
-          <p:cNvPr id="2" name="Title 1"/>
-          <p:cNvSpPr>
-            <a:spLocks noGrp="1"/>
-          </p:cNvSpPr>
-          <p:nvPr>
-            <p:ph type="title"/>
-          </p:nvPr>
-        </p:nvSpPr>
-        <p:spPr>
-          <a:xfrm>
-            <a:off x="685346" y="3217030"/>
-            <a:ext cx="7773324" cy="608708"/>
-          </a:xfrm>
-        </p:spPr>
-        <p:txBody>
-          <a:bodyPr anchor="b"/>
-          <a:lstStyle>
-            <a:lvl1pPr>
-              <a:defRPr sz="2400"/>
-            </a:lvl1pPr>
-          </a:lstStyle>
-          <a:p>
-            <a:r>
-              <a:rPr lang="en-US"/>
-              <a:t>Click to edit Master title style</a:t>
-            </a:r>
-            <a:endParaRPr lang="en-US" dirty="0"/>
-          </a:p>
-        </p:txBody>
-      </p:sp>
-      <p:sp>
-        <p:nvSpPr>
-          <p:cNvPr id="3" name="Picture Placeholder 2"/>
-          <p:cNvSpPr>
-            <a:spLocks noGrp="1" noChangeAspect="1"/>
-          </p:cNvSpPr>
-          <p:nvPr>
-            <p:ph type="pic" idx="1"/>
-          </p:nvPr>
-        </p:nvSpPr>
-        <p:spPr>
-          <a:xfrm>
-            <a:off x="888558" y="523696"/>
-            <a:ext cx="7366899" cy="2410602"/>
-          </a:xfrm>
-          <a:prstGeom prst="roundRect">
-            <a:avLst>
-              <a:gd name="adj" fmla="val 4944"/>
-            </a:avLst>
-          </a:prstGeom>
-          <a:noFill/>
-          <a:ln w="82550" cap="sq">
-            <a:solidFill>
-              <a:srgbClr val="EAEAEA"/>
-            </a:solidFill>
-            <a:miter lim="800000"/>
-          </a:ln>
-          <a:effectLst/>
-          <a:scene3d>
-            <a:camera prst="orthographicFront"/>
-            <a:lightRig rig="threePt" dir="t">
-              <a:rot lat="0" lon="0" rev="2700000"/>
-            </a:lightRig>
-          </a:scene3d>
-          <a:sp3d contourW="6350">
-            <a:bevelT h="38100"/>
-            <a:contourClr>
-              <a:srgbClr val="C0C0C0"/>
-            </a:contourClr>
-          </a:sp3d>
-        </p:spPr>
-        <p:txBody>
-          <a:bodyPr anchor="t"/>
-          <a:lstStyle>
-            <a:lvl1pPr marL="0" indent="0" algn="ctr">
-              <a:buNone/>
-              <a:defRPr sz="2400"/>
-            </a:lvl1pPr>
-            <a:lvl2pPr marL="342900" indent="0">
-              <a:buNone/>
-              <a:defRPr sz="2100"/>
-            </a:lvl2pPr>
-            <a:lvl3pPr marL="685800" indent="0">
-              <a:buNone/>
-              <a:defRPr sz="1800"/>
-            </a:lvl3pPr>
-            <a:lvl4pPr marL="1028700" indent="0">
-              <a:buNone/>
-              <a:defRPr sz="1500"/>
-            </a:lvl4pPr>
-            <a:lvl5pPr marL="1371600" indent="0">
-              <a:buNone/>
-              <a:defRPr sz="1500"/>
-            </a:lvl5pPr>
-            <a:lvl6pPr marL="1714500" indent="0">
-              <a:buNone/>
-              <a:defRPr sz="1500"/>
-            </a:lvl6pPr>
-            <a:lvl7pPr marL="2057400" indent="0">
-              <a:buNone/>
-              <a:defRPr sz="1500"/>
-            </a:lvl7pPr>
-            <a:lvl8pPr marL="2400300" indent="0">
-              <a:buNone/>
-              <a:defRPr sz="1500"/>
-            </a:lvl8pPr>
-            <a:lvl9pPr marL="2743200" indent="0">
-              <a:buNone/>
-              <a:defRPr sz="1500"/>
-            </a:lvl9pPr>
-          </a:lstStyle>
-          <a:p>
-            <a:r>
-              <a:rPr lang="en-US"/>
-              <a:t>Click icon to add picture</a:t>
-            </a:r>
-            <a:endParaRPr lang="en-US" dirty="0"/>
-          </a:p>
-        </p:txBody>
-      </p:sp>
-      <p:sp>
-        <p:nvSpPr>
-          <p:cNvPr id="4" name="Text Placeholder 3"/>
-          <p:cNvSpPr>
-            <a:spLocks noGrp="1"/>
-          </p:cNvSpPr>
-          <p:nvPr>
-            <p:ph type="body" sz="half" idx="2"/>
-          </p:nvPr>
-        </p:nvSpPr>
-        <p:spPr>
-          <a:xfrm>
-            <a:off x="685331" y="3831546"/>
-            <a:ext cx="7773339" cy="511854"/>
-          </a:xfrm>
-        </p:spPr>
-        <p:txBody>
-          <a:bodyPr/>
-          <a:lstStyle>
-            <a:lvl1pPr marL="0" indent="0" algn="ctr">
-              <a:buNone/>
-              <a:defRPr sz="1200"/>
-            </a:lvl1pPr>
-            <a:lvl2pPr marL="342900" indent="0">
-              <a:buNone/>
-              <a:defRPr sz="1050"/>
-            </a:lvl2pPr>
-            <a:lvl3pPr marL="685800" indent="0">
-              <a:buNone/>
-              <a:defRPr sz="900"/>
-            </a:lvl3pPr>
-            <a:lvl4pPr marL="1028700" indent="0">
-              <a:buNone/>
-              <a:defRPr sz="750"/>
-            </a:lvl4pPr>
-            <a:lvl5pPr marL="1371600" indent="0">
-              <a:buNone/>
-              <a:defRPr sz="750"/>
-            </a:lvl5pPr>
-            <a:lvl6pPr marL="1714500" indent="0">
-              <a:buNone/>
-              <a:defRPr sz="750"/>
-            </a:lvl6pPr>
-            <a:lvl7pPr marL="2057400" indent="0">
-              <a:buNone/>
-              <a:defRPr sz="750"/>
-            </a:lvl7pPr>
-            <a:lvl8pPr marL="2400300" indent="0">
-              <a:buNone/>
-              <a:defRPr sz="750"/>
-            </a:lvl8pPr>
-            <a:lvl9pPr marL="2743200" indent="0">
-              <a:buNone/>
-              <a:defRPr sz="750"/>
-            </a:lvl9pPr>
-          </a:lstStyle>
-          <a:p>
-            <a:pPr lvl="0"/>
-            <a:r>
-              <a:rPr lang="en-US"/>
-              <a:t>Click to edit Master text styles</a:t>
-            </a:r>
-          </a:p>
-        </p:txBody>
-      </p:sp>
-      <p:sp>
-        <p:nvSpPr>
-          <p:cNvPr id="5" name="Date Placeholder 4"/>
-          <p:cNvSpPr>
-            <a:spLocks noGrp="1"/>
-          </p:cNvSpPr>
-          <p:nvPr>
-            <p:ph type="dt" sz="half" idx="10"/>
-          </p:nvPr>
-        </p:nvSpPr>
-        <p:spPr/>
-        <p:txBody>
-          <a:bodyPr/>
-          <a:lstStyle/>
-          <a:p>
-            <a:fld id="{BB02557A-7053-4340-A874-8AB926A8EDA1}" type="datetimeFigureOut">
-              <a:rPr lang="en-US" smtClean="0"/>
-              <a:pPr/>
-              <a:t>9/1/2020</a:t>
-            </a:fld>
-            <a:endParaRPr lang="en-US" dirty="0"/>
-          </a:p>
-        </p:txBody>
-      </p:sp>
-      <p:sp>
-        <p:nvSpPr>
-          <p:cNvPr id="6" name="Footer Placeholder 5"/>
-          <p:cNvSpPr>
-            <a:spLocks noGrp="1"/>
-          </p:cNvSpPr>
-          <p:nvPr>
-            <p:ph type="ftr" sz="quarter" idx="11"/>
-          </p:nvPr>
-        </p:nvSpPr>
-        <p:spPr/>
-        <p:txBody>
-          <a:bodyPr/>
-          <a:lstStyle/>
-          <a:p>
-            <a:endParaRPr lang="en-US" dirty="0"/>
-          </a:p>
-        </p:txBody>
-      </p:sp>
-      <p:sp>
-        <p:nvSpPr>
-          <p:cNvPr id="7" name="Slide Number Placeholder 6"/>
-          <p:cNvSpPr>
-            <a:spLocks noGrp="1"/>
-          </p:cNvSpPr>
-          <p:nvPr>
-            <p:ph type="sldNum" sz="quarter" idx="12"/>
-          </p:nvPr>
-        </p:nvSpPr>
-        <p:spPr/>
-        <p:txBody>
-          <a:bodyPr/>
-          <a:lstStyle/>
-          <a:p>
-            <a:pPr marL="0" lvl="0" indent="0" algn="r" rtl="0">
-              <a:spcBef>
-                <a:spcPts val="0"/>
-              </a:spcBef>
-              <a:spcAft>
-                <a:spcPts val="0"/>
-              </a:spcAft>
-              <a:buNone/>
-            </a:pPr>
-            <a:fld id="{00000000-1234-1234-1234-123412341234}" type="slidenum">
-              <a:rPr lang="en" smtClean="0"/>
-              <a:t>‹#›</a:t>
-            </a:fld>
-            <a:endParaRPr lang="en"/>
-          </a:p>
-        </p:txBody>
-      </p:sp>
-    </p:spTree>
-    <p:extLst>
-      <p:ext uri="{BB962C8B-B14F-4D97-AF65-F5344CB8AC3E}">
-        <p14:creationId xmlns:p14="http://schemas.microsoft.com/office/powerpoint/2010/main" val="2343078856"/>
-      </p:ext>
-    </p:extLst>
-  </p:cSld>
-  <p:clrMapOvr>
-    <a:masterClrMapping/>
-  </p:clrMapOvr>
-  <p:hf sldNum="0" hdr="0" ftr="0" dt="0"/>
-</p:sldLayout>
-</file>
-
-<file path=ppt/slideLayouts/slideLayout11.xml><?xml version="1.0" encoding="utf-8"?>
-<p:sldLayout xmlns:a="http://schemas.openxmlformats.org/drawingml/2006/main" xmlns:r="http://schemas.openxmlformats.org/officeDocument/2006/relationships" xmlns:p="http://schemas.openxmlformats.org/presentationml/2006/main" preserve="1">
-  <p:cSld name="Title and Caption">
-    <p:spTree>
-      <p:nvGrpSpPr>
-        <p:cNvPr id="1" name=""/>
-        <p:cNvGrpSpPr/>
-        <p:nvPr/>
-      </p:nvGrpSpPr>
-      <p:grpSpPr>
-        <a:xfrm>
-          <a:off x="0" y="0"/>
-          <a:ext cx="0" cy="0"/>
-          <a:chOff x="0" y="0"/>
-          <a:chExt cx="0" cy="0"/>
-        </a:xfrm>
-      </p:grpSpPr>
-      <p:pic>
-        <p:nvPicPr>
-          <p:cNvPr id="8" name="Picture 7" descr="Droplets-HD-Content-R1d.png"/>
-          <p:cNvPicPr>
-            <a:picLocks noChangeAspect="1"/>
-          </p:cNvPicPr>
-          <p:nvPr/>
-        </p:nvPicPr>
-        <p:blipFill>
-          <a:blip r:embed="rId2">
-            <a:extLst>
-              <a:ext uri="{28A0092B-C50C-407E-A947-70E740481C1C}">
-                <a14:useLocalDpi xmlns:a14="http://schemas.microsoft.com/office/drawing/2010/main" val="0"/>
-              </a:ext>
-            </a:extLst>
-          </a:blip>
-          <a:stretch>
-            <a:fillRect/>
-          </a:stretch>
-        </p:blipFill>
-        <p:spPr>
-          <a:xfrm>
-            <a:off x="0" y="0"/>
-            <a:ext cx="9144000" cy="5143500"/>
-          </a:xfrm>
-          <a:prstGeom prst="rect">
-            <a:avLst/>
-          </a:prstGeom>
-        </p:spPr>
-      </p:pic>
-      <p:sp>
-        <p:nvSpPr>
-          <p:cNvPr id="2" name="Title 1"/>
-          <p:cNvSpPr>
-            <a:spLocks noGrp="1"/>
-          </p:cNvSpPr>
-          <p:nvPr>
-            <p:ph type="title"/>
-          </p:nvPr>
-        </p:nvSpPr>
-        <p:spPr>
-          <a:xfrm>
-            <a:off x="685331" y="457200"/>
-            <a:ext cx="7773339" cy="2570434"/>
-          </a:xfrm>
-        </p:spPr>
-        <p:txBody>
-          <a:bodyPr anchor="ctr"/>
-          <a:lstStyle>
-            <a:lvl1pPr algn="ctr">
-              <a:defRPr sz="2400"/>
-            </a:lvl1pPr>
-          </a:lstStyle>
-          <a:p>
-            <a:r>
-              <a:rPr lang="en-US"/>
-              <a:t>Click to edit Master title style</a:t>
-            </a:r>
-            <a:endParaRPr lang="en-US" dirty="0"/>
-          </a:p>
-        </p:txBody>
-      </p:sp>
-      <p:sp>
-        <p:nvSpPr>
-          <p:cNvPr id="4" name="Text Placeholder 3"/>
-          <p:cNvSpPr>
-            <a:spLocks noGrp="1"/>
-          </p:cNvSpPr>
-          <p:nvPr>
-            <p:ph type="body" sz="half" idx="2"/>
-          </p:nvPr>
-        </p:nvSpPr>
-        <p:spPr>
-          <a:xfrm>
-            <a:off x="685331" y="3153616"/>
-            <a:ext cx="7773339" cy="1189785"/>
-          </a:xfrm>
-        </p:spPr>
-        <p:txBody>
-          <a:bodyPr anchor="ctr"/>
-          <a:lstStyle>
-            <a:lvl1pPr marL="0" indent="0" algn="ctr">
-              <a:buNone/>
-              <a:defRPr sz="1200"/>
-            </a:lvl1pPr>
-            <a:lvl2pPr marL="342900" indent="0">
-              <a:buNone/>
-              <a:defRPr sz="1050"/>
-            </a:lvl2pPr>
-            <a:lvl3pPr marL="685800" indent="0">
-              <a:buNone/>
-              <a:defRPr sz="900"/>
-            </a:lvl3pPr>
-            <a:lvl4pPr marL="1028700" indent="0">
-              <a:buNone/>
-              <a:defRPr sz="750"/>
-            </a:lvl4pPr>
-            <a:lvl5pPr marL="1371600" indent="0">
-              <a:buNone/>
-              <a:defRPr sz="750"/>
-            </a:lvl5pPr>
-            <a:lvl6pPr marL="1714500" indent="0">
-              <a:buNone/>
-              <a:defRPr sz="750"/>
-            </a:lvl6pPr>
-            <a:lvl7pPr marL="2057400" indent="0">
-              <a:buNone/>
-              <a:defRPr sz="750"/>
-            </a:lvl7pPr>
-            <a:lvl8pPr marL="2400300" indent="0">
-              <a:buNone/>
-              <a:defRPr sz="750"/>
-            </a:lvl8pPr>
-            <a:lvl9pPr marL="2743200" indent="0">
-              <a:buNone/>
-              <a:defRPr sz="750"/>
-            </a:lvl9pPr>
-          </a:lstStyle>
-          <a:p>
-            <a:pPr lvl="0"/>
-            <a:r>
-              <a:rPr lang="en-US"/>
-              <a:t>Click to edit Master text styles</a:t>
-            </a:r>
-          </a:p>
-        </p:txBody>
-      </p:sp>
-      <p:sp>
-        <p:nvSpPr>
-          <p:cNvPr id="5" name="Date Placeholder 4"/>
-          <p:cNvSpPr>
-            <a:spLocks noGrp="1"/>
-          </p:cNvSpPr>
-          <p:nvPr>
-            <p:ph type="dt" sz="half" idx="10"/>
-          </p:nvPr>
-        </p:nvSpPr>
-        <p:spPr/>
-        <p:txBody>
-          <a:bodyPr/>
-          <a:lstStyle/>
-          <a:p>
-            <a:fld id="{BB02557A-7053-4340-A874-8AB926A8EDA1}" type="datetimeFigureOut">
-              <a:rPr lang="en-US" smtClean="0"/>
-              <a:pPr/>
-              <a:t>9/1/2020</a:t>
-            </a:fld>
-            <a:endParaRPr lang="en-US" dirty="0"/>
-          </a:p>
-        </p:txBody>
-      </p:sp>
-      <p:sp>
-        <p:nvSpPr>
-          <p:cNvPr id="6" name="Footer Placeholder 5"/>
-          <p:cNvSpPr>
-            <a:spLocks noGrp="1"/>
-          </p:cNvSpPr>
-          <p:nvPr>
-            <p:ph type="ftr" sz="quarter" idx="11"/>
-          </p:nvPr>
-        </p:nvSpPr>
-        <p:spPr/>
-        <p:txBody>
-          <a:bodyPr/>
-          <a:lstStyle/>
-          <a:p>
-            <a:endParaRPr lang="en-US" dirty="0"/>
-          </a:p>
-        </p:txBody>
-      </p:sp>
-      <p:sp>
-        <p:nvSpPr>
-          <p:cNvPr id="7" name="Slide Number Placeholder 6"/>
-          <p:cNvSpPr>
-            <a:spLocks noGrp="1"/>
-          </p:cNvSpPr>
-          <p:nvPr>
-            <p:ph type="sldNum" sz="quarter" idx="12"/>
-          </p:nvPr>
-        </p:nvSpPr>
-        <p:spPr/>
-        <p:txBody>
-          <a:bodyPr/>
-          <a:lstStyle/>
-          <a:p>
-            <a:pPr marL="0" lvl="0" indent="0" algn="r" rtl="0">
-              <a:spcBef>
-                <a:spcPts val="0"/>
-              </a:spcBef>
-              <a:spcAft>
-                <a:spcPts val="0"/>
-              </a:spcAft>
-              <a:buNone/>
-            </a:pPr>
-            <a:fld id="{00000000-1234-1234-1234-123412341234}" type="slidenum">
-              <a:rPr lang="en" smtClean="0"/>
-              <a:t>‹#›</a:t>
-            </a:fld>
-            <a:endParaRPr lang="en"/>
-          </a:p>
-        </p:txBody>
-      </p:sp>
-    </p:spTree>
-    <p:extLst>
-      <p:ext uri="{BB962C8B-B14F-4D97-AF65-F5344CB8AC3E}">
-        <p14:creationId xmlns:p14="http://schemas.microsoft.com/office/powerpoint/2010/main" val="2762275832"/>
-      </p:ext>
-    </p:extLst>
-  </p:cSld>
-  <p:clrMapOvr>
-    <a:masterClrMapping/>
-  </p:clrMapOvr>
-  <p:hf sldNum="0" hdr="0" ftr="0" dt="0"/>
-</p:sldLayout>
-</file>
-
-<file path=ppt/slideLayouts/slideLayout12.xml><?xml version="1.0" encoding="utf-8"?>
-<p:sldLayout xmlns:a="http://schemas.openxmlformats.org/drawingml/2006/main" xmlns:r="http://schemas.openxmlformats.org/officeDocument/2006/relationships" xmlns:p="http://schemas.openxmlformats.org/presentationml/2006/main" preserve="1">
-  <p:cSld name="Quote with Caption">
-    <p:spTree>
-      <p:nvGrpSpPr>
-        <p:cNvPr id="1" name=""/>
-        <p:cNvGrpSpPr/>
-        <p:nvPr/>
-      </p:nvGrpSpPr>
-      <p:grpSpPr>
-        <a:xfrm>
-          <a:off x="0" y="0"/>
-          <a:ext cx="0" cy="0"/>
-          <a:chOff x="0" y="0"/>
-          <a:chExt cx="0" cy="0"/>
-        </a:xfrm>
-      </p:grpSpPr>
-      <p:pic>
-        <p:nvPicPr>
-          <p:cNvPr id="11" name="Picture 10" descr="Droplets-HD-Content-R1d.png"/>
-          <p:cNvPicPr>
-            <a:picLocks noChangeAspect="1"/>
-          </p:cNvPicPr>
-          <p:nvPr/>
-        </p:nvPicPr>
-        <p:blipFill>
-          <a:blip r:embed="rId2">
-            <a:extLst>
-              <a:ext uri="{28A0092B-C50C-407E-A947-70E740481C1C}">
-                <a14:useLocalDpi xmlns:a14="http://schemas.microsoft.com/office/drawing/2010/main" val="0"/>
-              </a:ext>
-            </a:extLst>
-          </a:blip>
-          <a:stretch>
-            <a:fillRect/>
-          </a:stretch>
-        </p:blipFill>
-        <p:spPr>
-          <a:xfrm>
-            <a:off x="0" y="0"/>
-            <a:ext cx="9144000" cy="5143500"/>
-          </a:xfrm>
-          <a:prstGeom prst="rect">
-            <a:avLst/>
-          </a:prstGeom>
-        </p:spPr>
-      </p:pic>
-      <p:sp>
-        <p:nvSpPr>
-          <p:cNvPr id="2" name="Title 1"/>
-          <p:cNvSpPr>
-            <a:spLocks noGrp="1"/>
-          </p:cNvSpPr>
-          <p:nvPr>
-            <p:ph type="title"/>
-          </p:nvPr>
-        </p:nvSpPr>
-        <p:spPr>
-          <a:xfrm>
-            <a:off x="1084659" y="457200"/>
-            <a:ext cx="6977064" cy="2244678"/>
-          </a:xfrm>
-        </p:spPr>
-        <p:txBody>
-          <a:bodyPr anchor="ctr"/>
-          <a:lstStyle>
-            <a:lvl1pPr>
-              <a:defRPr sz="2400"/>
-            </a:lvl1pPr>
-          </a:lstStyle>
-          <a:p>
-            <a:r>
-              <a:rPr lang="en-US"/>
-              <a:t>Click to edit Master title style</a:t>
-            </a:r>
-            <a:endParaRPr lang="en-US" dirty="0"/>
-          </a:p>
-        </p:txBody>
-      </p:sp>
-      <p:sp>
-        <p:nvSpPr>
-          <p:cNvPr id="12" name="Text Placeholder 3"/>
-          <p:cNvSpPr>
-            <a:spLocks noGrp="1"/>
-          </p:cNvSpPr>
-          <p:nvPr>
-            <p:ph type="body" sz="half" idx="13"/>
-          </p:nvPr>
-        </p:nvSpPr>
-        <p:spPr>
-          <a:xfrm>
-            <a:off x="1290484" y="2707524"/>
-            <a:ext cx="6564224" cy="446091"/>
-          </a:xfrm>
-        </p:spPr>
-        <p:txBody>
-          <a:bodyPr anchor="t">
-            <a:normAutofit/>
-          </a:bodyPr>
-          <a:lstStyle>
-            <a:lvl1pPr marL="0" indent="0">
-              <a:buNone/>
-              <a:defRPr sz="1050"/>
-            </a:lvl1pPr>
-            <a:lvl2pPr marL="342900" indent="0">
-              <a:buNone/>
-              <a:defRPr sz="1050"/>
-            </a:lvl2pPr>
-            <a:lvl3pPr marL="685800" indent="0">
-              <a:buNone/>
-              <a:defRPr sz="900"/>
-            </a:lvl3pPr>
-            <a:lvl4pPr marL="1028700" indent="0">
-              <a:buNone/>
-              <a:defRPr sz="750"/>
-            </a:lvl4pPr>
-            <a:lvl5pPr marL="1371600" indent="0">
-              <a:buNone/>
-              <a:defRPr sz="750"/>
-            </a:lvl5pPr>
-            <a:lvl6pPr marL="1714500" indent="0">
-              <a:buNone/>
-              <a:defRPr sz="750"/>
-            </a:lvl6pPr>
-            <a:lvl7pPr marL="2057400" indent="0">
-              <a:buNone/>
-              <a:defRPr sz="750"/>
-            </a:lvl7pPr>
-            <a:lvl8pPr marL="2400300" indent="0">
-              <a:buNone/>
-              <a:defRPr sz="750"/>
-            </a:lvl8pPr>
-            <a:lvl9pPr marL="2743200" indent="0">
-              <a:buNone/>
-              <a:defRPr sz="750"/>
-            </a:lvl9pPr>
-          </a:lstStyle>
-          <a:p>
-            <a:pPr lvl="0"/>
-            <a:r>
-              <a:rPr lang="en-US"/>
-              <a:t>Click to edit Master text styles</a:t>
-            </a:r>
-          </a:p>
-        </p:txBody>
-      </p:sp>
-      <p:sp>
-        <p:nvSpPr>
-          <p:cNvPr id="4" name="Text Placeholder 3"/>
-          <p:cNvSpPr>
-            <a:spLocks noGrp="1"/>
-          </p:cNvSpPr>
-          <p:nvPr>
-            <p:ph type="body" sz="half" idx="2"/>
-          </p:nvPr>
-        </p:nvSpPr>
-        <p:spPr>
-          <a:xfrm>
-            <a:off x="685331" y="3279597"/>
-            <a:ext cx="7773339" cy="1065790"/>
-          </a:xfrm>
-        </p:spPr>
-        <p:txBody>
-          <a:bodyPr anchor="ctr">
-            <a:normAutofit/>
-          </a:bodyPr>
-          <a:lstStyle>
-            <a:lvl1pPr marL="0" indent="0" algn="ctr">
-              <a:buNone/>
-              <a:defRPr sz="1200"/>
-            </a:lvl1pPr>
-            <a:lvl2pPr marL="342900" indent="0">
-              <a:buNone/>
-              <a:defRPr sz="1050"/>
-            </a:lvl2pPr>
-            <a:lvl3pPr marL="685800" indent="0">
-              <a:buNone/>
-              <a:defRPr sz="900"/>
-            </a:lvl3pPr>
-            <a:lvl4pPr marL="1028700" indent="0">
-              <a:buNone/>
-              <a:defRPr sz="750"/>
-            </a:lvl4pPr>
-            <a:lvl5pPr marL="1371600" indent="0">
-              <a:buNone/>
-              <a:defRPr sz="750"/>
-            </a:lvl5pPr>
-            <a:lvl6pPr marL="1714500" indent="0">
-              <a:buNone/>
-              <a:defRPr sz="750"/>
-            </a:lvl6pPr>
-            <a:lvl7pPr marL="2057400" indent="0">
-              <a:buNone/>
-              <a:defRPr sz="750"/>
-            </a:lvl7pPr>
-            <a:lvl8pPr marL="2400300" indent="0">
-              <a:buNone/>
-              <a:defRPr sz="750"/>
-            </a:lvl8pPr>
-            <a:lvl9pPr marL="2743200" indent="0">
-              <a:buNone/>
-              <a:defRPr sz="750"/>
-            </a:lvl9pPr>
-          </a:lstStyle>
-          <a:p>
-            <a:pPr lvl="0"/>
-            <a:r>
-              <a:rPr lang="en-US"/>
-              <a:t>Click to edit Master text styles</a:t>
-            </a:r>
-          </a:p>
-        </p:txBody>
-      </p:sp>
-      <p:sp>
-        <p:nvSpPr>
-          <p:cNvPr id="5" name="Date Placeholder 4"/>
-          <p:cNvSpPr>
-            <a:spLocks noGrp="1"/>
-          </p:cNvSpPr>
-          <p:nvPr>
-            <p:ph type="dt" sz="half" idx="10"/>
-          </p:nvPr>
-        </p:nvSpPr>
-        <p:spPr/>
-        <p:txBody>
-          <a:bodyPr/>
-          <a:lstStyle/>
-          <a:p>
-            <a:fld id="{BB02557A-7053-4340-A874-8AB926A8EDA1}" type="datetimeFigureOut">
-              <a:rPr lang="en-US" smtClean="0"/>
-              <a:pPr/>
-              <a:t>9/1/2020</a:t>
-            </a:fld>
-            <a:endParaRPr lang="en-US" dirty="0"/>
-          </a:p>
-        </p:txBody>
-      </p:sp>
-      <p:sp>
-        <p:nvSpPr>
-          <p:cNvPr id="6" name="Footer Placeholder 5"/>
-          <p:cNvSpPr>
-            <a:spLocks noGrp="1"/>
-          </p:cNvSpPr>
-          <p:nvPr>
-            <p:ph type="ftr" sz="quarter" idx="11"/>
-          </p:nvPr>
-        </p:nvSpPr>
-        <p:spPr/>
-        <p:txBody>
-          <a:bodyPr/>
-          <a:lstStyle/>
-          <a:p>
-            <a:endParaRPr lang="en-US" dirty="0"/>
-          </a:p>
-        </p:txBody>
-      </p:sp>
-      <p:sp>
-        <p:nvSpPr>
-          <p:cNvPr id="7" name="Slide Number Placeholder 6"/>
-          <p:cNvSpPr>
-            <a:spLocks noGrp="1"/>
-          </p:cNvSpPr>
-          <p:nvPr>
-            <p:ph type="sldNum" sz="quarter" idx="12"/>
-          </p:nvPr>
-        </p:nvSpPr>
-        <p:spPr/>
-        <p:txBody>
-          <a:bodyPr/>
-          <a:lstStyle/>
-          <a:p>
-            <a:pPr marL="0" lvl="0" indent="0" algn="r" rtl="0">
-              <a:spcBef>
-                <a:spcPts val="0"/>
-              </a:spcBef>
-              <a:spcAft>
-                <a:spcPts val="0"/>
-              </a:spcAft>
-              <a:buNone/>
-            </a:pPr>
-            <a:fld id="{00000000-1234-1234-1234-123412341234}" type="slidenum">
-              <a:rPr lang="en" smtClean="0"/>
-              <a:t>‹#›</a:t>
-            </a:fld>
-            <a:endParaRPr lang="en"/>
-          </a:p>
-        </p:txBody>
-      </p:sp>
-      <p:sp>
-        <p:nvSpPr>
-          <p:cNvPr id="13" name="TextBox 12"/>
-          <p:cNvSpPr txBox="1"/>
-          <p:nvPr/>
-        </p:nvSpPr>
-        <p:spPr>
-          <a:xfrm>
-            <a:off x="751116" y="565625"/>
-            <a:ext cx="457200" cy="438582"/>
-          </a:xfrm>
-          <a:prstGeom prst="rect">
-            <a:avLst/>
-          </a:prstGeom>
-        </p:spPr>
-        <p:txBody>
-          <a:bodyPr vert="horz" lIns="68580" tIns="34290" rIns="68580" bIns="34290" rtlCol="0" anchor="ctr">
-            <a:noAutofit/>
-          </a:bodyPr>
-          <a:lstStyle>
-            <a:lvl1pPr>
-              <a:spcBef>
-                <a:spcPct val="0"/>
-              </a:spcBef>
-              <a:buNone/>
-              <a:defRPr sz="3200" b="0" cap="all">
-                <a:ln w="3175" cmpd="sng">
-                  <a:noFill/>
-                </a:ln>
-                <a:effectLst>
-                  <a:glow rad="38100">
-                    <a:schemeClr val="bg1">
-                      <a:lumMod val="65000"/>
-                      <a:lumOff val="35000"/>
-                      <a:alpha val="40000"/>
-                    </a:schemeClr>
-                  </a:glow>
-                  <a:outerShdw blurRad="28575" dist="38100" dir="14040000" algn="tl" rotWithShape="0">
-                    <a:srgbClr val="000000">
-                      <a:alpha val="25000"/>
-                    </a:srgbClr>
-                  </a:outerShdw>
-                </a:effectLst>
-              </a:defRPr>
-            </a:lvl1pPr>
-            <a:lvl2pPr>
-              <a:defRPr>
-                <a:solidFill>
-                  <a:schemeClr val="tx2"/>
-                </a:solidFill>
-              </a:defRPr>
-            </a:lvl2pPr>
-            <a:lvl3pPr>
-              <a:defRPr>
-                <a:solidFill>
-                  <a:schemeClr val="tx2"/>
-                </a:solidFill>
-              </a:defRPr>
-            </a:lvl3pPr>
-            <a:lvl4pPr>
-              <a:defRPr>
-                <a:solidFill>
-                  <a:schemeClr val="tx2"/>
-                </a:solidFill>
-              </a:defRPr>
-            </a:lvl4pPr>
-            <a:lvl5pPr>
-              <a:defRPr>
-                <a:solidFill>
-                  <a:schemeClr val="tx2"/>
-                </a:solidFill>
-              </a:defRPr>
-            </a:lvl5pPr>
-            <a:lvl6pPr>
-              <a:defRPr>
-                <a:solidFill>
-                  <a:schemeClr val="tx2"/>
-                </a:solidFill>
-              </a:defRPr>
-            </a:lvl6pPr>
-            <a:lvl7pPr>
-              <a:defRPr>
-                <a:solidFill>
-                  <a:schemeClr val="tx2"/>
-                </a:solidFill>
-              </a:defRPr>
-            </a:lvl7pPr>
-            <a:lvl8pPr>
-              <a:defRPr>
-                <a:solidFill>
-                  <a:schemeClr val="tx2"/>
-                </a:solidFill>
-              </a:defRPr>
-            </a:lvl8pPr>
-            <a:lvl9pPr>
-              <a:defRPr>
-                <a:solidFill>
-                  <a:schemeClr val="tx2"/>
-                </a:solidFill>
-              </a:defRPr>
-            </a:lvl9pPr>
-          </a:lstStyle>
-          <a:p>
-            <a:pPr lvl="0"/>
-            <a:r>
-              <a:rPr lang="en-US" sz="6000" dirty="0">
-                <a:solidFill>
-                  <a:schemeClr val="tx1"/>
-                </a:solidFill>
-                <a:effectLst/>
-              </a:rPr>
-              <a:t>“</a:t>
-            </a:r>
-          </a:p>
-        </p:txBody>
-      </p:sp>
-      <p:sp>
-        <p:nvSpPr>
-          <p:cNvPr id="14" name="TextBox 13"/>
-          <p:cNvSpPr txBox="1"/>
-          <p:nvPr/>
-        </p:nvSpPr>
-        <p:spPr>
-          <a:xfrm>
-            <a:off x="7918169" y="2245184"/>
-            <a:ext cx="457200" cy="438582"/>
-          </a:xfrm>
-          <a:prstGeom prst="rect">
-            <a:avLst/>
-          </a:prstGeom>
-        </p:spPr>
-        <p:txBody>
-          <a:bodyPr vert="horz" lIns="68580" tIns="34290" rIns="68580" bIns="34290" rtlCol="0" anchor="ctr">
-            <a:noAutofit/>
-          </a:bodyPr>
-          <a:lstStyle>
-            <a:lvl1pPr>
-              <a:spcBef>
-                <a:spcPct val="0"/>
-              </a:spcBef>
-              <a:buNone/>
-              <a:defRPr sz="3200" b="0" cap="all">
-                <a:ln w="3175" cmpd="sng">
-                  <a:noFill/>
-                </a:ln>
-                <a:effectLst>
-                  <a:glow rad="38100">
-                    <a:schemeClr val="bg1">
-                      <a:lumMod val="65000"/>
-                      <a:lumOff val="35000"/>
-                      <a:alpha val="40000"/>
-                    </a:schemeClr>
-                  </a:glow>
-                  <a:outerShdw blurRad="28575" dist="38100" dir="14040000" algn="tl" rotWithShape="0">
-                    <a:srgbClr val="000000">
-                      <a:alpha val="25000"/>
-                    </a:srgbClr>
-                  </a:outerShdw>
-                </a:effectLst>
-              </a:defRPr>
-            </a:lvl1pPr>
-            <a:lvl2pPr>
-              <a:defRPr>
-                <a:solidFill>
-                  <a:schemeClr val="tx2"/>
-                </a:solidFill>
-              </a:defRPr>
-            </a:lvl2pPr>
-            <a:lvl3pPr>
-              <a:defRPr>
-                <a:solidFill>
-                  <a:schemeClr val="tx2"/>
-                </a:solidFill>
-              </a:defRPr>
-            </a:lvl3pPr>
-            <a:lvl4pPr>
-              <a:defRPr>
-                <a:solidFill>
-                  <a:schemeClr val="tx2"/>
-                </a:solidFill>
-              </a:defRPr>
-            </a:lvl4pPr>
-            <a:lvl5pPr>
-              <a:defRPr>
-                <a:solidFill>
-                  <a:schemeClr val="tx2"/>
-                </a:solidFill>
-              </a:defRPr>
-            </a:lvl5pPr>
-            <a:lvl6pPr>
-              <a:defRPr>
-                <a:solidFill>
-                  <a:schemeClr val="tx2"/>
-                </a:solidFill>
-              </a:defRPr>
-            </a:lvl6pPr>
-            <a:lvl7pPr>
-              <a:defRPr>
-                <a:solidFill>
-                  <a:schemeClr val="tx2"/>
-                </a:solidFill>
-              </a:defRPr>
-            </a:lvl7pPr>
-            <a:lvl8pPr>
-              <a:defRPr>
-                <a:solidFill>
-                  <a:schemeClr val="tx2"/>
-                </a:solidFill>
-              </a:defRPr>
-            </a:lvl8pPr>
-            <a:lvl9pPr>
-              <a:defRPr>
-                <a:solidFill>
-                  <a:schemeClr val="tx2"/>
-                </a:solidFill>
-              </a:defRPr>
-            </a:lvl9pPr>
-          </a:lstStyle>
-          <a:p>
-            <a:pPr lvl="0" algn="r"/>
-            <a:r>
-              <a:rPr lang="en-US" sz="6000" dirty="0">
-                <a:solidFill>
-                  <a:schemeClr val="tx1"/>
-                </a:solidFill>
-                <a:effectLst/>
-              </a:rPr>
-              <a:t>”</a:t>
-            </a:r>
-          </a:p>
-        </p:txBody>
-      </p:sp>
-    </p:spTree>
-    <p:extLst>
-      <p:ext uri="{BB962C8B-B14F-4D97-AF65-F5344CB8AC3E}">
-        <p14:creationId xmlns:p14="http://schemas.microsoft.com/office/powerpoint/2010/main" val="2940455634"/>
-      </p:ext>
-    </p:extLst>
-  </p:cSld>
-  <p:clrMapOvr>
-    <a:masterClrMapping/>
-  </p:clrMapOvr>
-  <p:hf sldNum="0" hdr="0" ftr="0" dt="0"/>
-</p:sldLayout>
-</file>
-
-<file path=ppt/slideLayouts/slideLayout13.xml><?xml version="1.0" encoding="utf-8"?>
-<p:sldLayout xmlns:a="http://schemas.openxmlformats.org/drawingml/2006/main" xmlns:r="http://schemas.openxmlformats.org/officeDocument/2006/relationships" xmlns:p="http://schemas.openxmlformats.org/presentationml/2006/main" preserve="1">
-  <p:cSld name="Name Card">
-    <p:spTree>
-      <p:nvGrpSpPr>
-        <p:cNvPr id="1" name=""/>
-        <p:cNvGrpSpPr/>
-        <p:nvPr/>
-      </p:nvGrpSpPr>
-      <p:grpSpPr>
-        <a:xfrm>
-          <a:off x="0" y="0"/>
-          <a:ext cx="0" cy="0"/>
-          <a:chOff x="0" y="0"/>
-          <a:chExt cx="0" cy="0"/>
-        </a:xfrm>
-      </p:grpSpPr>
-      <p:pic>
-        <p:nvPicPr>
-          <p:cNvPr id="8" name="Picture 7" descr="Droplets-HD-Content-R1d.png"/>
-          <p:cNvPicPr>
-            <a:picLocks noChangeAspect="1"/>
-          </p:cNvPicPr>
-          <p:nvPr/>
-        </p:nvPicPr>
-        <p:blipFill>
-          <a:blip r:embed="rId2">
-            <a:extLst>
-              <a:ext uri="{28A0092B-C50C-407E-A947-70E740481C1C}">
-                <a14:useLocalDpi xmlns:a14="http://schemas.microsoft.com/office/drawing/2010/main" val="0"/>
-              </a:ext>
-            </a:extLst>
-          </a:blip>
-          <a:stretch>
-            <a:fillRect/>
-          </a:stretch>
-        </p:blipFill>
-        <p:spPr>
-          <a:xfrm>
-            <a:off x="0" y="0"/>
-            <a:ext cx="9144000" cy="5143500"/>
-          </a:xfrm>
-          <a:prstGeom prst="rect">
-            <a:avLst/>
-          </a:prstGeom>
-        </p:spPr>
-      </p:pic>
-      <p:sp>
-        <p:nvSpPr>
-          <p:cNvPr id="2" name="Title 1"/>
-          <p:cNvSpPr>
-            <a:spLocks noGrp="1"/>
-          </p:cNvSpPr>
-          <p:nvPr>
-            <p:ph type="title"/>
-          </p:nvPr>
-        </p:nvSpPr>
-        <p:spPr>
-          <a:xfrm>
-            <a:off x="685331" y="1604041"/>
-            <a:ext cx="7773339" cy="1883876"/>
-          </a:xfrm>
-        </p:spPr>
-        <p:txBody>
-          <a:bodyPr anchor="b"/>
-          <a:lstStyle>
-            <a:lvl1pPr algn="ctr">
-              <a:defRPr sz="2400"/>
-            </a:lvl1pPr>
-          </a:lstStyle>
-          <a:p>
-            <a:r>
-              <a:rPr lang="en-US"/>
-              <a:t>Click to edit Master title style</a:t>
-            </a:r>
-            <a:endParaRPr lang="en-US" dirty="0"/>
-          </a:p>
-        </p:txBody>
-      </p:sp>
-      <p:sp>
-        <p:nvSpPr>
-          <p:cNvPr id="4" name="Text Placeholder 3"/>
-          <p:cNvSpPr>
-            <a:spLocks noGrp="1"/>
-          </p:cNvSpPr>
-          <p:nvPr>
-            <p:ph type="body" sz="half" idx="2"/>
-          </p:nvPr>
-        </p:nvSpPr>
-        <p:spPr>
-          <a:xfrm>
-            <a:off x="685331" y="3496751"/>
-            <a:ext cx="7773339" cy="855483"/>
-          </a:xfrm>
-        </p:spPr>
-        <p:txBody>
-          <a:bodyPr anchor="t"/>
-          <a:lstStyle>
-            <a:lvl1pPr marL="0" indent="0" algn="ctr">
-              <a:buNone/>
-              <a:defRPr sz="1200"/>
-            </a:lvl1pPr>
-            <a:lvl2pPr marL="342900" indent="0">
-              <a:buNone/>
-              <a:defRPr sz="1050"/>
-            </a:lvl2pPr>
-            <a:lvl3pPr marL="685800" indent="0">
-              <a:buNone/>
-              <a:defRPr sz="900"/>
-            </a:lvl3pPr>
-            <a:lvl4pPr marL="1028700" indent="0">
-              <a:buNone/>
-              <a:defRPr sz="750"/>
-            </a:lvl4pPr>
-            <a:lvl5pPr marL="1371600" indent="0">
-              <a:buNone/>
-              <a:defRPr sz="750"/>
-            </a:lvl5pPr>
-            <a:lvl6pPr marL="1714500" indent="0">
-              <a:buNone/>
-              <a:defRPr sz="750"/>
-            </a:lvl6pPr>
-            <a:lvl7pPr marL="2057400" indent="0">
-              <a:buNone/>
-              <a:defRPr sz="750"/>
-            </a:lvl7pPr>
-            <a:lvl8pPr marL="2400300" indent="0">
-              <a:buNone/>
-              <a:defRPr sz="750"/>
-            </a:lvl8pPr>
-            <a:lvl9pPr marL="2743200" indent="0">
-              <a:buNone/>
-              <a:defRPr sz="750"/>
-            </a:lvl9pPr>
-          </a:lstStyle>
-          <a:p>
-            <a:pPr lvl="0"/>
-            <a:r>
-              <a:rPr lang="en-US"/>
-              <a:t>Click to edit Master text styles</a:t>
-            </a:r>
-          </a:p>
-        </p:txBody>
-      </p:sp>
-      <p:sp>
-        <p:nvSpPr>
-          <p:cNvPr id="5" name="Date Placeholder 4"/>
-          <p:cNvSpPr>
-            <a:spLocks noGrp="1"/>
-          </p:cNvSpPr>
-          <p:nvPr>
-            <p:ph type="dt" sz="half" idx="10"/>
-          </p:nvPr>
-        </p:nvSpPr>
-        <p:spPr/>
-        <p:txBody>
-          <a:bodyPr/>
-          <a:lstStyle/>
-          <a:p>
-            <a:fld id="{BB02557A-7053-4340-A874-8AB926A8EDA1}" type="datetimeFigureOut">
-              <a:rPr lang="en-US" smtClean="0"/>
-              <a:pPr/>
-              <a:t>9/1/2020</a:t>
-            </a:fld>
-            <a:endParaRPr lang="en-US" dirty="0"/>
-          </a:p>
-        </p:txBody>
-      </p:sp>
-      <p:sp>
-        <p:nvSpPr>
-          <p:cNvPr id="6" name="Footer Placeholder 5"/>
-          <p:cNvSpPr>
-            <a:spLocks noGrp="1"/>
-          </p:cNvSpPr>
-          <p:nvPr>
-            <p:ph type="ftr" sz="quarter" idx="11"/>
-          </p:nvPr>
-        </p:nvSpPr>
-        <p:spPr/>
-        <p:txBody>
-          <a:bodyPr/>
-          <a:lstStyle/>
-          <a:p>
-            <a:endParaRPr lang="en-US" dirty="0"/>
-          </a:p>
-        </p:txBody>
-      </p:sp>
-      <p:sp>
-        <p:nvSpPr>
-          <p:cNvPr id="7" name="Slide Number Placeholder 6"/>
-          <p:cNvSpPr>
-            <a:spLocks noGrp="1"/>
-          </p:cNvSpPr>
-          <p:nvPr>
-            <p:ph type="sldNum" sz="quarter" idx="12"/>
-          </p:nvPr>
-        </p:nvSpPr>
-        <p:spPr/>
-        <p:txBody>
-          <a:bodyPr/>
-          <a:lstStyle/>
-          <a:p>
-            <a:pPr marL="0" lvl="0" indent="0" algn="r" rtl="0">
-              <a:spcBef>
-                <a:spcPts val="0"/>
-              </a:spcBef>
-              <a:spcAft>
-                <a:spcPts val="0"/>
-              </a:spcAft>
-              <a:buNone/>
-            </a:pPr>
-            <a:fld id="{00000000-1234-1234-1234-123412341234}" type="slidenum">
-              <a:rPr lang="en" smtClean="0"/>
-              <a:t>‹#›</a:t>
-            </a:fld>
-            <a:endParaRPr lang="en"/>
-          </a:p>
-        </p:txBody>
-      </p:sp>
-    </p:spTree>
-    <p:extLst>
-      <p:ext uri="{BB962C8B-B14F-4D97-AF65-F5344CB8AC3E}">
-        <p14:creationId xmlns:p14="http://schemas.microsoft.com/office/powerpoint/2010/main" val="883498414"/>
-      </p:ext>
-    </p:extLst>
-  </p:cSld>
-  <p:clrMapOvr>
-    <a:masterClrMapping/>
-  </p:clrMapOvr>
-  <p:hf sldNum="0" hdr="0" ftr="0" dt="0"/>
-</p:sldLayout>
-</file>
-
-<file path=ppt/slideLayouts/slideLayout14.xml><?xml version="1.0" encoding="utf-8"?>
-<p:sldLayout xmlns:a="http://schemas.openxmlformats.org/drawingml/2006/main" xmlns:r="http://schemas.openxmlformats.org/officeDocument/2006/relationships" xmlns:p="http://schemas.openxmlformats.org/presentationml/2006/main" preserve="1">
-  <p:cSld name="3 Column">
-    <p:spTree>
-      <p:nvGrpSpPr>
-        <p:cNvPr id="1" name=""/>
-        <p:cNvGrpSpPr/>
-        <p:nvPr/>
-      </p:nvGrpSpPr>
-      <p:grpSpPr>
-        <a:xfrm>
-          <a:off x="0" y="0"/>
-          <a:ext cx="0" cy="0"/>
-          <a:chOff x="0" y="0"/>
-          <a:chExt cx="0" cy="0"/>
-        </a:xfrm>
-      </p:grpSpPr>
-      <p:pic>
-        <p:nvPicPr>
-          <p:cNvPr id="13" name="Picture 12" descr="Droplets-HD-Content-R1d.png"/>
-          <p:cNvPicPr>
-            <a:picLocks noChangeAspect="1"/>
-          </p:cNvPicPr>
-          <p:nvPr/>
-        </p:nvPicPr>
-        <p:blipFill>
-          <a:blip r:embed="rId2">
-            <a:extLst>
-              <a:ext uri="{28A0092B-C50C-407E-A947-70E740481C1C}">
-                <a14:useLocalDpi xmlns:a14="http://schemas.microsoft.com/office/drawing/2010/main" val="0"/>
-              </a:ext>
-            </a:extLst>
-          </a:blip>
-          <a:stretch>
-            <a:fillRect/>
-          </a:stretch>
-        </p:blipFill>
-        <p:spPr>
-          <a:xfrm>
-            <a:off x="0" y="0"/>
-            <a:ext cx="9144000" cy="5143500"/>
-          </a:xfrm>
-          <a:prstGeom prst="rect">
-            <a:avLst/>
-          </a:prstGeom>
-        </p:spPr>
-      </p:pic>
-      <p:sp>
-        <p:nvSpPr>
-          <p:cNvPr id="15" name="Title 1"/>
-          <p:cNvSpPr>
-            <a:spLocks noGrp="1"/>
-          </p:cNvSpPr>
-          <p:nvPr>
-            <p:ph type="title"/>
-          </p:nvPr>
-        </p:nvSpPr>
-        <p:spPr>
-          <a:xfrm>
-            <a:off x="685331" y="457200"/>
-            <a:ext cx="7773339" cy="1203821"/>
-          </a:xfrm>
-        </p:spPr>
-        <p:txBody>
-          <a:bodyPr/>
-          <a:lstStyle/>
-          <a:p>
-            <a:r>
-              <a:rPr lang="en-US"/>
-              <a:t>Click to edit Master title style</a:t>
-            </a:r>
-            <a:endParaRPr lang="en-US" dirty="0"/>
-          </a:p>
-        </p:txBody>
-      </p:sp>
-      <p:sp>
-        <p:nvSpPr>
-          <p:cNvPr id="7" name="Text Placeholder 2"/>
-          <p:cNvSpPr>
-            <a:spLocks noGrp="1"/>
-          </p:cNvSpPr>
-          <p:nvPr>
-            <p:ph type="body" idx="1"/>
-          </p:nvPr>
-        </p:nvSpPr>
-        <p:spPr>
-          <a:xfrm>
-            <a:off x="685331" y="1775320"/>
-            <a:ext cx="2474232" cy="432197"/>
-          </a:xfrm>
-        </p:spPr>
-        <p:txBody>
-          <a:bodyPr anchor="b">
-            <a:noAutofit/>
-          </a:bodyPr>
-          <a:lstStyle>
-            <a:lvl1pPr marL="0" indent="0" algn="ctr">
-              <a:lnSpc>
-                <a:spcPct val="85000"/>
-              </a:lnSpc>
-              <a:buNone/>
-              <a:defRPr sz="1800" b="0">
-                <a:solidFill>
-                  <a:schemeClr val="tx1"/>
-                </a:solidFill>
-              </a:defRPr>
-            </a:lvl1pPr>
-            <a:lvl2pPr marL="342900" indent="0">
-              <a:buNone/>
-              <a:defRPr sz="1500" b="1"/>
-            </a:lvl2pPr>
-            <a:lvl3pPr marL="685800" indent="0">
-              <a:buNone/>
-              <a:defRPr sz="1350" b="1"/>
-            </a:lvl3pPr>
-            <a:lvl4pPr marL="1028700" indent="0">
-              <a:buNone/>
-              <a:defRPr sz="1200" b="1"/>
-            </a:lvl4pPr>
-            <a:lvl5pPr marL="1371600" indent="0">
-              <a:buNone/>
-              <a:defRPr sz="1200" b="1"/>
-            </a:lvl5pPr>
-            <a:lvl6pPr marL="1714500" indent="0">
-              <a:buNone/>
-              <a:defRPr sz="1200" b="1"/>
-            </a:lvl6pPr>
-            <a:lvl7pPr marL="2057400" indent="0">
-              <a:buNone/>
-              <a:defRPr sz="1200" b="1"/>
-            </a:lvl7pPr>
-            <a:lvl8pPr marL="2400300" indent="0">
-              <a:buNone/>
-              <a:defRPr sz="1200" b="1"/>
-            </a:lvl8pPr>
-            <a:lvl9pPr marL="2743200" indent="0">
-              <a:buNone/>
-              <a:defRPr sz="1200" b="1"/>
-            </a:lvl9pPr>
-          </a:lstStyle>
-          <a:p>
-            <a:pPr lvl="0"/>
-            <a:r>
-              <a:rPr lang="en-US"/>
-              <a:t>Click to edit Master text styles</a:t>
-            </a:r>
-          </a:p>
-        </p:txBody>
-      </p:sp>
-      <p:sp>
-        <p:nvSpPr>
-          <p:cNvPr id="8" name="Text Placeholder 3"/>
-          <p:cNvSpPr>
-            <a:spLocks noGrp="1"/>
-          </p:cNvSpPr>
-          <p:nvPr>
-            <p:ph type="body" sz="half" idx="15"/>
-          </p:nvPr>
-        </p:nvSpPr>
-        <p:spPr>
-          <a:xfrm>
-            <a:off x="685331" y="2207517"/>
-            <a:ext cx="2474232" cy="2135884"/>
-          </a:xfrm>
-        </p:spPr>
-        <p:txBody>
-          <a:bodyPr anchor="t">
-            <a:normAutofit/>
-          </a:bodyPr>
-          <a:lstStyle>
-            <a:lvl1pPr marL="0" indent="0" algn="ctr">
-              <a:buNone/>
-              <a:defRPr sz="1050"/>
-            </a:lvl1pPr>
-            <a:lvl2pPr marL="342900" indent="0">
-              <a:buNone/>
-              <a:defRPr sz="900"/>
-            </a:lvl2pPr>
-            <a:lvl3pPr marL="685800" indent="0">
-              <a:buNone/>
-              <a:defRPr sz="750"/>
-            </a:lvl3pPr>
-            <a:lvl4pPr marL="1028700" indent="0">
-              <a:buNone/>
-              <a:defRPr sz="675"/>
-            </a:lvl4pPr>
-            <a:lvl5pPr marL="1371600" indent="0">
-              <a:buNone/>
-              <a:defRPr sz="675"/>
-            </a:lvl5pPr>
-            <a:lvl6pPr marL="1714500" indent="0">
-              <a:buNone/>
-              <a:defRPr sz="675"/>
-            </a:lvl6pPr>
-            <a:lvl7pPr marL="2057400" indent="0">
-              <a:buNone/>
-              <a:defRPr sz="675"/>
-            </a:lvl7pPr>
-            <a:lvl8pPr marL="2400300" indent="0">
-              <a:buNone/>
-              <a:defRPr sz="675"/>
-            </a:lvl8pPr>
-            <a:lvl9pPr marL="2743200" indent="0">
-              <a:buNone/>
-              <a:defRPr sz="675"/>
-            </a:lvl9pPr>
-          </a:lstStyle>
-          <a:p>
-            <a:pPr lvl="0"/>
-            <a:r>
-              <a:rPr lang="en-US"/>
-              <a:t>Click to edit Master text styles</a:t>
-            </a:r>
-          </a:p>
-        </p:txBody>
-      </p:sp>
-      <p:sp>
-        <p:nvSpPr>
-          <p:cNvPr id="9" name="Text Placeholder 4"/>
-          <p:cNvSpPr>
-            <a:spLocks noGrp="1"/>
-          </p:cNvSpPr>
-          <p:nvPr>
-            <p:ph type="body" sz="quarter" idx="3"/>
-          </p:nvPr>
-        </p:nvSpPr>
-        <p:spPr>
-          <a:xfrm>
-            <a:off x="3339292" y="1775320"/>
-            <a:ext cx="2468641" cy="432197"/>
-          </a:xfrm>
-        </p:spPr>
-        <p:txBody>
-          <a:bodyPr anchor="b">
-            <a:noAutofit/>
-          </a:bodyPr>
-          <a:lstStyle>
-            <a:lvl1pPr marL="0" indent="0" algn="ctr">
-              <a:lnSpc>
-                <a:spcPct val="85000"/>
-              </a:lnSpc>
-              <a:buNone/>
-              <a:defRPr sz="1800" b="0">
-                <a:solidFill>
-                  <a:schemeClr val="tx1"/>
-                </a:solidFill>
-              </a:defRPr>
-            </a:lvl1pPr>
-            <a:lvl2pPr marL="342900" indent="0">
-              <a:buNone/>
-              <a:defRPr sz="1500" b="1"/>
-            </a:lvl2pPr>
-            <a:lvl3pPr marL="685800" indent="0">
-              <a:buNone/>
-              <a:defRPr sz="1350" b="1"/>
-            </a:lvl3pPr>
-            <a:lvl4pPr marL="1028700" indent="0">
-              <a:buNone/>
-              <a:defRPr sz="1200" b="1"/>
-            </a:lvl4pPr>
-            <a:lvl5pPr marL="1371600" indent="0">
-              <a:buNone/>
-              <a:defRPr sz="1200" b="1"/>
-            </a:lvl5pPr>
-            <a:lvl6pPr marL="1714500" indent="0">
-              <a:buNone/>
-              <a:defRPr sz="1200" b="1"/>
-            </a:lvl6pPr>
-            <a:lvl7pPr marL="2057400" indent="0">
-              <a:buNone/>
-              <a:defRPr sz="1200" b="1"/>
-            </a:lvl7pPr>
-            <a:lvl8pPr marL="2400300" indent="0">
-              <a:buNone/>
-              <a:defRPr sz="1200" b="1"/>
-            </a:lvl8pPr>
-            <a:lvl9pPr marL="2743200" indent="0">
-              <a:buNone/>
-              <a:defRPr sz="1200" b="1"/>
-            </a:lvl9pPr>
-          </a:lstStyle>
-          <a:p>
-            <a:pPr lvl="0"/>
-            <a:r>
-              <a:rPr lang="en-US"/>
-              <a:t>Click to edit Master text styles</a:t>
-            </a:r>
-          </a:p>
-        </p:txBody>
-      </p:sp>
-      <p:sp>
-        <p:nvSpPr>
-          <p:cNvPr id="10" name="Text Placeholder 3"/>
-          <p:cNvSpPr>
-            <a:spLocks noGrp="1"/>
-          </p:cNvSpPr>
-          <p:nvPr>
-            <p:ph type="body" sz="half" idx="16"/>
-          </p:nvPr>
-        </p:nvSpPr>
-        <p:spPr>
-          <a:xfrm>
-            <a:off x="3331012" y="2207517"/>
-            <a:ext cx="2477513" cy="2135884"/>
-          </a:xfrm>
-        </p:spPr>
-        <p:txBody>
-          <a:bodyPr anchor="t">
-            <a:normAutofit/>
-          </a:bodyPr>
-          <a:lstStyle>
-            <a:lvl1pPr marL="0" indent="0" algn="ctr">
-              <a:buNone/>
-              <a:defRPr sz="1050"/>
-            </a:lvl1pPr>
-            <a:lvl2pPr marL="342900" indent="0">
-              <a:buNone/>
-              <a:defRPr sz="900"/>
-            </a:lvl2pPr>
-            <a:lvl3pPr marL="685800" indent="0">
-              <a:buNone/>
-              <a:defRPr sz="750"/>
-            </a:lvl3pPr>
-            <a:lvl4pPr marL="1028700" indent="0">
-              <a:buNone/>
-              <a:defRPr sz="675"/>
-            </a:lvl4pPr>
-            <a:lvl5pPr marL="1371600" indent="0">
-              <a:buNone/>
-              <a:defRPr sz="675"/>
-            </a:lvl5pPr>
-            <a:lvl6pPr marL="1714500" indent="0">
-              <a:buNone/>
-              <a:defRPr sz="675"/>
-            </a:lvl6pPr>
-            <a:lvl7pPr marL="2057400" indent="0">
-              <a:buNone/>
-              <a:defRPr sz="675"/>
-            </a:lvl7pPr>
-            <a:lvl8pPr marL="2400300" indent="0">
-              <a:buNone/>
-              <a:defRPr sz="675"/>
-            </a:lvl8pPr>
-            <a:lvl9pPr marL="2743200" indent="0">
-              <a:buNone/>
-              <a:defRPr sz="675"/>
-            </a:lvl9pPr>
-          </a:lstStyle>
-          <a:p>
-            <a:pPr lvl="0"/>
-            <a:r>
-              <a:rPr lang="en-US"/>
-              <a:t>Click to edit Master text styles</a:t>
-            </a:r>
-          </a:p>
-        </p:txBody>
-      </p:sp>
-      <p:sp>
-        <p:nvSpPr>
-          <p:cNvPr id="11" name="Text Placeholder 4"/>
-          <p:cNvSpPr>
-            <a:spLocks noGrp="1"/>
-          </p:cNvSpPr>
-          <p:nvPr>
-            <p:ph type="body" sz="quarter" idx="13"/>
-          </p:nvPr>
-        </p:nvSpPr>
-        <p:spPr>
-          <a:xfrm>
-            <a:off x="5979974" y="1775320"/>
-            <a:ext cx="2478696" cy="432197"/>
-          </a:xfrm>
-        </p:spPr>
-        <p:txBody>
-          <a:bodyPr anchor="b">
-            <a:noAutofit/>
-          </a:bodyPr>
-          <a:lstStyle>
-            <a:lvl1pPr marL="0" indent="0" algn="ctr">
-              <a:lnSpc>
-                <a:spcPct val="85000"/>
-              </a:lnSpc>
-              <a:buNone/>
-              <a:defRPr sz="1800" b="0">
-                <a:solidFill>
-                  <a:schemeClr val="tx1"/>
-                </a:solidFill>
-              </a:defRPr>
-            </a:lvl1pPr>
-            <a:lvl2pPr marL="342900" indent="0">
-              <a:buNone/>
-              <a:defRPr sz="1500" b="1"/>
-            </a:lvl2pPr>
-            <a:lvl3pPr marL="685800" indent="0">
-              <a:buNone/>
-              <a:defRPr sz="1350" b="1"/>
-            </a:lvl3pPr>
-            <a:lvl4pPr marL="1028700" indent="0">
-              <a:buNone/>
-              <a:defRPr sz="1200" b="1"/>
-            </a:lvl4pPr>
-            <a:lvl5pPr marL="1371600" indent="0">
-              <a:buNone/>
-              <a:defRPr sz="1200" b="1"/>
-            </a:lvl5pPr>
-            <a:lvl6pPr marL="1714500" indent="0">
-              <a:buNone/>
-              <a:defRPr sz="1200" b="1"/>
-            </a:lvl6pPr>
-            <a:lvl7pPr marL="2057400" indent="0">
-              <a:buNone/>
-              <a:defRPr sz="1200" b="1"/>
-            </a:lvl7pPr>
-            <a:lvl8pPr marL="2400300" indent="0">
-              <a:buNone/>
-              <a:defRPr sz="1200" b="1"/>
-            </a:lvl8pPr>
-            <a:lvl9pPr marL="2743200" indent="0">
-              <a:buNone/>
-              <a:defRPr sz="1200" b="1"/>
-            </a:lvl9pPr>
-          </a:lstStyle>
-          <a:p>
-            <a:pPr lvl="0"/>
-            <a:r>
-              <a:rPr lang="en-US"/>
-              <a:t>Click to edit Master text styles</a:t>
-            </a:r>
-          </a:p>
-        </p:txBody>
-      </p:sp>
-      <p:sp>
-        <p:nvSpPr>
-          <p:cNvPr id="12" name="Text Placeholder 3"/>
-          <p:cNvSpPr>
-            <a:spLocks noGrp="1"/>
-          </p:cNvSpPr>
-          <p:nvPr>
-            <p:ph type="body" sz="half" idx="17"/>
-          </p:nvPr>
-        </p:nvSpPr>
-        <p:spPr>
-          <a:xfrm>
-            <a:off x="5979974" y="2207517"/>
-            <a:ext cx="2478696" cy="2135884"/>
-          </a:xfrm>
-        </p:spPr>
-        <p:txBody>
-          <a:bodyPr anchor="t">
-            <a:normAutofit/>
-          </a:bodyPr>
-          <a:lstStyle>
-            <a:lvl1pPr marL="0" indent="0" algn="ctr">
-              <a:buNone/>
-              <a:defRPr sz="1050"/>
-            </a:lvl1pPr>
-            <a:lvl2pPr marL="342900" indent="0">
-              <a:buNone/>
-              <a:defRPr sz="900"/>
-            </a:lvl2pPr>
-            <a:lvl3pPr marL="685800" indent="0">
-              <a:buNone/>
-              <a:defRPr sz="750"/>
-            </a:lvl3pPr>
-            <a:lvl4pPr marL="1028700" indent="0">
-              <a:buNone/>
-              <a:defRPr sz="675"/>
-            </a:lvl4pPr>
-            <a:lvl5pPr marL="1371600" indent="0">
-              <a:buNone/>
-              <a:defRPr sz="675"/>
-            </a:lvl5pPr>
-            <a:lvl6pPr marL="1714500" indent="0">
-              <a:buNone/>
-              <a:defRPr sz="675"/>
-            </a:lvl6pPr>
-            <a:lvl7pPr marL="2057400" indent="0">
-              <a:buNone/>
-              <a:defRPr sz="675"/>
-            </a:lvl7pPr>
-            <a:lvl8pPr marL="2400300" indent="0">
-              <a:buNone/>
-              <a:defRPr sz="675"/>
-            </a:lvl8pPr>
-            <a:lvl9pPr marL="2743200" indent="0">
-              <a:buNone/>
-              <a:defRPr sz="675"/>
-            </a:lvl9pPr>
-          </a:lstStyle>
-          <a:p>
-            <a:pPr lvl="0"/>
-            <a:r>
-              <a:rPr lang="en-US"/>
-              <a:t>Click to edit Master text styles</a:t>
-            </a:r>
-          </a:p>
-        </p:txBody>
-      </p:sp>
-      <p:sp>
-        <p:nvSpPr>
-          <p:cNvPr id="3" name="Date Placeholder 2"/>
-          <p:cNvSpPr>
-            <a:spLocks noGrp="1"/>
-          </p:cNvSpPr>
-          <p:nvPr>
-            <p:ph type="dt" sz="half" idx="10"/>
-          </p:nvPr>
-        </p:nvSpPr>
-        <p:spPr/>
-        <p:txBody>
-          <a:bodyPr/>
-          <a:lstStyle/>
-          <a:p>
-            <a:fld id="{BB02557A-7053-4340-A874-8AB926A8EDA1}" type="datetimeFigureOut">
-              <a:rPr lang="en-US" smtClean="0"/>
-              <a:pPr/>
-              <a:t>9/1/2020</a:t>
-            </a:fld>
-            <a:endParaRPr lang="en-US" dirty="0"/>
-          </a:p>
-        </p:txBody>
-      </p:sp>
-      <p:sp>
-        <p:nvSpPr>
-          <p:cNvPr id="4" name="Footer Placeholder 3"/>
-          <p:cNvSpPr>
-            <a:spLocks noGrp="1"/>
-          </p:cNvSpPr>
-          <p:nvPr>
-            <p:ph type="ftr" sz="quarter" idx="11"/>
-          </p:nvPr>
-        </p:nvSpPr>
-        <p:spPr/>
-        <p:txBody>
-          <a:bodyPr/>
-          <a:lstStyle/>
-          <a:p>
-            <a:endParaRPr lang="en-US" dirty="0"/>
-          </a:p>
-        </p:txBody>
-      </p:sp>
-      <p:sp>
-        <p:nvSpPr>
-          <p:cNvPr id="5" name="Slide Number Placeholder 4"/>
-          <p:cNvSpPr>
-            <a:spLocks noGrp="1"/>
-          </p:cNvSpPr>
-          <p:nvPr>
-            <p:ph type="sldNum" sz="quarter" idx="12"/>
-          </p:nvPr>
-        </p:nvSpPr>
-        <p:spPr/>
-        <p:txBody>
-          <a:bodyPr/>
-          <a:lstStyle/>
-          <a:p>
-            <a:pPr marL="0" lvl="0" indent="0" algn="r" rtl="0">
-              <a:spcBef>
-                <a:spcPts val="0"/>
-              </a:spcBef>
-              <a:spcAft>
-                <a:spcPts val="0"/>
-              </a:spcAft>
-              <a:buNone/>
-            </a:pPr>
-            <a:fld id="{00000000-1234-1234-1234-123412341234}" type="slidenum">
-              <a:rPr lang="en" smtClean="0"/>
-              <a:t>‹#›</a:t>
-            </a:fld>
-            <a:endParaRPr lang="en"/>
-          </a:p>
-        </p:txBody>
-      </p:sp>
-    </p:spTree>
-    <p:extLst>
-      <p:ext uri="{BB962C8B-B14F-4D97-AF65-F5344CB8AC3E}">
-        <p14:creationId xmlns:p14="http://schemas.microsoft.com/office/powerpoint/2010/main" val="2292372069"/>
-      </p:ext>
-    </p:extLst>
-  </p:cSld>
-  <p:clrMapOvr>
-    <a:masterClrMapping/>
-  </p:clrMapOvr>
-  <p:hf sldNum="0" hdr="0" ftr="0" dt="0"/>
-</p:sldLayout>
-</file>
-
-<file path=ppt/slideLayouts/slideLayout15.xml><?xml version="1.0" encoding="utf-8"?>
-<p:sldLayout xmlns:a="http://schemas.openxmlformats.org/drawingml/2006/main" xmlns:r="http://schemas.openxmlformats.org/officeDocument/2006/relationships" xmlns:p="http://schemas.openxmlformats.org/presentationml/2006/main" preserve="1">
-  <p:cSld name="3 Picture Column">
-    <p:spTree>
-      <p:nvGrpSpPr>
-        <p:cNvPr id="1" name=""/>
-        <p:cNvGrpSpPr/>
-        <p:nvPr/>
-      </p:nvGrpSpPr>
-      <p:grpSpPr>
-        <a:xfrm>
-          <a:off x="0" y="0"/>
-          <a:ext cx="0" cy="0"/>
-          <a:chOff x="0" y="0"/>
-          <a:chExt cx="0" cy="0"/>
-        </a:xfrm>
-      </p:grpSpPr>
-      <p:pic>
-        <p:nvPicPr>
-          <p:cNvPr id="16" name="Picture 15" descr="Droplets-HD-Content-R1d.png"/>
-          <p:cNvPicPr>
-            <a:picLocks noChangeAspect="1"/>
-          </p:cNvPicPr>
-          <p:nvPr/>
-        </p:nvPicPr>
-        <p:blipFill>
-          <a:blip r:embed="rId2">
-            <a:extLst>
-              <a:ext uri="{28A0092B-C50C-407E-A947-70E740481C1C}">
-                <a14:useLocalDpi xmlns:a14="http://schemas.microsoft.com/office/drawing/2010/main" val="0"/>
-              </a:ext>
-            </a:extLst>
-          </a:blip>
-          <a:stretch>
-            <a:fillRect/>
-          </a:stretch>
-        </p:blipFill>
-        <p:spPr>
-          <a:xfrm>
-            <a:off x="0" y="0"/>
-            <a:ext cx="9144000" cy="5143500"/>
-          </a:xfrm>
-          <a:prstGeom prst="rect">
-            <a:avLst/>
-          </a:prstGeom>
-        </p:spPr>
-      </p:pic>
-      <p:sp>
-        <p:nvSpPr>
-          <p:cNvPr id="30" name="Title 1"/>
-          <p:cNvSpPr>
-            <a:spLocks noGrp="1"/>
-          </p:cNvSpPr>
-          <p:nvPr>
-            <p:ph type="title"/>
-          </p:nvPr>
-        </p:nvSpPr>
-        <p:spPr>
-          <a:xfrm>
-            <a:off x="685331" y="458079"/>
-            <a:ext cx="7773339" cy="1202942"/>
-          </a:xfrm>
-        </p:spPr>
-        <p:txBody>
-          <a:bodyPr/>
-          <a:lstStyle/>
-          <a:p>
-            <a:r>
-              <a:rPr lang="en-US"/>
-              <a:t>Click to edit Master title style</a:t>
-            </a:r>
-            <a:endParaRPr lang="en-US" dirty="0"/>
-          </a:p>
-        </p:txBody>
-      </p:sp>
-      <p:sp>
-        <p:nvSpPr>
-          <p:cNvPr id="19" name="Text Placeholder 2"/>
-          <p:cNvSpPr>
-            <a:spLocks noGrp="1"/>
-          </p:cNvSpPr>
-          <p:nvPr>
-            <p:ph type="body" idx="1"/>
-          </p:nvPr>
-        </p:nvSpPr>
-        <p:spPr>
-          <a:xfrm>
-            <a:off x="685331" y="3153615"/>
-            <a:ext cx="2472307" cy="432197"/>
-          </a:xfrm>
-        </p:spPr>
-        <p:txBody>
-          <a:bodyPr anchor="b">
-            <a:noAutofit/>
-          </a:bodyPr>
-          <a:lstStyle>
-            <a:lvl1pPr marL="0" indent="0" algn="ctr">
-              <a:lnSpc>
-                <a:spcPct val="85000"/>
-              </a:lnSpc>
-              <a:buNone/>
-              <a:defRPr sz="1650" b="0">
-                <a:solidFill>
-                  <a:schemeClr val="tx1"/>
-                </a:solidFill>
-              </a:defRPr>
-            </a:lvl1pPr>
-            <a:lvl2pPr marL="342900" indent="0">
-              <a:buNone/>
-              <a:defRPr sz="1500" b="1"/>
-            </a:lvl2pPr>
-            <a:lvl3pPr marL="685800" indent="0">
-              <a:buNone/>
-              <a:defRPr sz="1350" b="1"/>
-            </a:lvl3pPr>
-            <a:lvl4pPr marL="1028700" indent="0">
-              <a:buNone/>
-              <a:defRPr sz="1200" b="1"/>
-            </a:lvl4pPr>
-            <a:lvl5pPr marL="1371600" indent="0">
-              <a:buNone/>
-              <a:defRPr sz="1200" b="1"/>
-            </a:lvl5pPr>
-            <a:lvl6pPr marL="1714500" indent="0">
-              <a:buNone/>
-              <a:defRPr sz="1200" b="1"/>
-            </a:lvl6pPr>
-            <a:lvl7pPr marL="2057400" indent="0">
-              <a:buNone/>
-              <a:defRPr sz="1200" b="1"/>
-            </a:lvl7pPr>
-            <a:lvl8pPr marL="2400300" indent="0">
-              <a:buNone/>
-              <a:defRPr sz="1200" b="1"/>
-            </a:lvl8pPr>
-            <a:lvl9pPr marL="2743200" indent="0">
-              <a:buNone/>
-              <a:defRPr sz="1200" b="1"/>
-            </a:lvl9pPr>
-          </a:lstStyle>
-          <a:p>
-            <a:pPr lvl="0"/>
-            <a:r>
-              <a:rPr lang="en-US"/>
-              <a:t>Click to edit Master text styles</a:t>
-            </a:r>
-          </a:p>
-        </p:txBody>
-      </p:sp>
-      <p:sp>
-        <p:nvSpPr>
-          <p:cNvPr id="20" name="Picture Placeholder 2"/>
-          <p:cNvSpPr>
-            <a:spLocks noGrp="1" noChangeAspect="1"/>
-          </p:cNvSpPr>
-          <p:nvPr>
-            <p:ph type="pic" idx="15"/>
-          </p:nvPr>
-        </p:nvSpPr>
-        <p:spPr>
-          <a:xfrm>
-            <a:off x="685331" y="1775320"/>
-            <a:ext cx="2472307" cy="1143000"/>
-          </a:xfrm>
-          <a:prstGeom prst="roundRect">
-            <a:avLst>
-              <a:gd name="adj" fmla="val 9363"/>
-            </a:avLst>
-          </a:prstGeom>
-          <a:noFill/>
-          <a:ln w="82550" cap="sq">
-            <a:solidFill>
-              <a:srgbClr val="EAEAEA"/>
-            </a:solidFill>
-            <a:miter lim="800000"/>
-          </a:ln>
-          <a:effectLst/>
-          <a:scene3d>
-            <a:camera prst="orthographicFront"/>
-            <a:lightRig rig="threePt" dir="t">
-              <a:rot lat="0" lon="0" rev="2700000"/>
-            </a:lightRig>
-          </a:scene3d>
-          <a:sp3d contourW="6350">
-            <a:bevelT h="38100"/>
-            <a:contourClr>
-              <a:srgbClr val="C0C0C0"/>
-            </a:contourClr>
-          </a:sp3d>
-        </p:spPr>
-        <p:txBody>
-          <a:bodyPr anchor="t">
-            <a:normAutofit/>
-          </a:bodyPr>
-          <a:lstStyle>
-            <a:lvl1pPr marL="0" indent="0" algn="ctr">
-              <a:buNone/>
-              <a:defRPr sz="1200"/>
-            </a:lvl1pPr>
-            <a:lvl2pPr marL="342900" indent="0">
-              <a:buNone/>
-              <a:defRPr sz="1200"/>
-            </a:lvl2pPr>
-            <a:lvl3pPr marL="685800" indent="0">
-              <a:buNone/>
-              <a:defRPr sz="1200"/>
-            </a:lvl3pPr>
-            <a:lvl4pPr marL="1028700" indent="0">
-              <a:buNone/>
-              <a:defRPr sz="1200"/>
-            </a:lvl4pPr>
-            <a:lvl5pPr marL="1371600" indent="0">
-              <a:buNone/>
-              <a:defRPr sz="1200"/>
-            </a:lvl5pPr>
-            <a:lvl6pPr marL="1714500" indent="0">
-              <a:buNone/>
-              <a:defRPr sz="1200"/>
-            </a:lvl6pPr>
-            <a:lvl7pPr marL="2057400" indent="0">
-              <a:buNone/>
-              <a:defRPr sz="1200"/>
-            </a:lvl7pPr>
-            <a:lvl8pPr marL="2400300" indent="0">
-              <a:buNone/>
-              <a:defRPr sz="1200"/>
-            </a:lvl8pPr>
-            <a:lvl9pPr marL="2743200" indent="0">
-              <a:buNone/>
-              <a:defRPr sz="1200"/>
-            </a:lvl9pPr>
-          </a:lstStyle>
-          <a:p>
-            <a:r>
-              <a:rPr lang="en-US"/>
-              <a:t>Click icon to add picture</a:t>
-            </a:r>
-            <a:endParaRPr lang="en-US" dirty="0"/>
-          </a:p>
-        </p:txBody>
-      </p:sp>
-      <p:sp>
-        <p:nvSpPr>
-          <p:cNvPr id="21" name="Text Placeholder 3"/>
-          <p:cNvSpPr>
-            <a:spLocks noGrp="1"/>
-          </p:cNvSpPr>
-          <p:nvPr>
-            <p:ph type="body" sz="half" idx="18"/>
-          </p:nvPr>
-        </p:nvSpPr>
-        <p:spPr>
-          <a:xfrm>
-            <a:off x="685331" y="3585811"/>
-            <a:ext cx="2472307" cy="757589"/>
-          </a:xfrm>
-        </p:spPr>
-        <p:txBody>
-          <a:bodyPr anchor="t">
-            <a:normAutofit/>
-          </a:bodyPr>
-          <a:lstStyle>
-            <a:lvl1pPr marL="0" indent="0" algn="ctr">
-              <a:buNone/>
-              <a:defRPr sz="1050"/>
-            </a:lvl1pPr>
-            <a:lvl2pPr marL="342900" indent="0">
-              <a:buNone/>
-              <a:defRPr sz="900"/>
-            </a:lvl2pPr>
-            <a:lvl3pPr marL="685800" indent="0">
-              <a:buNone/>
-              <a:defRPr sz="750"/>
-            </a:lvl3pPr>
-            <a:lvl4pPr marL="1028700" indent="0">
-              <a:buNone/>
-              <a:defRPr sz="675"/>
-            </a:lvl4pPr>
-            <a:lvl5pPr marL="1371600" indent="0">
-              <a:buNone/>
-              <a:defRPr sz="675"/>
-            </a:lvl5pPr>
-            <a:lvl6pPr marL="1714500" indent="0">
-              <a:buNone/>
-              <a:defRPr sz="675"/>
-            </a:lvl6pPr>
-            <a:lvl7pPr marL="2057400" indent="0">
-              <a:buNone/>
-              <a:defRPr sz="675"/>
-            </a:lvl7pPr>
-            <a:lvl8pPr marL="2400300" indent="0">
-              <a:buNone/>
-              <a:defRPr sz="675"/>
-            </a:lvl8pPr>
-            <a:lvl9pPr marL="2743200" indent="0">
-              <a:buNone/>
-              <a:defRPr sz="675"/>
-            </a:lvl9pPr>
-          </a:lstStyle>
-          <a:p>
-            <a:pPr lvl="0"/>
-            <a:r>
-              <a:rPr lang="en-US"/>
-              <a:t>Click to edit Master text styles</a:t>
-            </a:r>
-          </a:p>
-        </p:txBody>
-      </p:sp>
-      <p:sp>
-        <p:nvSpPr>
-          <p:cNvPr id="22" name="Text Placeholder 4"/>
-          <p:cNvSpPr>
-            <a:spLocks noGrp="1"/>
-          </p:cNvSpPr>
-          <p:nvPr>
-            <p:ph type="body" sz="quarter" idx="3"/>
-          </p:nvPr>
-        </p:nvSpPr>
-        <p:spPr>
-          <a:xfrm>
-            <a:off x="3332069" y="3153615"/>
-            <a:ext cx="2476371" cy="432197"/>
-          </a:xfrm>
-        </p:spPr>
-        <p:txBody>
-          <a:bodyPr anchor="b">
-            <a:noAutofit/>
-          </a:bodyPr>
-          <a:lstStyle>
-            <a:lvl1pPr marL="0" indent="0" algn="ctr">
-              <a:lnSpc>
-                <a:spcPct val="85000"/>
-              </a:lnSpc>
-              <a:buNone/>
-              <a:defRPr sz="1650" b="0">
-                <a:solidFill>
-                  <a:schemeClr val="tx1"/>
-                </a:solidFill>
-              </a:defRPr>
-            </a:lvl1pPr>
-            <a:lvl2pPr marL="342900" indent="0">
-              <a:buNone/>
-              <a:defRPr sz="1500" b="1"/>
-            </a:lvl2pPr>
-            <a:lvl3pPr marL="685800" indent="0">
-              <a:buNone/>
-              <a:defRPr sz="1350" b="1"/>
-            </a:lvl3pPr>
-            <a:lvl4pPr marL="1028700" indent="0">
-              <a:buNone/>
-              <a:defRPr sz="1200" b="1"/>
-            </a:lvl4pPr>
-            <a:lvl5pPr marL="1371600" indent="0">
-              <a:buNone/>
-              <a:defRPr sz="1200" b="1"/>
-            </a:lvl5pPr>
-            <a:lvl6pPr marL="1714500" indent="0">
-              <a:buNone/>
-              <a:defRPr sz="1200" b="1"/>
-            </a:lvl6pPr>
-            <a:lvl7pPr marL="2057400" indent="0">
-              <a:buNone/>
-              <a:defRPr sz="1200" b="1"/>
-            </a:lvl7pPr>
-            <a:lvl8pPr marL="2400300" indent="0">
-              <a:buNone/>
-              <a:defRPr sz="1200" b="1"/>
-            </a:lvl8pPr>
-            <a:lvl9pPr marL="2743200" indent="0">
-              <a:buNone/>
-              <a:defRPr sz="1200" b="1"/>
-            </a:lvl9pPr>
-          </a:lstStyle>
-          <a:p>
-            <a:pPr lvl="0"/>
-            <a:r>
-              <a:rPr lang="en-US"/>
-              <a:t>Click to edit Master text styles</a:t>
-            </a:r>
-          </a:p>
-        </p:txBody>
-      </p:sp>
-      <p:sp>
-        <p:nvSpPr>
-          <p:cNvPr id="23" name="Picture Placeholder 2"/>
-          <p:cNvSpPr>
-            <a:spLocks noGrp="1" noChangeAspect="1"/>
-          </p:cNvSpPr>
-          <p:nvPr>
-            <p:ph type="pic" idx="21"/>
-          </p:nvPr>
-        </p:nvSpPr>
-        <p:spPr>
-          <a:xfrm>
-            <a:off x="3331011" y="1775320"/>
-            <a:ext cx="2477514" cy="1143000"/>
-          </a:xfrm>
-          <a:prstGeom prst="roundRect">
-            <a:avLst>
-              <a:gd name="adj" fmla="val 8841"/>
-            </a:avLst>
-          </a:prstGeom>
-          <a:noFill/>
-          <a:ln w="82550" cap="sq">
-            <a:solidFill>
-              <a:srgbClr val="EAEAEA"/>
-            </a:solidFill>
-            <a:miter lim="800000"/>
-          </a:ln>
-          <a:effectLst/>
-          <a:scene3d>
-            <a:camera prst="orthographicFront"/>
-            <a:lightRig rig="threePt" dir="t">
-              <a:rot lat="0" lon="0" rev="2700000"/>
-            </a:lightRig>
-          </a:scene3d>
-          <a:sp3d contourW="6350">
-            <a:bevelT h="38100"/>
-            <a:contourClr>
-              <a:srgbClr val="C0C0C0"/>
-            </a:contourClr>
-          </a:sp3d>
-        </p:spPr>
-        <p:txBody>
-          <a:bodyPr anchor="t">
-            <a:normAutofit/>
-          </a:bodyPr>
-          <a:lstStyle>
-            <a:lvl1pPr marL="0" indent="0" algn="ctr">
-              <a:buNone/>
-              <a:defRPr sz="1200"/>
-            </a:lvl1pPr>
-            <a:lvl2pPr marL="342900" indent="0">
-              <a:buNone/>
-              <a:defRPr sz="1200"/>
-            </a:lvl2pPr>
-            <a:lvl3pPr marL="685800" indent="0">
-              <a:buNone/>
-              <a:defRPr sz="1200"/>
-            </a:lvl3pPr>
-            <a:lvl4pPr marL="1028700" indent="0">
-              <a:buNone/>
-              <a:defRPr sz="1200"/>
-            </a:lvl4pPr>
-            <a:lvl5pPr marL="1371600" indent="0">
-              <a:buNone/>
-              <a:defRPr sz="1200"/>
-            </a:lvl5pPr>
-            <a:lvl6pPr marL="1714500" indent="0">
-              <a:buNone/>
-              <a:defRPr sz="1200"/>
-            </a:lvl6pPr>
-            <a:lvl7pPr marL="2057400" indent="0">
-              <a:buNone/>
-              <a:defRPr sz="1200"/>
-            </a:lvl7pPr>
-            <a:lvl8pPr marL="2400300" indent="0">
-              <a:buNone/>
-              <a:defRPr sz="1200"/>
-            </a:lvl8pPr>
-            <a:lvl9pPr marL="2743200" indent="0">
-              <a:buNone/>
-              <a:defRPr sz="1200"/>
-            </a:lvl9pPr>
-          </a:lstStyle>
-          <a:p>
-            <a:r>
-              <a:rPr lang="en-US"/>
-              <a:t>Click icon to add picture</a:t>
-            </a:r>
-            <a:endParaRPr lang="en-US" dirty="0"/>
-          </a:p>
-        </p:txBody>
-      </p:sp>
-      <p:sp>
-        <p:nvSpPr>
-          <p:cNvPr id="24" name="Text Placeholder 3"/>
-          <p:cNvSpPr>
-            <a:spLocks noGrp="1"/>
-          </p:cNvSpPr>
-          <p:nvPr>
-            <p:ph type="body" sz="half" idx="19"/>
-          </p:nvPr>
-        </p:nvSpPr>
-        <p:spPr>
-          <a:xfrm>
-            <a:off x="3331011" y="3585811"/>
-            <a:ext cx="2477514" cy="757589"/>
-          </a:xfrm>
-        </p:spPr>
-        <p:txBody>
-          <a:bodyPr anchor="t">
-            <a:normAutofit/>
-          </a:bodyPr>
-          <a:lstStyle>
-            <a:lvl1pPr marL="0" indent="0" algn="ctr">
-              <a:buNone/>
-              <a:defRPr sz="1050"/>
-            </a:lvl1pPr>
-            <a:lvl2pPr marL="342900" indent="0">
-              <a:buNone/>
-              <a:defRPr sz="900"/>
-            </a:lvl2pPr>
-            <a:lvl3pPr marL="685800" indent="0">
-              <a:buNone/>
-              <a:defRPr sz="750"/>
-            </a:lvl3pPr>
-            <a:lvl4pPr marL="1028700" indent="0">
-              <a:buNone/>
-              <a:defRPr sz="675"/>
-            </a:lvl4pPr>
-            <a:lvl5pPr marL="1371600" indent="0">
-              <a:buNone/>
-              <a:defRPr sz="675"/>
-            </a:lvl5pPr>
-            <a:lvl6pPr marL="1714500" indent="0">
-              <a:buNone/>
-              <a:defRPr sz="675"/>
-            </a:lvl6pPr>
-            <a:lvl7pPr marL="2057400" indent="0">
-              <a:buNone/>
-              <a:defRPr sz="675"/>
-            </a:lvl7pPr>
-            <a:lvl8pPr marL="2400300" indent="0">
-              <a:buNone/>
-              <a:defRPr sz="675"/>
-            </a:lvl8pPr>
-            <a:lvl9pPr marL="2743200" indent="0">
-              <a:buNone/>
-              <a:defRPr sz="675"/>
-            </a:lvl9pPr>
-          </a:lstStyle>
-          <a:p>
-            <a:pPr lvl="0"/>
-            <a:r>
-              <a:rPr lang="en-US"/>
-              <a:t>Click to edit Master text styles</a:t>
-            </a:r>
-          </a:p>
-        </p:txBody>
-      </p:sp>
-      <p:sp>
-        <p:nvSpPr>
-          <p:cNvPr id="25" name="Text Placeholder 4"/>
-          <p:cNvSpPr>
-            <a:spLocks noGrp="1"/>
-          </p:cNvSpPr>
-          <p:nvPr>
-            <p:ph type="body" sz="quarter" idx="13"/>
-          </p:nvPr>
-        </p:nvSpPr>
-        <p:spPr>
-          <a:xfrm>
-            <a:off x="5979974" y="3153615"/>
-            <a:ext cx="2475511" cy="432197"/>
-          </a:xfrm>
-        </p:spPr>
-        <p:txBody>
-          <a:bodyPr anchor="b">
-            <a:noAutofit/>
-          </a:bodyPr>
-          <a:lstStyle>
-            <a:lvl1pPr marL="0" indent="0" algn="ctr">
-              <a:lnSpc>
-                <a:spcPct val="85000"/>
-              </a:lnSpc>
-              <a:buNone/>
-              <a:defRPr sz="1650" b="0">
-                <a:solidFill>
-                  <a:schemeClr val="tx1"/>
-                </a:solidFill>
-              </a:defRPr>
-            </a:lvl1pPr>
-            <a:lvl2pPr marL="342900" indent="0">
-              <a:buNone/>
-              <a:defRPr sz="1500" b="1"/>
-            </a:lvl2pPr>
-            <a:lvl3pPr marL="685800" indent="0">
-              <a:buNone/>
-              <a:defRPr sz="1350" b="1"/>
-            </a:lvl3pPr>
-            <a:lvl4pPr marL="1028700" indent="0">
-              <a:buNone/>
-              <a:defRPr sz="1200" b="1"/>
-            </a:lvl4pPr>
-            <a:lvl5pPr marL="1371600" indent="0">
-              <a:buNone/>
-              <a:defRPr sz="1200" b="1"/>
-            </a:lvl5pPr>
-            <a:lvl6pPr marL="1714500" indent="0">
-              <a:buNone/>
-              <a:defRPr sz="1200" b="1"/>
-            </a:lvl6pPr>
-            <a:lvl7pPr marL="2057400" indent="0">
-              <a:buNone/>
-              <a:defRPr sz="1200" b="1"/>
-            </a:lvl7pPr>
-            <a:lvl8pPr marL="2400300" indent="0">
-              <a:buNone/>
-              <a:defRPr sz="1200" b="1"/>
-            </a:lvl8pPr>
-            <a:lvl9pPr marL="2743200" indent="0">
-              <a:buNone/>
-              <a:defRPr sz="1200" b="1"/>
-            </a:lvl9pPr>
-          </a:lstStyle>
-          <a:p>
-            <a:pPr lvl="0"/>
-            <a:r>
-              <a:rPr lang="en-US"/>
-              <a:t>Click to edit Master text styles</a:t>
-            </a:r>
-          </a:p>
-        </p:txBody>
-      </p:sp>
-      <p:sp>
-        <p:nvSpPr>
-          <p:cNvPr id="26" name="Picture Placeholder 2"/>
-          <p:cNvSpPr>
-            <a:spLocks noGrp="1" noChangeAspect="1"/>
-          </p:cNvSpPr>
-          <p:nvPr>
-            <p:ph type="pic" idx="22"/>
-          </p:nvPr>
-        </p:nvSpPr>
-        <p:spPr>
-          <a:xfrm>
-            <a:off x="5979974" y="1775320"/>
-            <a:ext cx="2478696" cy="1143000"/>
-          </a:xfrm>
-          <a:prstGeom prst="roundRect">
-            <a:avLst>
-              <a:gd name="adj" fmla="val 8841"/>
-            </a:avLst>
-          </a:prstGeom>
-          <a:noFill/>
-          <a:ln w="82550" cap="sq">
-            <a:solidFill>
-              <a:srgbClr val="EAEAEA"/>
-            </a:solidFill>
-            <a:miter lim="800000"/>
-          </a:ln>
-          <a:effectLst/>
-          <a:scene3d>
-            <a:camera prst="orthographicFront"/>
-            <a:lightRig rig="threePt" dir="t">
-              <a:rot lat="0" lon="0" rev="2700000"/>
-            </a:lightRig>
-          </a:scene3d>
-          <a:sp3d contourW="6350">
-            <a:bevelT h="38100"/>
-            <a:contourClr>
-              <a:srgbClr val="C0C0C0"/>
-            </a:contourClr>
-          </a:sp3d>
-        </p:spPr>
-        <p:txBody>
-          <a:bodyPr anchor="t">
-            <a:normAutofit/>
-          </a:bodyPr>
-          <a:lstStyle>
-            <a:lvl1pPr marL="0" indent="0" algn="ctr">
-              <a:buNone/>
-              <a:defRPr sz="1200"/>
-            </a:lvl1pPr>
-            <a:lvl2pPr marL="342900" indent="0">
-              <a:buNone/>
-              <a:defRPr sz="1200"/>
-            </a:lvl2pPr>
-            <a:lvl3pPr marL="685800" indent="0">
-              <a:buNone/>
-              <a:defRPr sz="1200"/>
-            </a:lvl3pPr>
-            <a:lvl4pPr marL="1028700" indent="0">
-              <a:buNone/>
-              <a:defRPr sz="1200"/>
-            </a:lvl4pPr>
-            <a:lvl5pPr marL="1371600" indent="0">
-              <a:buNone/>
-              <a:defRPr sz="1200"/>
-            </a:lvl5pPr>
-            <a:lvl6pPr marL="1714500" indent="0">
-              <a:buNone/>
-              <a:defRPr sz="1200"/>
-            </a:lvl6pPr>
-            <a:lvl7pPr marL="2057400" indent="0">
-              <a:buNone/>
-              <a:defRPr sz="1200"/>
-            </a:lvl7pPr>
-            <a:lvl8pPr marL="2400300" indent="0">
-              <a:buNone/>
-              <a:defRPr sz="1200"/>
-            </a:lvl8pPr>
-            <a:lvl9pPr marL="2743200" indent="0">
-              <a:buNone/>
-              <a:defRPr sz="1200"/>
-            </a:lvl9pPr>
-          </a:lstStyle>
-          <a:p>
-            <a:r>
-              <a:rPr lang="en-US"/>
-              <a:t>Click icon to add picture</a:t>
-            </a:r>
-            <a:endParaRPr lang="en-US" dirty="0"/>
-          </a:p>
-        </p:txBody>
-      </p:sp>
-      <p:sp>
-        <p:nvSpPr>
-          <p:cNvPr id="27" name="Text Placeholder 3"/>
-          <p:cNvSpPr>
-            <a:spLocks noGrp="1"/>
-          </p:cNvSpPr>
-          <p:nvPr>
-            <p:ph type="body" sz="half" idx="20"/>
-          </p:nvPr>
-        </p:nvSpPr>
-        <p:spPr>
-          <a:xfrm>
-            <a:off x="5979880" y="3585809"/>
-            <a:ext cx="2478790" cy="757591"/>
-          </a:xfrm>
-        </p:spPr>
-        <p:txBody>
-          <a:bodyPr anchor="t">
-            <a:normAutofit/>
-          </a:bodyPr>
-          <a:lstStyle>
-            <a:lvl1pPr marL="0" indent="0" algn="ctr">
-              <a:buNone/>
-              <a:defRPr sz="1050"/>
-            </a:lvl1pPr>
-            <a:lvl2pPr marL="342900" indent="0">
-              <a:buNone/>
-              <a:defRPr sz="900"/>
-            </a:lvl2pPr>
-            <a:lvl3pPr marL="685800" indent="0">
-              <a:buNone/>
-              <a:defRPr sz="750"/>
-            </a:lvl3pPr>
-            <a:lvl4pPr marL="1028700" indent="0">
-              <a:buNone/>
-              <a:defRPr sz="675"/>
-            </a:lvl4pPr>
-            <a:lvl5pPr marL="1371600" indent="0">
-              <a:buNone/>
-              <a:defRPr sz="675"/>
-            </a:lvl5pPr>
-            <a:lvl6pPr marL="1714500" indent="0">
-              <a:buNone/>
-              <a:defRPr sz="675"/>
-            </a:lvl6pPr>
-            <a:lvl7pPr marL="2057400" indent="0">
-              <a:buNone/>
-              <a:defRPr sz="675"/>
-            </a:lvl7pPr>
-            <a:lvl8pPr marL="2400300" indent="0">
-              <a:buNone/>
-              <a:defRPr sz="675"/>
-            </a:lvl8pPr>
-            <a:lvl9pPr marL="2743200" indent="0">
-              <a:buNone/>
-              <a:defRPr sz="675"/>
-            </a:lvl9pPr>
-          </a:lstStyle>
-          <a:p>
-            <a:pPr lvl="0"/>
-            <a:r>
-              <a:rPr lang="en-US"/>
-              <a:t>Click to edit Master text styles</a:t>
-            </a:r>
-          </a:p>
-        </p:txBody>
-      </p:sp>
-      <p:sp>
-        <p:nvSpPr>
-          <p:cNvPr id="3" name="Date Placeholder 2"/>
-          <p:cNvSpPr>
-            <a:spLocks noGrp="1"/>
-          </p:cNvSpPr>
-          <p:nvPr>
-            <p:ph type="dt" sz="half" idx="10"/>
-          </p:nvPr>
-        </p:nvSpPr>
-        <p:spPr/>
-        <p:txBody>
-          <a:bodyPr/>
-          <a:lstStyle/>
-          <a:p>
-            <a:fld id="{BB02557A-7053-4340-A874-8AB926A8EDA1}" type="datetimeFigureOut">
-              <a:rPr lang="en-US" smtClean="0"/>
-              <a:pPr/>
-              <a:t>9/1/2020</a:t>
-            </a:fld>
-            <a:endParaRPr lang="en-US" dirty="0"/>
-          </a:p>
-        </p:txBody>
-      </p:sp>
-      <p:sp>
-        <p:nvSpPr>
-          <p:cNvPr id="4" name="Footer Placeholder 3"/>
-          <p:cNvSpPr>
-            <a:spLocks noGrp="1"/>
-          </p:cNvSpPr>
-          <p:nvPr>
-            <p:ph type="ftr" sz="quarter" idx="11"/>
-          </p:nvPr>
-        </p:nvSpPr>
-        <p:spPr/>
-        <p:txBody>
-          <a:bodyPr/>
-          <a:lstStyle/>
-          <a:p>
-            <a:endParaRPr lang="en-US" dirty="0"/>
-          </a:p>
-        </p:txBody>
-      </p:sp>
-      <p:sp>
-        <p:nvSpPr>
-          <p:cNvPr id="5" name="Slide Number Placeholder 4"/>
-          <p:cNvSpPr>
-            <a:spLocks noGrp="1"/>
-          </p:cNvSpPr>
-          <p:nvPr>
-            <p:ph type="sldNum" sz="quarter" idx="12"/>
-          </p:nvPr>
-        </p:nvSpPr>
-        <p:spPr/>
-        <p:txBody>
-          <a:bodyPr/>
-          <a:lstStyle/>
-          <a:p>
-            <a:pPr marL="0" lvl="0" indent="0" algn="r" rtl="0">
-              <a:spcBef>
-                <a:spcPts val="0"/>
-              </a:spcBef>
-              <a:spcAft>
-                <a:spcPts val="0"/>
-              </a:spcAft>
-              <a:buNone/>
-            </a:pPr>
-            <a:fld id="{00000000-1234-1234-1234-123412341234}" type="slidenum">
-              <a:rPr lang="en" smtClean="0"/>
-              <a:t>‹#›</a:t>
-            </a:fld>
-            <a:endParaRPr lang="en"/>
-          </a:p>
-        </p:txBody>
-      </p:sp>
-    </p:spTree>
-    <p:extLst>
-      <p:ext uri="{BB962C8B-B14F-4D97-AF65-F5344CB8AC3E}">
-        <p14:creationId xmlns:p14="http://schemas.microsoft.com/office/powerpoint/2010/main" val="2274754013"/>
-      </p:ext>
-    </p:extLst>
-  </p:cSld>
-  <p:clrMapOvr>
-    <a:masterClrMapping/>
-  </p:clrMapOvr>
-  <p:hf sldNum="0" hdr="0" ftr="0" dt="0"/>
-</p:sldLayout>
-</file>
-
-<file path=ppt/slideLayouts/slideLayout16.xml><?xml version="1.0" encoding="utf-8"?>
 <p:sldLayout xmlns:a="http://schemas.openxmlformats.org/drawingml/2006/main" xmlns:r="http://schemas.openxmlformats.org/officeDocument/2006/relationships" xmlns:p="http://schemas.openxmlformats.org/presentationml/2006/main" type="vertTx" preserve="1">
   <p:cSld name="Title and Vertical Text">
     <p:spTree>
@@ -5073,36 +2292,6 @@
           <a:chExt cx="0" cy="0"/>
         </a:xfrm>
       </p:grpSpPr>
-      <p:pic>
-        <p:nvPicPr>
-          <p:cNvPr id="8" name="Picture 7" descr="Droplets-HD-Content-R1d.png"/>
-          <p:cNvPicPr>
-            <a:picLocks noChangeAspect="1"/>
-          </p:cNvPicPr>
-          <p:nvPr/>
-        </p:nvPicPr>
-        <p:blipFill>
-          <a:blip r:embed="rId2">
-            <a:extLst>
-              <a:ext uri="{28A0092B-C50C-407E-A947-70E740481C1C}">
-                <a14:useLocalDpi xmlns:a14="http://schemas.microsoft.com/office/drawing/2010/main" val="0"/>
-              </a:ext>
-            </a:extLst>
-          </a:blip>
-          <a:stretch>
-            <a:fillRect/>
-          </a:stretch>
-        </p:blipFill>
-        <p:spPr>
-          <a:xfrm>
-            <a:off x="0" y="0"/>
-            <a:ext cx="9144000" cy="5143500"/>
-          </a:xfrm>
-          <a:prstGeom prst="rect">
-            <a:avLst/>
-          </a:prstGeom>
-        </p:spPr>
-      </p:pic>
       <p:sp>
         <p:nvSpPr>
           <p:cNvPr id="2" name="Title 1"/>
@@ -5128,20 +2317,15 @@
       </p:sp>
       <p:sp>
         <p:nvSpPr>
-          <p:cNvPr id="11" name="Vertical Text Placeholder 2"/>
+          <p:cNvPr id="3" name="Vertical Text Placeholder 2"/>
           <p:cNvSpPr>
             <a:spLocks noGrp="1"/>
           </p:cNvSpPr>
           <p:nvPr>
-            <p:ph type="body" orient="vert" sz="quarter" idx="13"/>
-          </p:nvPr>
-        </p:nvSpPr>
-        <p:spPr>
-          <a:xfrm>
-            <a:off x="685331" y="1775320"/>
-            <a:ext cx="7773339" cy="2568080"/>
-          </a:xfrm>
-        </p:spPr>
+            <p:ph type="body" orient="vert" idx="1"/>
+          </p:nvPr>
+        </p:nvSpPr>
+        <p:spPr/>
         <p:txBody>
           <a:bodyPr vert="eaVert"/>
           <a:lstStyle/>
@@ -5261,7 +2445,7 @@
     </p:spTree>
     <p:extLst>
       <p:ext uri="{BB962C8B-B14F-4D97-AF65-F5344CB8AC3E}">
-        <p14:creationId xmlns:p14="http://schemas.microsoft.com/office/powerpoint/2010/main" val="3827347819"/>
+        <p14:creationId xmlns:p14="http://schemas.microsoft.com/office/powerpoint/2010/main" val="3588304238"/>
       </p:ext>
     </p:extLst>
   </p:cSld>
@@ -5272,7 +2456,7 @@
 </p:sldLayout>
 </file>
 
-<file path=ppt/slideLayouts/slideLayout17.xml><?xml version="1.0" encoding="utf-8"?>
+<file path=ppt/slideLayouts/slideLayout11.xml><?xml version="1.0" encoding="utf-8"?>
 <p:sldLayout xmlns:a="http://schemas.openxmlformats.org/drawingml/2006/main" xmlns:r="http://schemas.openxmlformats.org/officeDocument/2006/relationships" xmlns:p="http://schemas.openxmlformats.org/presentationml/2006/main" type="vertTitleAndTx" preserve="1">
   <p:cSld name="Vertical Title and Text">
     <p:spTree>
@@ -5289,36 +2473,6 @@
           <a:chExt cx="0" cy="0"/>
         </a:xfrm>
       </p:grpSpPr>
-      <p:pic>
-        <p:nvPicPr>
-          <p:cNvPr id="9" name="Picture 8" descr="Droplets-HD-Content-R1d.png"/>
-          <p:cNvPicPr>
-            <a:picLocks noChangeAspect="1"/>
-          </p:cNvPicPr>
-          <p:nvPr/>
-        </p:nvPicPr>
-        <p:blipFill>
-          <a:blip r:embed="rId2">
-            <a:extLst>
-              <a:ext uri="{28A0092B-C50C-407E-A947-70E740481C1C}">
-                <a14:useLocalDpi xmlns:a14="http://schemas.microsoft.com/office/drawing/2010/main" val="0"/>
-              </a:ext>
-            </a:extLst>
-          </a:blip>
-          <a:stretch>
-            <a:fillRect/>
-          </a:stretch>
-        </p:blipFill>
-        <p:spPr>
-          <a:xfrm>
-            <a:off x="0" y="0"/>
-            <a:ext cx="9144000" cy="5143500"/>
-          </a:xfrm>
-          <a:prstGeom prst="rect">
-            <a:avLst/>
-          </a:prstGeom>
-        </p:spPr>
-      </p:pic>
       <p:sp>
         <p:nvSpPr>
           <p:cNvPr id="2" name="Vertical Title 1"/>
@@ -5331,17 +2485,13 @@
         </p:nvSpPr>
         <p:spPr>
           <a:xfrm>
-            <a:off x="6543675" y="457201"/>
-            <a:ext cx="1914995" cy="3886199"/>
+            <a:off x="6489834" y="702945"/>
+            <a:ext cx="973956" cy="3737610"/>
           </a:xfrm>
         </p:spPr>
         <p:txBody>
           <a:bodyPr vert="eaVert"/>
-          <a:lstStyle>
-            <a:lvl1pPr algn="l">
-              <a:defRPr/>
-            </a:lvl1pPr>
-          </a:lstStyle>
+          <a:lstStyle/>
           <a:p>
             <a:r>
               <a:rPr lang="en-US"/>
@@ -5353,18 +2503,18 @@
       </p:sp>
       <p:sp>
         <p:nvSpPr>
-          <p:cNvPr id="8" name="Vertical Text Placeholder 2"/>
+          <p:cNvPr id="3" name="Vertical Text Placeholder 2"/>
           <p:cNvSpPr>
             <a:spLocks noGrp="1"/>
           </p:cNvSpPr>
           <p:nvPr>
-            <p:ph type="body" orient="vert" sz="quarter" idx="13"/>
+            <p:ph type="body" orient="vert" idx="1"/>
           </p:nvPr>
         </p:nvSpPr>
         <p:spPr>
           <a:xfrm>
-            <a:off x="685331" y="457201"/>
-            <a:ext cx="5744043" cy="3886199"/>
+            <a:off x="1673352" y="702945"/>
+            <a:ext cx="4648867" cy="3737610"/>
           </a:xfrm>
         </p:spPr>
         <p:txBody>
@@ -5486,7 +2636,7 @@
     </p:spTree>
     <p:extLst>
       <p:ext uri="{BB962C8B-B14F-4D97-AF65-F5344CB8AC3E}">
-        <p14:creationId xmlns:p14="http://schemas.microsoft.com/office/powerpoint/2010/main" val="1652893212"/>
+        <p14:creationId xmlns:p14="http://schemas.microsoft.com/office/powerpoint/2010/main" val="4149781690"/>
       </p:ext>
     </p:extLst>
   </p:cSld>
@@ -5497,7 +2647,7 @@
 </p:sldLayout>
 </file>
 
-<file path=ppt/slideLayouts/slideLayout18.xml><?xml version="1.0" encoding="utf-8"?>
+<file path=ppt/slideLayouts/slideLayout12.xml><?xml version="1.0" encoding="utf-8"?>
 <p:sldLayout xmlns:a="http://schemas.openxmlformats.org/drawingml/2006/main" xmlns:r="http://schemas.openxmlformats.org/officeDocument/2006/relationships" xmlns:p="http://schemas.openxmlformats.org/presentationml/2006/main" matchingName="Title and body" type="tx">
   <p:cSld name="Title and body">
     <p:spTree>
@@ -5854,7 +3004,7 @@
     </p:spTree>
     <p:extLst>
       <p:ext uri="{BB962C8B-B14F-4D97-AF65-F5344CB8AC3E}">
-        <p14:creationId xmlns:p14="http://schemas.microsoft.com/office/powerpoint/2010/main" val="2785085476"/>
+        <p14:creationId xmlns:p14="http://schemas.microsoft.com/office/powerpoint/2010/main" val="2670710685"/>
       </p:ext>
     </p:extLst>
   </p:cSld>
@@ -5881,36 +3031,6 @@
           <a:chExt cx="0" cy="0"/>
         </a:xfrm>
       </p:grpSpPr>
-      <p:pic>
-        <p:nvPicPr>
-          <p:cNvPr id="3" name="Picture 2" descr="Droplets-HD-Content-R1d.png"/>
-          <p:cNvPicPr>
-            <a:picLocks noChangeAspect="1"/>
-          </p:cNvPicPr>
-          <p:nvPr/>
-        </p:nvPicPr>
-        <p:blipFill>
-          <a:blip r:embed="rId2">
-            <a:extLst>
-              <a:ext uri="{28A0092B-C50C-407E-A947-70E740481C1C}">
-                <a14:useLocalDpi xmlns:a14="http://schemas.microsoft.com/office/drawing/2010/main" val="0"/>
-              </a:ext>
-            </a:extLst>
-          </a:blip>
-          <a:stretch>
-            <a:fillRect/>
-          </a:stretch>
-        </p:blipFill>
-        <p:spPr>
-          <a:xfrm>
-            <a:off x="0" y="0"/>
-            <a:ext cx="9144000" cy="5143500"/>
-          </a:xfrm>
-          <a:prstGeom prst="rect">
-            <a:avLst/>
-          </a:prstGeom>
-        </p:spPr>
-      </p:pic>
       <p:sp>
         <p:nvSpPr>
           <p:cNvPr id="2" name="Title 1"/>
@@ -5936,20 +3056,15 @@
       </p:sp>
       <p:sp>
         <p:nvSpPr>
-          <p:cNvPr id="12" name="Content Placeholder 2"/>
+          <p:cNvPr id="3" name="Content Placeholder 2"/>
           <p:cNvSpPr>
             <a:spLocks noGrp="1"/>
           </p:cNvSpPr>
           <p:nvPr>
-            <p:ph sz="quarter" idx="13"/>
-          </p:nvPr>
-        </p:nvSpPr>
-        <p:spPr>
-          <a:xfrm>
-            <a:off x="685330" y="1775320"/>
-            <a:ext cx="7772870" cy="2568080"/>
-          </a:xfrm>
-        </p:spPr>
+            <p:ph idx="1"/>
+          </p:nvPr>
+        </p:nvSpPr>
+        <p:spPr/>
         <p:txBody>
           <a:bodyPr/>
           <a:lstStyle/>
@@ -5993,7 +3108,7 @@
       </p:sp>
       <p:sp>
         <p:nvSpPr>
-          <p:cNvPr id="4" name="Date Placeholder 3"/>
+          <p:cNvPr id="7" name="Date Placeholder 6"/>
           <p:cNvSpPr>
             <a:spLocks noGrp="1"/>
           </p:cNvSpPr>
@@ -6017,7 +3132,7 @@
       </p:sp>
       <p:sp>
         <p:nvSpPr>
-          <p:cNvPr id="5" name="Footer Placeholder 4"/>
+          <p:cNvPr id="8" name="Footer Placeholder 7"/>
           <p:cNvSpPr>
             <a:spLocks noGrp="1"/>
           </p:cNvSpPr>
@@ -6036,7 +3151,7 @@
       </p:sp>
       <p:sp>
         <p:nvSpPr>
-          <p:cNvPr id="6" name="Slide Number Placeholder 5"/>
+          <p:cNvPr id="9" name="Slide Number Placeholder 8"/>
           <p:cNvSpPr>
             <a:spLocks noGrp="1"/>
           </p:cNvSpPr>
@@ -6069,7 +3184,7 @@
     </p:spTree>
     <p:extLst>
       <p:ext uri="{BB962C8B-B14F-4D97-AF65-F5344CB8AC3E}">
-        <p14:creationId xmlns:p14="http://schemas.microsoft.com/office/powerpoint/2010/main" val="2241055172"/>
+        <p14:creationId xmlns:p14="http://schemas.microsoft.com/office/powerpoint/2010/main" val="1856743127"/>
       </p:ext>
     </p:extLst>
   </p:cSld>
@@ -6083,6 +3198,14 @@
 <file path=ppt/slideLayouts/slideLayout3.xml><?xml version="1.0" encoding="utf-8"?>
 <p:sldLayout xmlns:a="http://schemas.openxmlformats.org/drawingml/2006/main" xmlns:r="http://schemas.openxmlformats.org/officeDocument/2006/relationships" xmlns:p="http://schemas.openxmlformats.org/presentationml/2006/main" type="secHead" preserve="1">
   <p:cSld name="Section Header">
+    <p:bg>
+      <p:bgPr>
+        <a:solidFill>
+          <a:schemeClr val="accent1"/>
+        </a:solidFill>
+        <a:effectLst/>
+      </p:bgPr>
+    </p:bg>
     <p:spTree>
       <p:nvGrpSpPr>
         <p:cNvPr id="1" name=""/>
@@ -6097,36 +3220,6 @@
           <a:chExt cx="0" cy="0"/>
         </a:xfrm>
       </p:grpSpPr>
-      <p:pic>
-        <p:nvPicPr>
-          <p:cNvPr id="9" name="Picture 8" descr="Droplets-HD-Content-R1d.png"/>
-          <p:cNvPicPr>
-            <a:picLocks noChangeAspect="1"/>
-          </p:cNvPicPr>
-          <p:nvPr/>
-        </p:nvPicPr>
-        <p:blipFill>
-          <a:blip r:embed="rId2">
-            <a:extLst>
-              <a:ext uri="{28A0092B-C50C-407E-A947-70E740481C1C}">
-                <a14:useLocalDpi xmlns:a14="http://schemas.microsoft.com/office/drawing/2010/main" val="0"/>
-              </a:ext>
-            </a:extLst>
-          </a:blip>
-          <a:stretch>
-            <a:fillRect/>
-          </a:stretch>
-        </p:blipFill>
-        <p:spPr>
-          <a:xfrm>
-            <a:off x="0" y="0"/>
-            <a:ext cx="9144000" cy="5143500"/>
-          </a:xfrm>
-          <a:prstGeom prst="rect">
-            <a:avLst/>
-          </a:prstGeom>
-        </p:spPr>
-      </p:pic>
       <p:sp>
         <p:nvSpPr>
           <p:cNvPr id="2" name="Title 1"/>
@@ -6137,19 +3230,31 @@
             <p:ph type="title"/>
           </p:nvPr>
         </p:nvSpPr>
-        <p:spPr>
+        <p:spPr bwMode="blackWhite">
           <a:xfrm>
-            <a:off x="685331" y="621423"/>
-            <a:ext cx="7763814" cy="2052614"/>
+            <a:off x="1200150" y="1790058"/>
+            <a:ext cx="6743700" cy="1234440"/>
           </a:xfrm>
-        </p:spPr>
-        <p:txBody>
-          <a:bodyPr anchor="b">
+          <a:solidFill>
+            <a:srgbClr val="FFFFFF"/>
+          </a:solidFill>
+          <a:ln w="38100">
+            <a:solidFill>
+              <a:srgbClr val="404040"/>
+            </a:solidFill>
+          </a:ln>
+        </p:spPr>
+        <p:txBody>
+          <a:bodyPr lIns="274320" rIns="274320" anchor="ctr" anchorCtr="1">
             <a:normAutofit/>
           </a:bodyPr>
           <a:lstStyle>
             <a:lvl1pPr>
-              <a:defRPr sz="3000"/>
+              <a:defRPr sz="2850">
+                <a:solidFill>
+                  <a:srgbClr val="262626"/>
+                </a:solidFill>
+              </a:defRPr>
             </a:lvl1pPr>
           </a:lstStyle>
           <a:p>
@@ -6173,22 +3278,20 @@
         </p:nvSpPr>
         <p:spPr>
           <a:xfrm>
-            <a:off x="685331" y="2743093"/>
-            <a:ext cx="7763814" cy="1026137"/>
+            <a:off x="2021396" y="3264349"/>
+            <a:ext cx="5101209" cy="948812"/>
           </a:xfrm>
         </p:spPr>
         <p:txBody>
-          <a:bodyPr>
+          <a:bodyPr anchor="t" anchorCtr="1">
             <a:normAutofit/>
           </a:bodyPr>
           <a:lstStyle>
-            <a:lvl1pPr marL="0" indent="0" algn="ctr">
+            <a:lvl1pPr marL="0" indent="0">
               <a:buNone/>
               <a:defRPr sz="1500">
                 <a:solidFill>
-                  <a:schemeClr val="bg1">
-                    <a:lumMod val="50000"/>
-                  </a:schemeClr>
+                  <a:schemeClr val="tx1"/>
                 </a:solidFill>
               </a:defRPr>
             </a:lvl1pPr>
@@ -6284,7 +3387,7 @@
       </p:sp>
       <p:sp>
         <p:nvSpPr>
-          <p:cNvPr id="4" name="Date Placeholder 3"/>
+          <p:cNvPr id="7" name="Date Placeholder 6"/>
           <p:cNvSpPr>
             <a:spLocks noGrp="1"/>
           </p:cNvSpPr>
@@ -6308,7 +3411,7 @@
       </p:sp>
       <p:sp>
         <p:nvSpPr>
-          <p:cNvPr id="5" name="Footer Placeholder 4"/>
+          <p:cNvPr id="8" name="Footer Placeholder 7"/>
           <p:cNvSpPr>
             <a:spLocks noGrp="1"/>
           </p:cNvSpPr>
@@ -6327,7 +3430,7 @@
       </p:sp>
       <p:sp>
         <p:nvSpPr>
-          <p:cNvPr id="6" name="Slide Number Placeholder 5"/>
+          <p:cNvPr id="9" name="Slide Number Placeholder 8"/>
           <p:cNvSpPr>
             <a:spLocks noGrp="1"/>
           </p:cNvSpPr>
@@ -6360,12 +3463,12 @@
     </p:spTree>
     <p:extLst>
       <p:ext uri="{BB962C8B-B14F-4D97-AF65-F5344CB8AC3E}">
-        <p14:creationId xmlns:p14="http://schemas.microsoft.com/office/powerpoint/2010/main" val="2388310638"/>
+        <p14:creationId xmlns:p14="http://schemas.microsoft.com/office/powerpoint/2010/main" val="2788356279"/>
       </p:ext>
     </p:extLst>
   </p:cSld>
   <p:clrMapOvr>
-    <a:masterClrMapping/>
+    <a:overrideClrMapping bg1="dk1" tx1="lt1" bg2="dk2" tx2="lt2" accent1="accent1" accent2="accent2" accent3="accent3" accent4="accent4" accent5="accent5" accent6="accent6" hlink="hlink" folHlink="folHlink"/>
   </p:clrMapOvr>
   <p:hf sldNum="0" hdr="0" ftr="0" dt="0"/>
 </p:sldLayout>
@@ -6388,39 +3491,9 @@
           <a:chExt cx="0" cy="0"/>
         </a:xfrm>
       </p:grpSpPr>
-      <p:pic>
-        <p:nvPicPr>
-          <p:cNvPr id="10" name="Picture 9" descr="Droplets-HD-Content-R1d.png"/>
-          <p:cNvPicPr>
-            <a:picLocks noChangeAspect="1"/>
-          </p:cNvPicPr>
-          <p:nvPr/>
-        </p:nvPicPr>
-        <p:blipFill>
-          <a:blip r:embed="rId2">
-            <a:extLst>
-              <a:ext uri="{28A0092B-C50C-407E-A947-70E740481C1C}">
-                <a14:useLocalDpi xmlns:a14="http://schemas.microsoft.com/office/drawing/2010/main" val="0"/>
-              </a:ext>
-            </a:extLst>
-          </a:blip>
-          <a:stretch>
-            <a:fillRect/>
-          </a:stretch>
-        </p:blipFill>
-        <p:spPr>
-          <a:xfrm>
-            <a:off x="0" y="0"/>
-            <a:ext cx="9144000" cy="5143500"/>
-          </a:xfrm>
-          <a:prstGeom prst="rect">
-            <a:avLst/>
-          </a:prstGeom>
-        </p:spPr>
-      </p:pic>
-      <p:sp>
-        <p:nvSpPr>
-          <p:cNvPr id="14" name="Title 1"/>
+      <p:sp>
+        <p:nvSpPr>
+          <p:cNvPr id="2" name="Title 1"/>
           <p:cNvSpPr>
             <a:spLocks noGrp="1"/>
           </p:cNvSpPr>
@@ -6428,12 +3501,7 @@
             <p:ph type="title"/>
           </p:nvPr>
         </p:nvSpPr>
-        <p:spPr>
-          <a:xfrm>
-            <a:off x="685332" y="463888"/>
-            <a:ext cx="7773338" cy="1197133"/>
-          </a:xfrm>
-        </p:spPr>
+        <p:spPr/>
         <p:txBody>
           <a:bodyPr/>
           <a:lstStyle/>
@@ -6448,18 +3516,18 @@
       </p:sp>
       <p:sp>
         <p:nvSpPr>
-          <p:cNvPr id="12" name="Content Placeholder 2"/>
+          <p:cNvPr id="3" name="Content Placeholder 2"/>
           <p:cNvSpPr>
             <a:spLocks noGrp="1"/>
           </p:cNvSpPr>
           <p:nvPr>
-            <p:ph sz="quarter" idx="13"/>
+            <p:ph sz="half" idx="1"/>
           </p:nvPr>
         </p:nvSpPr>
         <p:spPr>
           <a:xfrm>
-            <a:off x="685330" y="1775320"/>
-            <a:ext cx="3829520" cy="2568080"/>
+            <a:off x="1186434" y="1978533"/>
+            <a:ext cx="3203828" cy="2326487"/>
           </a:xfrm>
         </p:spPr>
         <p:txBody>
@@ -6505,18 +3573,18 @@
       </p:sp>
       <p:sp>
         <p:nvSpPr>
-          <p:cNvPr id="13" name="Content Placeholder 3"/>
+          <p:cNvPr id="4" name="Content Placeholder 3"/>
           <p:cNvSpPr>
             <a:spLocks noGrp="1"/>
           </p:cNvSpPr>
           <p:nvPr>
-            <p:ph sz="quarter" idx="14"/>
+            <p:ph sz="half" idx="2"/>
           </p:nvPr>
         </p:nvSpPr>
         <p:spPr>
           <a:xfrm>
-            <a:off x="4629150" y="1775320"/>
-            <a:ext cx="3829050" cy="2568080"/>
+            <a:off x="4753737" y="1978533"/>
+            <a:ext cx="3202685" cy="2326487"/>
           </a:xfrm>
         </p:spPr>
         <p:txBody>
@@ -6562,7 +3630,7 @@
       </p:sp>
       <p:sp>
         <p:nvSpPr>
-          <p:cNvPr id="5" name="Date Placeholder 4"/>
+          <p:cNvPr id="8" name="Date Placeholder 7"/>
           <p:cNvSpPr>
             <a:spLocks noGrp="1"/>
           </p:cNvSpPr>
@@ -6586,7 +3654,7 @@
       </p:sp>
       <p:sp>
         <p:nvSpPr>
-          <p:cNvPr id="6" name="Footer Placeholder 5"/>
+          <p:cNvPr id="9" name="Footer Placeholder 8"/>
           <p:cNvSpPr>
             <a:spLocks noGrp="1"/>
           </p:cNvSpPr>
@@ -6605,7 +3673,7 @@
       </p:sp>
       <p:sp>
         <p:nvSpPr>
-          <p:cNvPr id="7" name="Slide Number Placeholder 6"/>
+          <p:cNvPr id="10" name="Slide Number Placeholder 9"/>
           <p:cNvSpPr>
             <a:spLocks noGrp="1"/>
           </p:cNvSpPr>
@@ -6638,7 +3706,7 @@
     </p:spTree>
     <p:extLst>
       <p:ext uri="{BB962C8B-B14F-4D97-AF65-F5344CB8AC3E}">
-        <p14:creationId xmlns:p14="http://schemas.microsoft.com/office/powerpoint/2010/main" val="268787478"/>
+        <p14:creationId xmlns:p14="http://schemas.microsoft.com/office/powerpoint/2010/main" val="43731855"/>
       </p:ext>
     </p:extLst>
   </p:cSld>
@@ -6666,64 +3734,6 @@
           <a:chExt cx="0" cy="0"/>
         </a:xfrm>
       </p:grpSpPr>
-      <p:pic>
-        <p:nvPicPr>
-          <p:cNvPr id="15" name="Picture 14" descr="Droplets-HD-Content-R1d.png"/>
-          <p:cNvPicPr>
-            <a:picLocks noChangeAspect="1"/>
-          </p:cNvPicPr>
-          <p:nvPr/>
-        </p:nvPicPr>
-        <p:blipFill>
-          <a:blip r:embed="rId2">
-            <a:extLst>
-              <a:ext uri="{28A0092B-C50C-407E-A947-70E740481C1C}">
-                <a14:useLocalDpi xmlns:a14="http://schemas.microsoft.com/office/drawing/2010/main" val="0"/>
-              </a:ext>
-            </a:extLst>
-          </a:blip>
-          <a:stretch>
-            <a:fillRect/>
-          </a:stretch>
-        </p:blipFill>
-        <p:spPr>
-          <a:xfrm>
-            <a:off x="0" y="0"/>
-            <a:ext cx="9144000" cy="5143500"/>
-          </a:xfrm>
-          <a:prstGeom prst="rect">
-            <a:avLst/>
-          </a:prstGeom>
-        </p:spPr>
-      </p:pic>
-      <p:sp>
-        <p:nvSpPr>
-          <p:cNvPr id="14" name="Title 1"/>
-          <p:cNvSpPr>
-            <a:spLocks noGrp="1"/>
-          </p:cNvSpPr>
-          <p:nvPr>
-            <p:ph type="title"/>
-          </p:nvPr>
-        </p:nvSpPr>
-        <p:spPr>
-          <a:xfrm>
-            <a:off x="685332" y="463888"/>
-            <a:ext cx="7773338" cy="1197133"/>
-          </a:xfrm>
-        </p:spPr>
-        <p:txBody>
-          <a:bodyPr/>
-          <a:lstStyle/>
-          <a:p>
-            <a:r>
-              <a:rPr lang="en-US"/>
-              <a:t>Click to edit Master title style</a:t>
-            </a:r>
-            <a:endParaRPr lang="en-US" dirty="0"/>
-          </a:p>
-        </p:txBody>
-      </p:sp>
       <p:sp>
         <p:nvSpPr>
           <p:cNvPr id="3" name="Text Placeholder 2"/>
@@ -6736,29 +3746,28 @@
         </p:nvSpPr>
         <p:spPr>
           <a:xfrm>
-            <a:off x="859746" y="1778263"/>
-            <a:ext cx="3655106" cy="509996"/>
+            <a:off x="1187577" y="1735075"/>
+            <a:ext cx="3202686" cy="528065"/>
           </a:xfrm>
         </p:spPr>
         <p:txBody>
-          <a:bodyPr anchor="b">
-            <a:noAutofit/>
+          <a:bodyPr anchor="b" anchorCtr="1">
+            <a:normAutofit/>
           </a:bodyPr>
           <a:lstStyle>
-            <a:lvl1pPr marL="0" indent="0">
-              <a:lnSpc>
-                <a:spcPct val="85000"/>
-              </a:lnSpc>
-              <a:buNone/>
-              <a:defRPr sz="1950" b="0">
+            <a:lvl1pPr marL="0" indent="0" algn="ctr">
+              <a:buNone/>
+              <a:defRPr sz="1425" b="0" cap="all" spc="75" baseline="0">
                 <a:solidFill>
-                  <a:schemeClr val="tx1"/>
+                  <a:schemeClr val="accent2">
+                    <a:lumMod val="75000"/>
+                  </a:schemeClr>
                 </a:solidFill>
               </a:defRPr>
             </a:lvl1pPr>
             <a:lvl2pPr marL="342900" indent="0">
               <a:buNone/>
-              <a:defRPr sz="1500" b="1"/>
+              <a:defRPr sz="1425" b="1"/>
             </a:lvl2pPr>
             <a:lvl3pPr marL="685800" indent="0">
               <a:buNone/>
@@ -6800,18 +3809,18 @@
       </p:sp>
       <p:sp>
         <p:nvSpPr>
-          <p:cNvPr id="12" name="Content Placeholder 3"/>
+          <p:cNvPr id="4" name="Content Placeholder 3"/>
           <p:cNvSpPr>
             <a:spLocks noGrp="1"/>
           </p:cNvSpPr>
           <p:nvPr>
-            <p:ph sz="quarter" idx="13"/>
+            <p:ph sz="half" idx="2"/>
           </p:nvPr>
         </p:nvSpPr>
         <p:spPr>
           <a:xfrm>
-            <a:off x="685331" y="2288260"/>
-            <a:ext cx="3829520" cy="2055140"/>
+            <a:off x="1187577" y="2357438"/>
+            <a:ext cx="3202686" cy="1947582"/>
           </a:xfrm>
         </p:spPr>
         <p:txBody>
@@ -6857,39 +3866,99 @@
       </p:sp>
       <p:sp>
         <p:nvSpPr>
-          <p:cNvPr id="5" name="Text Placeholder 4"/>
+          <p:cNvPr id="6" name="Content Placeholder 5"/>
           <p:cNvSpPr>
             <a:spLocks noGrp="1"/>
           </p:cNvSpPr>
           <p:nvPr>
-            <p:ph type="body" sz="quarter" idx="3"/>
+            <p:ph sz="quarter" idx="4"/>
           </p:nvPr>
         </p:nvSpPr>
         <p:spPr>
           <a:xfrm>
-            <a:off x="4797317" y="1778263"/>
-            <a:ext cx="3661353" cy="509996"/>
+            <a:off x="4753737" y="2357438"/>
+            <a:ext cx="3190113" cy="1947582"/>
           </a:xfrm>
         </p:spPr>
         <p:txBody>
-          <a:bodyPr anchor="b">
-            <a:noAutofit/>
+          <a:bodyPr/>
+          <a:lstStyle>
+            <a:lvl5pPr>
+              <a:defRPr/>
+            </a:lvl5pPr>
+          </a:lstStyle>
+          <a:p>
+            <a:pPr lvl="0"/>
+            <a:r>
+              <a:rPr lang="en-US"/>
+              <a:t>Click to edit Master text styles</a:t>
+            </a:r>
+          </a:p>
+          <a:p>
+            <a:pPr lvl="1"/>
+            <a:r>
+              <a:rPr lang="en-US"/>
+              <a:t>Second level</a:t>
+            </a:r>
+          </a:p>
+          <a:p>
+            <a:pPr lvl="2"/>
+            <a:r>
+              <a:rPr lang="en-US"/>
+              <a:t>Third level</a:t>
+            </a:r>
+          </a:p>
+          <a:p>
+            <a:pPr lvl="3"/>
+            <a:r>
+              <a:rPr lang="en-US"/>
+              <a:t>Fourth level</a:t>
+            </a:r>
+          </a:p>
+          <a:p>
+            <a:pPr lvl="4"/>
+            <a:r>
+              <a:rPr lang="en-US"/>
+              <a:t>Fifth level</a:t>
+            </a:r>
+            <a:endParaRPr lang="en-US" dirty="0"/>
+          </a:p>
+        </p:txBody>
+      </p:sp>
+      <p:sp>
+        <p:nvSpPr>
+          <p:cNvPr id="11" name="Text Placeholder 4"/>
+          <p:cNvSpPr>
+            <a:spLocks noGrp="1"/>
+          </p:cNvSpPr>
+          <p:nvPr>
+            <p:ph type="body" sz="quarter" idx="13"/>
+          </p:nvPr>
+        </p:nvSpPr>
+        <p:spPr>
+          <a:xfrm>
+            <a:off x="4753737" y="1735075"/>
+            <a:ext cx="3202686" cy="528065"/>
+          </a:xfrm>
+        </p:spPr>
+        <p:txBody>
+          <a:bodyPr anchor="b" anchorCtr="1">
+            <a:normAutofit/>
           </a:bodyPr>
           <a:lstStyle>
-            <a:lvl1pPr marL="0" indent="0">
-              <a:lnSpc>
-                <a:spcPct val="85000"/>
-              </a:lnSpc>
-              <a:buNone/>
-              <a:defRPr sz="1950" b="0">
+            <a:lvl1pPr marL="0" indent="0" algn="ctr">
+              <a:buNone/>
+              <a:defRPr sz="1425" b="0" cap="all" spc="75" baseline="0">
                 <a:solidFill>
-                  <a:schemeClr val="tx1"/>
+                  <a:schemeClr val="accent2">
+                    <a:lumMod val="75000"/>
+                  </a:schemeClr>
                 </a:solidFill>
               </a:defRPr>
             </a:lvl1pPr>
             <a:lvl2pPr marL="342900" indent="0">
               <a:buNone/>
-              <a:defRPr sz="1500" b="1"/>
+              <a:defRPr sz="1425" b="1"/>
             </a:lvl2pPr>
             <a:lvl3pPr marL="685800" indent="0">
               <a:buNone/>
@@ -6926,63 +3995,6 @@
               <a:rPr lang="en-US"/>
               <a:t>Click to edit Master text styles</a:t>
             </a:r>
-          </a:p>
-        </p:txBody>
-      </p:sp>
-      <p:sp>
-        <p:nvSpPr>
-          <p:cNvPr id="13" name="Content Placeholder 5"/>
-          <p:cNvSpPr>
-            <a:spLocks noGrp="1"/>
-          </p:cNvSpPr>
-          <p:nvPr>
-            <p:ph sz="quarter" idx="14"/>
-          </p:nvPr>
-        </p:nvSpPr>
-        <p:spPr>
-          <a:xfrm>
-            <a:off x="4629150" y="2288260"/>
-            <a:ext cx="3829051" cy="2055140"/>
-          </a:xfrm>
-        </p:spPr>
-        <p:txBody>
-          <a:bodyPr/>
-          <a:lstStyle/>
-          <a:p>
-            <a:pPr lvl="0"/>
-            <a:r>
-              <a:rPr lang="en-US"/>
-              <a:t>Click to edit Master text styles</a:t>
-            </a:r>
-          </a:p>
-          <a:p>
-            <a:pPr lvl="1"/>
-            <a:r>
-              <a:rPr lang="en-US"/>
-              <a:t>Second level</a:t>
-            </a:r>
-          </a:p>
-          <a:p>
-            <a:pPr lvl="2"/>
-            <a:r>
-              <a:rPr lang="en-US"/>
-              <a:t>Third level</a:t>
-            </a:r>
-          </a:p>
-          <a:p>
-            <a:pPr lvl="3"/>
-            <a:r>
-              <a:rPr lang="en-US"/>
-              <a:t>Fourth level</a:t>
-            </a:r>
-          </a:p>
-          <a:p>
-            <a:pPr lvl="4"/>
-            <a:r>
-              <a:rPr lang="en-US"/>
-              <a:t>Fifth level</a:t>
-            </a:r>
-            <a:endParaRPr lang="en-US" dirty="0"/>
           </a:p>
         </p:txBody>
       </p:sp>
@@ -7061,10 +4073,33 @@
           </a:p>
         </p:txBody>
       </p:sp>
+      <p:sp>
+        <p:nvSpPr>
+          <p:cNvPr id="10" name="Title 9"/>
+          <p:cNvSpPr>
+            <a:spLocks noGrp="1"/>
+          </p:cNvSpPr>
+          <p:nvPr>
+            <p:ph type="title"/>
+          </p:nvPr>
+        </p:nvSpPr>
+        <p:spPr/>
+        <p:txBody>
+          <a:bodyPr/>
+          <a:lstStyle/>
+          <a:p>
+            <a:r>
+              <a:rPr lang="en-US"/>
+              <a:t>Click to edit Master title style</a:t>
+            </a:r>
+            <a:endParaRPr lang="en-US" dirty="0"/>
+          </a:p>
+        </p:txBody>
+      </p:sp>
     </p:spTree>
     <p:extLst>
       <p:ext uri="{BB962C8B-B14F-4D97-AF65-F5344CB8AC3E}">
-        <p14:creationId xmlns:p14="http://schemas.microsoft.com/office/powerpoint/2010/main" val="690410548"/>
+        <p14:creationId xmlns:p14="http://schemas.microsoft.com/office/powerpoint/2010/main" val="737114993"/>
       </p:ext>
     </p:extLst>
   </p:cSld>
@@ -7092,36 +4127,6 @@
           <a:chExt cx="0" cy="0"/>
         </a:xfrm>
       </p:grpSpPr>
-      <p:pic>
-        <p:nvPicPr>
-          <p:cNvPr id="8" name="Picture 7" descr="Droplets-HD-Content-R1d.png"/>
-          <p:cNvPicPr>
-            <a:picLocks noChangeAspect="1"/>
-          </p:cNvPicPr>
-          <p:nvPr/>
-        </p:nvPicPr>
-        <p:blipFill>
-          <a:blip r:embed="rId2">
-            <a:extLst>
-              <a:ext uri="{28A0092B-C50C-407E-A947-70E740481C1C}">
-                <a14:useLocalDpi xmlns:a14="http://schemas.microsoft.com/office/drawing/2010/main" val="0"/>
-              </a:ext>
-            </a:extLst>
-          </a:blip>
-          <a:stretch>
-            <a:fillRect/>
-          </a:stretch>
-        </p:blipFill>
-        <p:spPr>
-          <a:xfrm>
-            <a:off x="0" y="0"/>
-            <a:ext cx="9144000" cy="5143500"/>
-          </a:xfrm>
-          <a:prstGeom prst="rect">
-            <a:avLst/>
-          </a:prstGeom>
-        </p:spPr>
-      </p:pic>
       <p:sp>
         <p:nvSpPr>
           <p:cNvPr id="2" name="Title 1"/>
@@ -7222,7 +4227,7 @@
     </p:spTree>
     <p:extLst>
       <p:ext uri="{BB962C8B-B14F-4D97-AF65-F5344CB8AC3E}">
-        <p14:creationId xmlns:p14="http://schemas.microsoft.com/office/powerpoint/2010/main" val="1917935148"/>
+        <p14:creationId xmlns:p14="http://schemas.microsoft.com/office/powerpoint/2010/main" val="1067582981"/>
       </p:ext>
     </p:extLst>
   </p:cSld>
@@ -7250,36 +4255,6 @@
           <a:chExt cx="0" cy="0"/>
         </a:xfrm>
       </p:grpSpPr>
-      <p:pic>
-        <p:nvPicPr>
-          <p:cNvPr id="7" name="Picture 6" descr="Droplets-HD-Content-R1d.png"/>
-          <p:cNvPicPr>
-            <a:picLocks noChangeAspect="1"/>
-          </p:cNvPicPr>
-          <p:nvPr/>
-        </p:nvPicPr>
-        <p:blipFill>
-          <a:blip r:embed="rId2">
-            <a:extLst>
-              <a:ext uri="{28A0092B-C50C-407E-A947-70E740481C1C}">
-                <a14:useLocalDpi xmlns:a14="http://schemas.microsoft.com/office/drawing/2010/main" val="0"/>
-              </a:ext>
-            </a:extLst>
-          </a:blip>
-          <a:stretch>
-            <a:fillRect/>
-          </a:stretch>
-        </p:blipFill>
-        <p:spPr>
-          <a:xfrm>
-            <a:off x="0" y="0"/>
-            <a:ext cx="9144000" cy="5143500"/>
-          </a:xfrm>
-          <a:prstGeom prst="rect">
-            <a:avLst/>
-          </a:prstGeom>
-        </p:spPr>
-      </p:pic>
       <p:sp>
         <p:nvSpPr>
           <p:cNvPr id="2" name="Date Placeholder 1"/>
@@ -7357,7 +4332,7 @@
     </p:spTree>
     <p:extLst>
       <p:ext uri="{BB962C8B-B14F-4D97-AF65-F5344CB8AC3E}">
-        <p14:creationId xmlns:p14="http://schemas.microsoft.com/office/powerpoint/2010/main" val="339200346"/>
+        <p14:creationId xmlns:p14="http://schemas.microsoft.com/office/powerpoint/2010/main" val="271773344"/>
       </p:ext>
     </p:extLst>
   </p:cSld>
@@ -7389,36 +4364,44 @@
           <a:chExt cx="0" cy="0"/>
         </a:xfrm>
       </p:grpSpPr>
-      <p:pic>
-        <p:nvPicPr>
-          <p:cNvPr id="11" name="Picture 10" descr="Droplets-HD-Content-R1d.png"/>
-          <p:cNvPicPr>
-            <a:picLocks noChangeAspect="1"/>
-          </p:cNvPicPr>
+      <p:sp>
+        <p:nvSpPr>
+          <p:cNvPr id="26" name="Rectangle 25"/>
+          <p:cNvSpPr/>
           <p:nvPr/>
-        </p:nvPicPr>
-        <p:blipFill>
-          <a:blip r:embed="rId2">
-            <a:extLst>
-              <a:ext uri="{28A0092B-C50C-407E-A947-70E740481C1C}">
-                <a14:useLocalDpi xmlns:a14="http://schemas.microsoft.com/office/drawing/2010/main" val="0"/>
-              </a:ext>
-            </a:extLst>
-          </a:blip>
-          <a:stretch>
-            <a:fillRect/>
-          </a:stretch>
-        </p:blipFill>
+        </p:nvSpPr>
         <p:spPr>
           <a:xfrm>
             <a:off x="0" y="0"/>
-            <a:ext cx="9144000" cy="5143500"/>
+            <a:ext cx="4572000" cy="5143500"/>
           </a:xfrm>
           <a:prstGeom prst="rect">
             <a:avLst/>
           </a:prstGeom>
-        </p:spPr>
-      </p:pic>
+          <a:solidFill>
+            <a:schemeClr val="accent2"/>
+          </a:solidFill>
+          <a:ln>
+            <a:noFill/>
+          </a:ln>
+        </p:spPr>
+        <p:style>
+          <a:lnRef idx="2">
+            <a:schemeClr val="accent1">
+              <a:shade val="50000"/>
+            </a:schemeClr>
+          </a:lnRef>
+          <a:fillRef idx="1">
+            <a:schemeClr val="accent1"/>
+          </a:fillRef>
+          <a:effectRef idx="0">
+            <a:schemeClr val="accent1"/>
+          </a:effectRef>
+          <a:fontRef idx="minor">
+            <a:schemeClr val="lt1"/>
+          </a:fontRef>
+        </p:style>
+      </p:sp>
       <p:sp>
         <p:nvSpPr>
           <p:cNvPr id="2" name="Title 1"/>
@@ -7429,17 +4412,31 @@
             <p:ph type="title"/>
           </p:nvPr>
         </p:nvSpPr>
-        <p:spPr>
+        <p:spPr bwMode="blackWhite">
           <a:xfrm>
-            <a:off x="685331" y="457200"/>
-            <a:ext cx="2951766" cy="1517439"/>
+            <a:off x="603504" y="1682871"/>
+            <a:ext cx="3364992" cy="856123"/>
           </a:xfrm>
-        </p:spPr>
-        <p:txBody>
-          <a:bodyPr anchor="b"/>
+          <a:solidFill>
+            <a:srgbClr val="FFFFFF"/>
+          </a:solidFill>
+          <a:ln>
+            <a:solidFill>
+              <a:srgbClr val="404040"/>
+            </a:solidFill>
+          </a:ln>
+        </p:spPr>
+        <p:txBody>
+          <a:bodyPr anchor="ctr" anchorCtr="1">
+            <a:normAutofit/>
+          </a:bodyPr>
           <a:lstStyle>
-            <a:lvl1pPr algn="ctr">
-              <a:defRPr sz="2400"/>
+            <a:lvl1pPr>
+              <a:defRPr sz="1650">
+                <a:solidFill>
+                  <a:srgbClr val="262626"/>
+                </a:solidFill>
+              </a:defRPr>
             </a:lvl1pPr>
           </a:lstStyle>
           <a:p>
@@ -7453,23 +4450,73 @@
       </p:sp>
       <p:sp>
         <p:nvSpPr>
-          <p:cNvPr id="10" name="Content Placeholder 2"/>
+          <p:cNvPr id="3" name="Content Placeholder 2"/>
           <p:cNvSpPr>
             <a:spLocks noGrp="1"/>
           </p:cNvSpPr>
           <p:nvPr>
-            <p:ph sz="quarter" idx="13"/>
+            <p:ph idx="1"/>
           </p:nvPr>
         </p:nvSpPr>
         <p:spPr>
           <a:xfrm>
-            <a:off x="3808547" y="457201"/>
-            <a:ext cx="4650122" cy="3886199"/>
+            <a:off x="5052060" y="603504"/>
+            <a:ext cx="3611880" cy="3936492"/>
           </a:xfrm>
         </p:spPr>
         <p:txBody>
-          <a:bodyPr/>
-          <a:lstStyle/>
+          <a:bodyPr>
+            <a:normAutofit/>
+          </a:bodyPr>
+          <a:lstStyle>
+            <a:lvl1pPr>
+              <a:defRPr sz="1425">
+                <a:solidFill>
+                  <a:schemeClr val="tx1"/>
+                </a:solidFill>
+              </a:defRPr>
+            </a:lvl1pPr>
+            <a:lvl2pPr>
+              <a:defRPr sz="1200">
+                <a:solidFill>
+                  <a:schemeClr val="tx1"/>
+                </a:solidFill>
+              </a:defRPr>
+            </a:lvl2pPr>
+            <a:lvl3pPr>
+              <a:defRPr sz="1200">
+                <a:solidFill>
+                  <a:schemeClr val="tx1"/>
+                </a:solidFill>
+              </a:defRPr>
+            </a:lvl3pPr>
+            <a:lvl4pPr>
+              <a:defRPr sz="1200">
+                <a:solidFill>
+                  <a:schemeClr val="tx1"/>
+                </a:solidFill>
+              </a:defRPr>
+            </a:lvl4pPr>
+            <a:lvl5pPr>
+              <a:defRPr sz="1200">
+                <a:solidFill>
+                  <a:schemeClr val="tx1"/>
+                </a:solidFill>
+              </a:defRPr>
+            </a:lvl5pPr>
+            <a:lvl6pPr>
+              <a:defRPr sz="1200"/>
+            </a:lvl6pPr>
+            <a:lvl7pPr>
+              <a:defRPr sz="1200"/>
+            </a:lvl7pPr>
+            <a:lvl8pPr>
+              <a:defRPr sz="1200"/>
+            </a:lvl8pPr>
+            <a:lvl9pPr>
+              <a:defRPr sz="1200"/>
+            </a:lvl9pPr>
+          </a:lstStyle>
           <a:p>
             <a:pPr lvl="0"/>
             <a:r>
@@ -7520,16 +4567,22 @@
         </p:nvSpPr>
         <p:spPr>
           <a:xfrm>
-            <a:off x="685331" y="1974639"/>
-            <a:ext cx="2951767" cy="2368761"/>
+            <a:off x="836676" y="2662439"/>
+            <a:ext cx="2846070" cy="1645527"/>
           </a:xfrm>
         </p:spPr>
         <p:txBody>
-          <a:bodyPr/>
+          <a:bodyPr anchor="t" anchorCtr="1">
+            <a:normAutofit/>
+          </a:bodyPr>
           <a:lstStyle>
             <a:lvl1pPr marL="0" indent="0" algn="ctr">
               <a:buNone/>
-              <a:defRPr sz="1200"/>
+              <a:defRPr sz="1125">
+                <a:solidFill>
+                  <a:srgbClr val="FFFFFF"/>
+                </a:solidFill>
+              </a:defRPr>
             </a:lvl1pPr>
             <a:lvl2pPr marL="342900" indent="0">
               <a:buNone/>
@@ -7575,7 +4628,7 @@
       </p:sp>
       <p:sp>
         <p:nvSpPr>
-          <p:cNvPr id="5" name="Date Placeholder 4"/>
+          <p:cNvPr id="9" name="Date Placeholder 8"/>
           <p:cNvSpPr>
             <a:spLocks noGrp="1"/>
           </p:cNvSpPr>
@@ -7599,7 +4652,7 @@
       </p:sp>
       <p:sp>
         <p:nvSpPr>
-          <p:cNvPr id="6" name="Footer Placeholder 5"/>
+          <p:cNvPr id="10" name="Footer Placeholder 9"/>
           <p:cNvSpPr>
             <a:spLocks noGrp="1"/>
           </p:cNvSpPr>
@@ -7607,10 +4660,25 @@
             <p:ph type="ftr" sz="quarter" idx="11"/>
           </p:nvPr>
         </p:nvSpPr>
-        <p:spPr/>
+        <p:spPr>
+          <a:xfrm>
+            <a:off x="603504" y="4677156"/>
+            <a:ext cx="3843598" cy="240030"/>
+          </a:xfrm>
+        </p:spPr>
         <p:txBody>
           <a:bodyPr/>
-          <a:lstStyle/>
+          <a:lstStyle>
+            <a:lvl1pPr>
+              <a:defRPr>
+                <a:solidFill>
+                  <a:srgbClr val="FFFFFF">
+                    <a:alpha val="70000"/>
+                  </a:srgbClr>
+                </a:solidFill>
+              </a:defRPr>
+            </a:lvl1pPr>
+          </a:lstStyle>
           <a:p>
             <a:endParaRPr lang="en-US" dirty="0"/>
           </a:p>
@@ -7618,7 +4686,7 @@
       </p:sp>
       <p:sp>
         <p:nvSpPr>
-          <p:cNvPr id="7" name="Slide Number Placeholder 6"/>
+          <p:cNvPr id="11" name="Slide Number Placeholder 10"/>
           <p:cNvSpPr>
             <a:spLocks noGrp="1"/>
           </p:cNvSpPr>
@@ -7651,7 +4719,7 @@
     </p:spTree>
     <p:extLst>
       <p:ext uri="{BB962C8B-B14F-4D97-AF65-F5344CB8AC3E}">
-        <p14:creationId xmlns:p14="http://schemas.microsoft.com/office/powerpoint/2010/main" val="895211816"/>
+        <p14:creationId xmlns:p14="http://schemas.microsoft.com/office/powerpoint/2010/main" val="3938740919"/>
       </p:ext>
     </p:extLst>
   </p:cSld>
@@ -7679,36 +4747,44 @@
           <a:chExt cx="0" cy="0"/>
         </a:xfrm>
       </p:grpSpPr>
-      <p:pic>
-        <p:nvPicPr>
-          <p:cNvPr id="10" name="Picture 9" descr="Droplets-HD-Content-R1d.png"/>
-          <p:cNvPicPr>
-            <a:picLocks noChangeAspect="1"/>
-          </p:cNvPicPr>
+      <p:sp>
+        <p:nvSpPr>
+          <p:cNvPr id="18" name="Rectangle 17"/>
+          <p:cNvSpPr/>
           <p:nvPr/>
-        </p:nvPicPr>
-        <p:blipFill>
-          <a:blip r:embed="rId2">
-            <a:extLst>
-              <a:ext uri="{28A0092B-C50C-407E-A947-70E740481C1C}">
-                <a14:useLocalDpi xmlns:a14="http://schemas.microsoft.com/office/drawing/2010/main" val="0"/>
-              </a:ext>
-            </a:extLst>
-          </a:blip>
-          <a:stretch>
-            <a:fillRect/>
-          </a:stretch>
-        </p:blipFill>
+        </p:nvSpPr>
         <p:spPr>
           <a:xfrm>
-            <a:off x="0" y="0"/>
-            <a:ext cx="9144000" cy="5143500"/>
+            <a:off x="1" y="0"/>
+            <a:ext cx="4571999" cy="5143500"/>
           </a:xfrm>
           <a:prstGeom prst="rect">
             <a:avLst/>
           </a:prstGeom>
-        </p:spPr>
-      </p:pic>
+          <a:solidFill>
+            <a:schemeClr val="accent2"/>
+          </a:solidFill>
+          <a:ln>
+            <a:noFill/>
+          </a:ln>
+        </p:spPr>
+        <p:style>
+          <a:lnRef idx="2">
+            <a:schemeClr val="accent1">
+              <a:shade val="50000"/>
+            </a:schemeClr>
+          </a:lnRef>
+          <a:fillRef idx="1">
+            <a:schemeClr val="accent1"/>
+          </a:fillRef>
+          <a:effectRef idx="0">
+            <a:schemeClr val="accent1"/>
+          </a:effectRef>
+          <a:fontRef idx="minor">
+            <a:schemeClr val="lt1"/>
+          </a:fontRef>
+        </p:style>
+      </p:sp>
       <p:sp>
         <p:nvSpPr>
           <p:cNvPr id="2" name="Title 1"/>
@@ -7719,17 +4795,31 @@
             <p:ph type="title"/>
           </p:nvPr>
         </p:nvSpPr>
-        <p:spPr>
+        <p:spPr bwMode="blackWhite">
           <a:xfrm>
-            <a:off x="685331" y="457200"/>
-            <a:ext cx="4451227" cy="1517441"/>
+            <a:off x="606392" y="1682871"/>
+            <a:ext cx="3371249" cy="850980"/>
           </a:xfrm>
-        </p:spPr>
-        <p:txBody>
-          <a:bodyPr anchor="b"/>
+          <a:solidFill>
+            <a:srgbClr val="FFFFFF"/>
+          </a:solidFill>
+          <a:ln>
+            <a:solidFill>
+              <a:srgbClr val="404040"/>
+            </a:solidFill>
+          </a:ln>
+        </p:spPr>
+        <p:txBody>
+          <a:bodyPr anchor="ctr" anchorCtr="1">
+            <a:noAutofit/>
+          </a:bodyPr>
           <a:lstStyle>
-            <a:lvl1pPr algn="ctr">
-              <a:defRPr sz="2400"/>
+            <a:lvl1pPr>
+              <a:defRPr sz="1650">
+                <a:solidFill>
+                  <a:srgbClr val="262626"/>
+                </a:solidFill>
+              </a:defRPr>
             </a:lvl1pPr>
           </a:lstStyle>
           <a:p>
@@ -7753,41 +4843,28 @@
         </p:nvSpPr>
         <p:spPr>
           <a:xfrm>
-            <a:off x="5568602" y="457201"/>
-            <a:ext cx="2441519" cy="3886200"/>
+            <a:off x="4572000" y="0"/>
+            <a:ext cx="4576573" cy="5143500"/>
           </a:xfrm>
-          <a:prstGeom prst="roundRect">
-            <a:avLst>
-              <a:gd name="adj" fmla="val 4943"/>
-            </a:avLst>
-          </a:prstGeom>
-          <a:noFill/>
-          <a:ln w="82550" cap="sq">
-            <a:solidFill>
-              <a:srgbClr val="EAEAEA"/>
-            </a:solidFill>
-            <a:miter lim="800000"/>
-          </a:ln>
-          <a:effectLst/>
-          <a:scene3d>
-            <a:camera prst="orthographicFront"/>
-            <a:lightRig rig="threePt" dir="t">
-              <a:rot lat="0" lon="0" rev="2700000"/>
-            </a:lightRig>
-          </a:scene3d>
-          <a:sp3d contourW="6350">
-            <a:bevelT h="38100"/>
-            <a:contourClr>
-              <a:srgbClr val="C0C0C0"/>
-            </a:contourClr>
-          </a:sp3d>
+          <a:solidFill>
+            <a:schemeClr val="bg1">
+              <a:lumMod val="75000"/>
+            </a:schemeClr>
+          </a:solidFill>
         </p:spPr>
         <p:txBody>
           <a:bodyPr anchor="t"/>
           <a:lstStyle>
             <a:lvl1pPr marL="0" indent="0">
               <a:buNone/>
-              <a:defRPr sz="2400"/>
+              <a:defRPr sz="2400">
+                <a:solidFill>
+                  <a:schemeClr val="bg1">
+                    <a:lumMod val="85000"/>
+                    <a:lumOff val="15000"/>
+                  </a:schemeClr>
+                </a:solidFill>
+              </a:defRPr>
             </a:lvl1pPr>
             <a:lvl2pPr marL="342900" indent="0">
               <a:buNone/>
@@ -7843,16 +4920,22 @@
         </p:nvSpPr>
         <p:spPr>
           <a:xfrm>
-            <a:off x="685346" y="1974639"/>
-            <a:ext cx="4451212" cy="2368760"/>
+            <a:off x="836676" y="2662439"/>
+            <a:ext cx="2846070" cy="1645528"/>
           </a:xfrm>
         </p:spPr>
         <p:txBody>
-          <a:bodyPr/>
+          <a:bodyPr anchor="t" anchorCtr="1">
+            <a:normAutofit/>
+          </a:bodyPr>
           <a:lstStyle>
             <a:lvl1pPr marL="0" indent="0" algn="ctr">
               <a:buNone/>
-              <a:defRPr sz="1200"/>
+              <a:defRPr sz="1125">
+                <a:solidFill>
+                  <a:srgbClr val="FFFFFF"/>
+                </a:solidFill>
+              </a:defRPr>
             </a:lvl1pPr>
             <a:lvl2pPr marL="342900" indent="0">
               <a:buNone/>
@@ -7898,7 +4981,7 @@
       </p:sp>
       <p:sp>
         <p:nvSpPr>
-          <p:cNvPr id="5" name="Date Placeholder 4"/>
+          <p:cNvPr id="8" name="Date Placeholder 7"/>
           <p:cNvSpPr>
             <a:spLocks noGrp="1"/>
           </p:cNvSpPr>
@@ -7909,7 +4992,22 @@
         <p:spPr/>
         <p:txBody>
           <a:bodyPr/>
-          <a:lstStyle/>
+          <a:lstStyle>
+            <a:lvl1pPr>
+              <a:defRPr>
+                <a:solidFill>
+                  <a:srgbClr val="FFFFFF"/>
+                </a:solidFill>
+                <a:effectLst>
+                  <a:outerShdw blurRad="50800" dist="38100" dir="2700000" algn="tl" rotWithShape="0">
+                    <a:prstClr val="black">
+                      <a:alpha val="43000"/>
+                    </a:prstClr>
+                  </a:outerShdw>
+                </a:effectLst>
+              </a:defRPr>
+            </a:lvl1pPr>
+          </a:lstStyle>
           <a:p>
             <a:fld id="{BB02557A-7053-4340-A874-8AB926A8EDA1}" type="datetimeFigureOut">
               <a:rPr lang="en-US" smtClean="0"/>
@@ -7922,7 +5020,7 @@
       </p:sp>
       <p:sp>
         <p:nvSpPr>
-          <p:cNvPr id="6" name="Footer Placeholder 5"/>
+          <p:cNvPr id="9" name="Footer Placeholder 8"/>
           <p:cNvSpPr>
             <a:spLocks noGrp="1"/>
           </p:cNvSpPr>
@@ -7930,10 +5028,25 @@
             <p:ph type="ftr" sz="quarter" idx="11"/>
           </p:nvPr>
         </p:nvSpPr>
-        <p:spPr/>
+        <p:spPr>
+          <a:xfrm>
+            <a:off x="603504" y="4677156"/>
+            <a:ext cx="3843598" cy="240030"/>
+          </a:xfrm>
+        </p:spPr>
         <p:txBody>
           <a:bodyPr/>
-          <a:lstStyle/>
+          <a:lstStyle>
+            <a:lvl1pPr>
+              <a:defRPr>
+                <a:solidFill>
+                  <a:srgbClr val="FFFFFF">
+                    <a:alpha val="70000"/>
+                  </a:srgbClr>
+                </a:solidFill>
+              </a:defRPr>
+            </a:lvl1pPr>
+          </a:lstStyle>
           <a:p>
             <a:endParaRPr lang="en-US" dirty="0"/>
           </a:p>
@@ -7941,7 +5054,7 @@
       </p:sp>
       <p:sp>
         <p:nvSpPr>
-          <p:cNvPr id="7" name="Slide Number Placeholder 6"/>
+          <p:cNvPr id="10" name="Slide Number Placeholder 9"/>
           <p:cNvSpPr>
             <a:spLocks noGrp="1"/>
           </p:cNvSpPr>
@@ -7974,7 +5087,7 @@
     </p:spTree>
     <p:extLst>
       <p:ext uri="{BB962C8B-B14F-4D97-AF65-F5344CB8AC3E}">
-        <p14:creationId xmlns:p14="http://schemas.microsoft.com/office/powerpoint/2010/main" val="349183117"/>
+        <p14:creationId xmlns:p14="http://schemas.microsoft.com/office/powerpoint/2010/main" val="42768164"/>
       </p:ext>
     </p:extLst>
   </p:cSld>
@@ -7989,9 +5102,14 @@
 <p:sldMaster xmlns:a="http://schemas.openxmlformats.org/drawingml/2006/main" xmlns:r="http://schemas.openxmlformats.org/officeDocument/2006/relationships" xmlns:p="http://schemas.openxmlformats.org/presentationml/2006/main">
   <p:cSld>
     <p:bg>
-      <p:bgRef idx="1002">
-        <a:schemeClr val="bg1"/>
-      </p:bgRef>
+      <p:bgPr>
+        <a:solidFill>
+          <a:schemeClr val="bg1">
+            <a:lumMod val="95000"/>
+          </a:schemeClr>
+        </a:solidFill>
+        <a:effectLst/>
+      </p:bgPr>
     </p:bg>
     <p:spTree>
       <p:nvGrpSpPr>
@@ -8007,76 +5125,105 @@
           <a:chExt cx="0" cy="0"/>
         </a:xfrm>
       </p:grpSpPr>
-      <p:pic>
-        <p:nvPicPr>
-          <p:cNvPr id="1026" name="Picture 2" descr="\\DROBO-FS\QuickDrops\JB\PPTX NG\Droplets\LightingOverlay.png"/>
-          <p:cNvPicPr>
-            <a:picLocks noChangeAspect="1" noChangeArrowheads="1"/>
-          </p:cNvPicPr>
-          <p:nvPr/>
-        </p:nvPicPr>
-        <p:blipFill>
-          <a:blip r:embed="rId20">
-            <a:alphaModFix/>
-            <a:extLst>
-              <a:ext uri="{28A0092B-C50C-407E-A947-70E740481C1C}">
-                <a14:useLocalDpi xmlns:a14="http://schemas.microsoft.com/office/drawing/2010/main" val="0"/>
-              </a:ext>
-            </a:extLst>
-          </a:blip>
-          <a:srcRect/>
-          <a:stretch>
-            <a:fillRect/>
-          </a:stretch>
-        </p:blipFill>
-        <p:spPr bwMode="auto">
+      <p:sp>
+        <p:nvSpPr>
+          <p:cNvPr id="2" name="Title Placeholder 1"/>
+          <p:cNvSpPr>
+            <a:spLocks noGrp="1"/>
+          </p:cNvSpPr>
+          <p:nvPr>
+            <p:ph type="title"/>
+          </p:nvPr>
+        </p:nvSpPr>
+        <p:spPr bwMode="black">
           <a:xfrm>
-            <a:off x="1" y="-1"/>
-            <a:ext cx="9144002" cy="5143501"/>
+            <a:off x="1673352" y="723519"/>
+            <a:ext cx="5797296" cy="891540"/>
           </a:xfrm>
           <a:prstGeom prst="rect">
             <a:avLst/>
           </a:prstGeom>
-          <a:noFill/>
-          <a:extLst>
-            <a:ext uri="{909E8E84-426E-40DD-AFC4-6F175D3DCCD1}">
-              <a14:hiddenFill xmlns:a14="http://schemas.microsoft.com/office/drawing/2010/main">
-                <a:solidFill>
-                  <a:srgbClr val="FFFFFF"/>
-                </a:solidFill>
-              </a14:hiddenFill>
-            </a:ext>
-          </a:extLst>
-        </p:spPr>
-      </p:pic>
-      <p:sp>
-        <p:nvSpPr>
-          <p:cNvPr id="2" name="Title Placeholder 1"/>
+          <a:solidFill>
+            <a:srgbClr val="FFFFFF"/>
+          </a:solidFill>
+          <a:ln w="31750" cap="sq">
+            <a:solidFill>
+              <a:srgbClr val="404040"/>
+            </a:solidFill>
+            <a:miter lim="800000"/>
+          </a:ln>
+        </p:spPr>
+        <p:txBody>
+          <a:bodyPr vert="horz" lIns="182880" tIns="182880" rIns="182880" bIns="182880" rtlCol="0" anchor="ctr">
+            <a:normAutofit/>
+          </a:bodyPr>
+          <a:lstStyle/>
+          <a:p>
+            <a:r>
+              <a:rPr lang="en-US"/>
+              <a:t>Click to edit Master title style</a:t>
+            </a:r>
+            <a:endParaRPr lang="en-US" dirty="0"/>
+          </a:p>
+        </p:txBody>
+      </p:sp>
+      <p:sp>
+        <p:nvSpPr>
+          <p:cNvPr id="3" name="Text Placeholder 2"/>
           <p:cNvSpPr>
             <a:spLocks noGrp="1"/>
           </p:cNvSpPr>
           <p:nvPr>
-            <p:ph type="title"/>
+            <p:ph type="body" idx="1"/>
           </p:nvPr>
         </p:nvSpPr>
         <p:spPr>
           <a:xfrm>
-            <a:off x="685332" y="463888"/>
-            <a:ext cx="7773338" cy="1197133"/>
+            <a:off x="1673352" y="1978534"/>
+            <a:ext cx="5797296" cy="2326487"/>
           </a:xfrm>
           <a:prstGeom prst="rect">
             <a:avLst/>
           </a:prstGeom>
         </p:spPr>
         <p:txBody>
-          <a:bodyPr vert="horz" lIns="91440" tIns="45720" rIns="91440" bIns="45720" rtlCol="0" anchor="ctr">
+          <a:bodyPr vert="horz" lIns="91440" tIns="45720" rIns="91440" bIns="45720" rtlCol="0">
             <a:normAutofit/>
           </a:bodyPr>
           <a:lstStyle/>
           <a:p>
+            <a:pPr lvl="0"/>
             <a:r>
               <a:rPr lang="en-US"/>
-              <a:t>Click to edit Master title style</a:t>
+              <a:t>Click to edit Master text styles</a:t>
+            </a:r>
+          </a:p>
+          <a:p>
+            <a:pPr lvl="1"/>
+            <a:r>
+              <a:rPr lang="en-US"/>
+              <a:t>Second level</a:t>
+            </a:r>
+          </a:p>
+          <a:p>
+            <a:pPr lvl="2"/>
+            <a:r>
+              <a:rPr lang="en-US"/>
+              <a:t>Third level</a:t>
+            </a:r>
+          </a:p>
+          <a:p>
+            <a:pPr lvl="3"/>
+            <a:r>
+              <a:rPr lang="en-US"/>
+              <a:t>Fourth level</a:t>
+            </a:r>
+          </a:p>
+          <a:p>
+            <a:pPr lvl="4"/>
+            <a:r>
+              <a:rPr lang="en-US"/>
+              <a:t>Fifth level</a:t>
             </a:r>
             <a:endParaRPr lang="en-US" dirty="0"/>
           </a:p>
@@ -8084,92 +5231,32 @@
       </p:sp>
       <p:sp>
         <p:nvSpPr>
-          <p:cNvPr id="3" name="Text Placeholder 2"/>
+          <p:cNvPr id="4" name="Date Placeholder 3"/>
           <p:cNvSpPr>
             <a:spLocks noGrp="1"/>
           </p:cNvSpPr>
           <p:nvPr>
-            <p:ph type="body" idx="1"/>
+            <p:ph type="dt" sz="half" idx="2"/>
           </p:nvPr>
         </p:nvSpPr>
         <p:spPr>
           <a:xfrm>
-            <a:off x="685331" y="1775320"/>
-            <a:ext cx="7773339" cy="2568080"/>
+            <a:off x="5866072" y="4679112"/>
+            <a:ext cx="2065310" cy="242976"/>
           </a:xfrm>
           <a:prstGeom prst="rect">
             <a:avLst/>
           </a:prstGeom>
         </p:spPr>
         <p:txBody>
-          <a:bodyPr vert="horz" lIns="91440" tIns="45720" rIns="91440" bIns="45720" rtlCol="0">
-            <a:normAutofit/>
-          </a:bodyPr>
-          <a:lstStyle/>
-          <a:p>
-            <a:pPr lvl="0"/>
-            <a:r>
-              <a:rPr lang="en-US"/>
-              <a:t>Click to edit Master text styles</a:t>
-            </a:r>
-          </a:p>
-          <a:p>
-            <a:pPr lvl="1"/>
-            <a:r>
-              <a:rPr lang="en-US"/>
-              <a:t>Second level</a:t>
-            </a:r>
-          </a:p>
-          <a:p>
-            <a:pPr lvl="2"/>
-            <a:r>
-              <a:rPr lang="en-US"/>
-              <a:t>Third level</a:t>
-            </a:r>
-          </a:p>
-          <a:p>
-            <a:pPr lvl="3"/>
-            <a:r>
-              <a:rPr lang="en-US"/>
-              <a:t>Fourth level</a:t>
-            </a:r>
-          </a:p>
-          <a:p>
-            <a:pPr lvl="4"/>
-            <a:r>
-              <a:rPr lang="en-US"/>
-              <a:t>Fifth level</a:t>
-            </a:r>
-            <a:endParaRPr lang="en-US" dirty="0"/>
-          </a:p>
-        </p:txBody>
-      </p:sp>
-      <p:sp>
-        <p:nvSpPr>
-          <p:cNvPr id="4" name="Date Placeholder 3"/>
-          <p:cNvSpPr>
-            <a:spLocks noGrp="1"/>
-          </p:cNvSpPr>
-          <p:nvPr>
-            <p:ph type="dt" sz="half" idx="2"/>
-          </p:nvPr>
-        </p:nvSpPr>
-        <p:spPr>
-          <a:xfrm>
-            <a:off x="5759053" y="4412457"/>
-            <a:ext cx="2057400" cy="273844"/>
-          </a:xfrm>
-          <a:prstGeom prst="rect">
-            <a:avLst/>
-          </a:prstGeom>
-        </p:spPr>
-        <p:txBody>
           <a:bodyPr vert="horz" lIns="91440" tIns="45720" rIns="91440" bIns="45720" rtlCol="0" anchor="ctr"/>
           <a:lstStyle>
             <a:lvl1pPr algn="r">
-              <a:defRPr sz="750">
+              <a:defRPr sz="788">
                 <a:solidFill>
-                  <a:schemeClr val="tx1"/>
+                  <a:schemeClr val="tx1">
+                    <a:alpha val="70000"/>
+                  </a:schemeClr>
                 </a:solidFill>
               </a:defRPr>
             </a:lvl1pPr>
@@ -8196,8 +5283,8 @@
         </p:nvSpPr>
         <p:spPr>
           <a:xfrm>
-            <a:off x="685331" y="4412457"/>
-            <a:ext cx="5004665" cy="273844"/>
+            <a:off x="1200150" y="4677156"/>
+            <a:ext cx="4425892" cy="240030"/>
           </a:xfrm>
           <a:prstGeom prst="rect">
             <a:avLst/>
@@ -8207,9 +5294,11 @@
           <a:bodyPr vert="horz" lIns="91440" tIns="45720" rIns="91440" bIns="45720" rtlCol="0" anchor="ctr"/>
           <a:lstStyle>
             <a:lvl1pPr algn="l">
-              <a:defRPr sz="750">
+              <a:defRPr sz="788">
                 <a:solidFill>
-                  <a:schemeClr val="tx1"/>
+                  <a:schemeClr val="tx1">
+                    <a:alpha val="70000"/>
+                  </a:schemeClr>
                 </a:solidFill>
               </a:defRPr>
             </a:lvl1pPr>
@@ -8231,20 +5320,27 @@
         </p:nvSpPr>
         <p:spPr>
           <a:xfrm>
-            <a:off x="7885509" y="4412457"/>
-            <a:ext cx="573161" cy="273844"/>
+            <a:off x="8069192" y="4663440"/>
+            <a:ext cx="274320" cy="274320"/>
           </a:xfrm>
-          <a:prstGeom prst="rect">
+          <a:prstGeom prst="ellipse">
             <a:avLst/>
           </a:prstGeom>
-        </p:spPr>
-        <p:txBody>
-          <a:bodyPr vert="horz" lIns="91440" tIns="45720" rIns="91440" bIns="45720" rtlCol="0" anchor="ctr"/>
+          <a:solidFill>
+            <a:srgbClr val="1D1D1D">
+              <a:alpha val="70000"/>
+            </a:srgbClr>
+          </a:solidFill>
+        </p:spPr>
+        <p:txBody>
+          <a:bodyPr vert="horz" lIns="18288" tIns="45720" rIns="18288" bIns="45720" rtlCol="0" anchor="ctr">
+            <a:noAutofit/>
+          </a:bodyPr>
           <a:lstStyle>
-            <a:lvl1pPr algn="r">
-              <a:defRPr sz="750">
+            <a:lvl1pPr algn="ctr">
+              <a:defRPr sz="825" spc="0" baseline="0">
                 <a:solidFill>
-                  <a:schemeClr val="tx1"/>
+                  <a:srgbClr val="FFFFFF"/>
                 </a:solidFill>
               </a:defRPr>
             </a:lvl1pPr>
@@ -8270,30 +5366,24 @@
     </p:spTree>
     <p:extLst>
       <p:ext uri="{BB962C8B-B14F-4D97-AF65-F5344CB8AC3E}">
-        <p14:creationId xmlns:p14="http://schemas.microsoft.com/office/powerpoint/2010/main" val="1137176858"/>
+        <p14:creationId xmlns:p14="http://schemas.microsoft.com/office/powerpoint/2010/main" val="1028727665"/>
       </p:ext>
     </p:extLst>
   </p:cSld>
   <p:clrMap bg1="lt1" tx1="dk1" bg2="lt2" tx2="dk2" accent1="accent1" accent2="accent2" accent3="accent3" accent4="accent4" accent5="accent5" accent6="accent6" hlink="hlink" folHlink="folHlink"/>
   <p:sldLayoutIdLst>
-    <p:sldLayoutId id="2147483771" r:id="rId1"/>
-    <p:sldLayoutId id="2147483772" r:id="rId2"/>
-    <p:sldLayoutId id="2147483773" r:id="rId3"/>
-    <p:sldLayoutId id="2147483774" r:id="rId4"/>
-    <p:sldLayoutId id="2147483775" r:id="rId5"/>
-    <p:sldLayoutId id="2147483776" r:id="rId6"/>
-    <p:sldLayoutId id="2147483777" r:id="rId7"/>
-    <p:sldLayoutId id="2147483778" r:id="rId8"/>
-    <p:sldLayoutId id="2147483779" r:id="rId9"/>
-    <p:sldLayoutId id="2147483780" r:id="rId10"/>
-    <p:sldLayoutId id="2147483781" r:id="rId11"/>
-    <p:sldLayoutId id="2147483782" r:id="rId12"/>
-    <p:sldLayoutId id="2147483783" r:id="rId13"/>
-    <p:sldLayoutId id="2147483784" r:id="rId14"/>
-    <p:sldLayoutId id="2147483785" r:id="rId15"/>
-    <p:sldLayoutId id="2147483786" r:id="rId16"/>
-    <p:sldLayoutId id="2147483787" r:id="rId17"/>
-    <p:sldLayoutId id="2147483788" r:id="rId18"/>
+    <p:sldLayoutId id="2147483828" r:id="rId1"/>
+    <p:sldLayoutId id="2147483829" r:id="rId2"/>
+    <p:sldLayoutId id="2147483830" r:id="rId3"/>
+    <p:sldLayoutId id="2147483831" r:id="rId4"/>
+    <p:sldLayoutId id="2147483832" r:id="rId5"/>
+    <p:sldLayoutId id="2147483833" r:id="rId6"/>
+    <p:sldLayoutId id="2147483834" r:id="rId7"/>
+    <p:sldLayoutId id="2147483835" r:id="rId8"/>
+    <p:sldLayoutId id="2147483836" r:id="rId9"/>
+    <p:sldLayoutId id="2147483837" r:id="rId10"/>
+    <p:sldLayoutId id="2147483838" r:id="rId11"/>
+    <p:sldLayoutId id="2147483839" r:id="rId12"/>
   </p:sldLayoutIdLst>
   <p:hf sldNum="0" hdr="0" ftr="0" dt="0"/>
   <p:txStyles>
@@ -8306,11 +5396,10 @@
           <a:spcPct val="0"/>
         </a:spcBef>
         <a:buNone/>
-        <a:defRPr sz="2700" kern="1200" cap="all" baseline="0">
+        <a:defRPr sz="2100" kern="1200" cap="all" spc="150" baseline="0">
           <a:solidFill>
-            <a:schemeClr val="tx1"/>
+            <a:srgbClr val="262626"/>
           </a:solidFill>
-          <a:effectLst/>
           <a:latin typeface="+mj-lt"/>
           <a:ea typeface="+mj-ea"/>
           <a:cs typeface="+mj-cs"/>
@@ -8320,197 +5409,203 @@
     <p:bodyStyle>
       <a:lvl1pPr marL="171450" indent="-171450" algn="l" defTabSz="685800" rtl="0" eaLnBrk="1" latinLnBrk="0" hangingPunct="1">
         <a:lnSpc>
-          <a:spcPct val="120000"/>
+          <a:spcPct val="100000"/>
         </a:lnSpc>
         <a:spcBef>
           <a:spcPts val="750"/>
         </a:spcBef>
         <a:buClr>
-          <a:schemeClr val="tx1"/>
+          <a:schemeClr val="accent2"/>
         </a:buClr>
         <a:buFont typeface="Arial" panose="020B0604020202020204" pitchFamily="34" charset="0"/>
         <a:buChar char="•"/>
-        <a:defRPr sz="1500" kern="1200" cap="all" baseline="0">
+        <a:defRPr sz="1350" kern="1200">
           <a:solidFill>
-            <a:schemeClr val="tx1"/>
+            <a:schemeClr val="tx1">
+              <a:lumMod val="85000"/>
+              <a:lumOff val="15000"/>
+            </a:schemeClr>
           </a:solidFill>
-          <a:effectLst/>
           <a:latin typeface="+mn-lt"/>
           <a:ea typeface="+mn-ea"/>
           <a:cs typeface="+mn-cs"/>
         </a:defRPr>
       </a:lvl1pPr>
-      <a:lvl2pPr marL="514350" indent="-171450" algn="l" defTabSz="685800" rtl="0" eaLnBrk="1" latinLnBrk="0" hangingPunct="1">
+      <a:lvl2pPr marL="342900" indent="-171450" algn="l" defTabSz="685800" rtl="0" eaLnBrk="1" latinLnBrk="0" hangingPunct="1">
         <a:lnSpc>
-          <a:spcPct val="120000"/>
+          <a:spcPct val="100000"/>
         </a:lnSpc>
         <a:spcBef>
-          <a:spcPts val="375"/>
+          <a:spcPts val="750"/>
         </a:spcBef>
         <a:buClr>
-          <a:schemeClr val="tx1"/>
+          <a:schemeClr val="accent2"/>
         </a:buClr>
         <a:buFont typeface="Arial" panose="020B0604020202020204" pitchFamily="34" charset="0"/>
         <a:buChar char="•"/>
-        <a:defRPr sz="1350" kern="1200" cap="all" baseline="0">
+        <a:defRPr sz="1200" kern="1200">
           <a:solidFill>
-            <a:schemeClr val="tx1"/>
+            <a:schemeClr val="tx1">
+              <a:lumMod val="85000"/>
+              <a:lumOff val="15000"/>
+            </a:schemeClr>
           </a:solidFill>
-          <a:effectLst/>
           <a:latin typeface="+mn-lt"/>
           <a:ea typeface="+mn-ea"/>
           <a:cs typeface="+mn-cs"/>
         </a:defRPr>
       </a:lvl2pPr>
-      <a:lvl3pPr marL="857250" indent="-171450" algn="l" defTabSz="685800" rtl="0" eaLnBrk="1" latinLnBrk="0" hangingPunct="1">
+      <a:lvl3pPr marL="514350" indent="-171450" algn="l" defTabSz="685800" rtl="0" eaLnBrk="1" latinLnBrk="0" hangingPunct="1">
         <a:lnSpc>
-          <a:spcPct val="120000"/>
+          <a:spcPct val="100000"/>
         </a:lnSpc>
         <a:spcBef>
-          <a:spcPts val="375"/>
+          <a:spcPts val="750"/>
         </a:spcBef>
         <a:buClr>
-          <a:schemeClr val="tx1"/>
+          <a:schemeClr val="accent2"/>
         </a:buClr>
         <a:buFont typeface="Arial" panose="020B0604020202020204" pitchFamily="34" charset="0"/>
         <a:buChar char="•"/>
-        <a:defRPr sz="1200" kern="1200" cap="all" baseline="0">
+        <a:defRPr sz="1200" kern="1200">
           <a:solidFill>
-            <a:schemeClr val="tx1"/>
+            <a:schemeClr val="tx1">
+              <a:lumMod val="85000"/>
+              <a:lumOff val="15000"/>
+            </a:schemeClr>
           </a:solidFill>
-          <a:effectLst/>
           <a:latin typeface="+mn-lt"/>
           <a:ea typeface="+mn-ea"/>
           <a:cs typeface="+mn-cs"/>
         </a:defRPr>
       </a:lvl3pPr>
-      <a:lvl4pPr marL="1200150" indent="-171450" algn="l" defTabSz="685800" rtl="0" eaLnBrk="1" latinLnBrk="0" hangingPunct="1">
+      <a:lvl4pPr marL="685800" indent="-171450" algn="l" defTabSz="685800" rtl="0" eaLnBrk="1" latinLnBrk="0" hangingPunct="1">
         <a:lnSpc>
-          <a:spcPct val="120000"/>
+          <a:spcPct val="100000"/>
         </a:lnSpc>
         <a:spcBef>
-          <a:spcPts val="375"/>
+          <a:spcPts val="750"/>
         </a:spcBef>
         <a:buClr>
-          <a:schemeClr val="tx1"/>
+          <a:schemeClr val="accent2"/>
         </a:buClr>
         <a:buFont typeface="Arial" panose="020B0604020202020204" pitchFamily="34" charset="0"/>
         <a:buChar char="•"/>
-        <a:defRPr sz="1050" kern="1200" cap="all" baseline="0">
+        <a:defRPr sz="1200" kern="1200">
           <a:solidFill>
-            <a:schemeClr val="tx1"/>
+            <a:schemeClr val="tx1">
+              <a:lumMod val="85000"/>
+              <a:lumOff val="15000"/>
+            </a:schemeClr>
           </a:solidFill>
-          <a:effectLst/>
           <a:latin typeface="+mn-lt"/>
           <a:ea typeface="+mn-ea"/>
           <a:cs typeface="+mn-cs"/>
         </a:defRPr>
       </a:lvl4pPr>
-      <a:lvl5pPr marL="1543050" indent="-171450" algn="l" defTabSz="685800" rtl="0" eaLnBrk="1" latinLnBrk="0" hangingPunct="1">
+      <a:lvl5pPr marL="857250" indent="-171450" algn="l" defTabSz="685800" rtl="0" eaLnBrk="1" latinLnBrk="0" hangingPunct="1">
         <a:lnSpc>
-          <a:spcPct val="120000"/>
+          <a:spcPct val="100000"/>
         </a:lnSpc>
         <a:spcBef>
-          <a:spcPts val="375"/>
+          <a:spcPts val="750"/>
         </a:spcBef>
         <a:buClr>
-          <a:schemeClr val="tx1"/>
+          <a:schemeClr val="accent2"/>
         </a:buClr>
         <a:buFont typeface="Arial" panose="020B0604020202020204" pitchFamily="34" charset="0"/>
         <a:buChar char="•"/>
-        <a:defRPr sz="1050" kern="1200" cap="all" baseline="0">
+        <a:defRPr sz="1200" kern="1200">
           <a:solidFill>
-            <a:schemeClr val="tx1"/>
+            <a:schemeClr val="tx1">
+              <a:lumMod val="85000"/>
+              <a:lumOff val="15000"/>
+            </a:schemeClr>
           </a:solidFill>
-          <a:effectLst/>
           <a:latin typeface="+mn-lt"/>
           <a:ea typeface="+mn-ea"/>
           <a:cs typeface="+mn-cs"/>
         </a:defRPr>
       </a:lvl5pPr>
-      <a:lvl6pPr marL="1885950" indent="-171450" algn="l" defTabSz="685800" rtl="0" eaLnBrk="1" latinLnBrk="0" hangingPunct="1">
+      <a:lvl6pPr marL="984647" indent="-171450" algn="l" defTabSz="685800" rtl="0" eaLnBrk="1" latinLnBrk="0" hangingPunct="1">
         <a:lnSpc>
-          <a:spcPct val="120000"/>
+          <a:spcPct val="100000"/>
         </a:lnSpc>
         <a:spcBef>
-          <a:spcPts val="375"/>
+          <a:spcPts val="750"/>
         </a:spcBef>
         <a:buClr>
-          <a:schemeClr val="tx1"/>
+          <a:schemeClr val="accent2"/>
         </a:buClr>
         <a:buFont typeface="Arial" panose="020B0604020202020204" pitchFamily="34" charset="0"/>
         <a:buChar char="•"/>
-        <a:defRPr sz="1050" kern="1200" cap="all" baseline="0">
+        <a:defRPr sz="1200" kern="1200">
           <a:solidFill>
             <a:schemeClr val="tx1"/>
           </a:solidFill>
-          <a:effectLst/>
           <a:latin typeface="+mn-lt"/>
           <a:ea typeface="+mn-ea"/>
           <a:cs typeface="+mn-cs"/>
         </a:defRPr>
       </a:lvl6pPr>
-      <a:lvl7pPr marL="2228850" indent="-171450" algn="l" defTabSz="685800" rtl="0" eaLnBrk="1" latinLnBrk="0" hangingPunct="1">
+      <a:lvl7pPr marL="1113235" indent="-171450" algn="l" defTabSz="685800" rtl="0" eaLnBrk="1" latinLnBrk="0" hangingPunct="1">
         <a:lnSpc>
-          <a:spcPct val="120000"/>
+          <a:spcPct val="100000"/>
         </a:lnSpc>
         <a:spcBef>
-          <a:spcPts val="375"/>
+          <a:spcPts val="750"/>
         </a:spcBef>
         <a:buClr>
-          <a:schemeClr val="tx1"/>
+          <a:schemeClr val="accent2"/>
         </a:buClr>
         <a:buFont typeface="Arial" panose="020B0604020202020204" pitchFamily="34" charset="0"/>
         <a:buChar char="•"/>
-        <a:defRPr sz="1050" kern="1200" cap="all" baseline="0">
+        <a:defRPr sz="1200" kern="1200">
           <a:solidFill>
             <a:schemeClr val="tx1"/>
           </a:solidFill>
-          <a:effectLst/>
           <a:latin typeface="+mn-lt"/>
           <a:ea typeface="+mn-ea"/>
           <a:cs typeface="+mn-cs"/>
         </a:defRPr>
       </a:lvl7pPr>
-      <a:lvl8pPr marL="2571750" indent="-171450" algn="l" defTabSz="685800" rtl="0" eaLnBrk="1" latinLnBrk="0" hangingPunct="1">
+      <a:lvl8pPr marL="1243013" indent="-171450" algn="l" defTabSz="685800" rtl="0" eaLnBrk="1" latinLnBrk="0" hangingPunct="1">
         <a:lnSpc>
-          <a:spcPct val="120000"/>
+          <a:spcPct val="100000"/>
         </a:lnSpc>
         <a:spcBef>
-          <a:spcPts val="375"/>
+          <a:spcPts val="750"/>
         </a:spcBef>
         <a:buClr>
-          <a:schemeClr val="tx1"/>
+          <a:schemeClr val="accent2"/>
         </a:buClr>
         <a:buFont typeface="Arial" panose="020B0604020202020204" pitchFamily="34" charset="0"/>
         <a:buChar char="•"/>
-        <a:defRPr sz="1050" kern="1200" cap="all" baseline="0">
+        <a:defRPr sz="1200" kern="1200" baseline="0">
           <a:solidFill>
             <a:schemeClr val="tx1"/>
           </a:solidFill>
-          <a:effectLst/>
           <a:latin typeface="+mn-lt"/>
           <a:ea typeface="+mn-ea"/>
           <a:cs typeface="+mn-cs"/>
         </a:defRPr>
       </a:lvl8pPr>
-      <a:lvl9pPr marL="2914650" indent="-171450" algn="l" defTabSz="685800" rtl="0" eaLnBrk="1" latinLnBrk="0" hangingPunct="1">
+      <a:lvl9pPr marL="1412081" indent="-171450" algn="l" defTabSz="685800" rtl="0" eaLnBrk="1" latinLnBrk="0" hangingPunct="1">
         <a:lnSpc>
-          <a:spcPct val="120000"/>
+          <a:spcPct val="100000"/>
         </a:lnSpc>
         <a:spcBef>
-          <a:spcPts val="375"/>
+          <a:spcPts val="750"/>
         </a:spcBef>
         <a:buClr>
-          <a:schemeClr val="tx1"/>
+          <a:schemeClr val="accent2"/>
         </a:buClr>
         <a:buFont typeface="Arial" panose="020B0604020202020204" pitchFamily="34" charset="0"/>
         <a:buChar char="•"/>
-        <a:defRPr sz="1050" kern="1200" cap="all" baseline="0">
+        <a:defRPr sz="1200" kern="1200" baseline="0">
           <a:solidFill>
             <a:schemeClr val="tx1"/>
           </a:solidFill>
-          <a:effectLst/>
           <a:latin typeface="+mn-lt"/>
           <a:ea typeface="+mn-ea"/>
           <a:cs typeface="+mn-cs"/>
@@ -8806,40 +5901,6 @@
           </a:p>
         </p:txBody>
       </p:sp>
-      <p:sp>
-        <p:nvSpPr>
-          <p:cNvPr id="120" name="Google Shape;120;p22"/>
-          <p:cNvSpPr txBox="1">
-            <a:spLocks noGrp="1"/>
-          </p:cNvSpPr>
-          <p:nvPr>
-            <p:ph type="body" idx="1"/>
-          </p:nvPr>
-        </p:nvSpPr>
-        <p:spPr>
-          <a:prstGeom prst="rect">
-            <a:avLst/>
-          </a:prstGeom>
-        </p:spPr>
-        <p:txBody>
-          <a:bodyPr spcFirstLastPara="1" wrap="square" lIns="91425" tIns="91425" rIns="91425" bIns="91425" anchor="t" anchorCtr="0">
-            <a:noAutofit/>
-          </a:bodyPr>
-          <a:lstStyle/>
-          <a:p>
-            <a:pPr marL="0" lvl="0" indent="0" algn="l" rtl="0">
-              <a:spcBef>
-                <a:spcPts val="0"/>
-              </a:spcBef>
-              <a:spcAft>
-                <a:spcPts val="1600"/>
-              </a:spcAft>
-              <a:buNone/>
-            </a:pPr>
-            <a:endParaRPr/>
-          </a:p>
-        </p:txBody>
-      </p:sp>
       <p:pic>
         <p:nvPicPr>
           <p:cNvPr id="121" name="Google Shape;121;p22"/>
@@ -8940,40 +6001,6 @@
           </a:p>
         </p:txBody>
       </p:sp>
-      <p:sp>
-        <p:nvSpPr>
-          <p:cNvPr id="127" name="Google Shape;127;p23"/>
-          <p:cNvSpPr txBox="1">
-            <a:spLocks noGrp="1"/>
-          </p:cNvSpPr>
-          <p:nvPr>
-            <p:ph type="body" idx="1"/>
-          </p:nvPr>
-        </p:nvSpPr>
-        <p:spPr>
-          <a:prstGeom prst="rect">
-            <a:avLst/>
-          </a:prstGeom>
-        </p:spPr>
-        <p:txBody>
-          <a:bodyPr spcFirstLastPara="1" wrap="square" lIns="91425" tIns="91425" rIns="91425" bIns="91425" anchor="t" anchorCtr="0">
-            <a:noAutofit/>
-          </a:bodyPr>
-          <a:lstStyle/>
-          <a:p>
-            <a:pPr marL="0" lvl="0" indent="0" algn="l" rtl="0">
-              <a:spcBef>
-                <a:spcPts val="0"/>
-              </a:spcBef>
-              <a:spcAft>
-                <a:spcPts val="1600"/>
-              </a:spcAft>
-              <a:buNone/>
-            </a:pPr>
-            <a:endParaRPr/>
-          </a:p>
-        </p:txBody>
-      </p:sp>
       <p:pic>
         <p:nvPicPr>
           <p:cNvPr id="128" name="Google Shape;128;p23"/>
@@ -9094,64 +6121,67 @@
           </a:bodyPr>
           <a:lstStyle/>
           <a:p>
+            <a:pPr marL="285750" lvl="0" indent="-285750" algn="l" rtl="0">
+              <a:spcBef>
+                <a:spcPts val="0"/>
+              </a:spcBef>
+              <a:spcAft>
+                <a:spcPts val="0"/>
+              </a:spcAft>
+              <a:buFont typeface="Arial" panose="020B0604020202020204" pitchFamily="34" charset="0"/>
+              <a:buChar char="•"/>
+            </a:pPr>
+            <a:r>
+              <a:rPr lang="en" dirty="0"/>
+              <a:t>Redefining new tasks for updating.</a:t>
+            </a:r>
+            <a:endParaRPr dirty="0"/>
+          </a:p>
+          <a:p>
+            <a:pPr marL="285750" lvl="0" indent="-285750" algn="l" rtl="0">
+              <a:spcBef>
+                <a:spcPts val="1600"/>
+              </a:spcBef>
+              <a:spcAft>
+                <a:spcPts val="0"/>
+              </a:spcAft>
+              <a:buFont typeface="Arial" panose="020B0604020202020204" pitchFamily="34" charset="0"/>
+              <a:buChar char="•"/>
+            </a:pPr>
+            <a:r>
+              <a:rPr lang="en" dirty="0"/>
+              <a:t>Collab with google maps API, and step count apps.</a:t>
+            </a:r>
+            <a:endParaRPr dirty="0"/>
+          </a:p>
+          <a:p>
+            <a:pPr marL="285750" lvl="0" indent="-285750" algn="l" rtl="0">
+              <a:spcBef>
+                <a:spcPts val="1600"/>
+              </a:spcBef>
+              <a:spcAft>
+                <a:spcPts val="0"/>
+              </a:spcAft>
+              <a:buFont typeface="Arial" panose="020B0604020202020204" pitchFamily="34" charset="0"/>
+              <a:buChar char="•"/>
+            </a:pPr>
+            <a:r>
+              <a:rPr lang="en" dirty="0"/>
+              <a:t>Adding group challenges as well as setting up user challenge creation.</a:t>
+            </a:r>
+            <a:endParaRPr dirty="0"/>
+          </a:p>
+          <a:p>
             <a:pPr marL="0" lvl="0" indent="0" algn="l" rtl="0">
               <a:spcBef>
-                <a:spcPts val="0"/>
-              </a:spcBef>
-              <a:spcAft>
-                <a:spcPts val="0"/>
+                <a:spcPts val="1600"/>
+              </a:spcBef>
+              <a:spcAft>
+                <a:spcPts val="1600"/>
               </a:spcAft>
               <a:buNone/>
             </a:pPr>
-            <a:r>
-              <a:rPr lang="en"/>
-              <a:t>Redefining new tasks for updating.</a:t>
-            </a:r>
-            <a:endParaRPr/>
-          </a:p>
-          <a:p>
-            <a:pPr marL="0" lvl="0" indent="0" algn="l" rtl="0">
-              <a:spcBef>
-                <a:spcPts val="1600"/>
-              </a:spcBef>
-              <a:spcAft>
-                <a:spcPts val="0"/>
-              </a:spcAft>
-              <a:buNone/>
-            </a:pPr>
-            <a:r>
-              <a:rPr lang="en"/>
-              <a:t>Collab with google maps API, and step count apps.</a:t>
-            </a:r>
-            <a:endParaRPr/>
-          </a:p>
-          <a:p>
-            <a:pPr marL="0" lvl="0" indent="0" algn="l" rtl="0">
-              <a:spcBef>
-                <a:spcPts val="1600"/>
-              </a:spcBef>
-              <a:spcAft>
-                <a:spcPts val="0"/>
-              </a:spcAft>
-              <a:buNone/>
-            </a:pPr>
-            <a:r>
-              <a:rPr lang="en"/>
-              <a:t>Adding group challenges as well as setting up user challenge creation.</a:t>
-            </a:r>
-            <a:endParaRPr/>
-          </a:p>
-          <a:p>
-            <a:pPr marL="0" lvl="0" indent="0" algn="l" rtl="0">
-              <a:spcBef>
-                <a:spcPts val="1600"/>
-              </a:spcBef>
-              <a:spcAft>
-                <a:spcPts val="1600"/>
-              </a:spcAft>
-              <a:buNone/>
-            </a:pPr>
-            <a:endParaRPr/>
+            <a:endParaRPr dirty="0"/>
           </a:p>
         </p:txBody>
       </p:sp>
@@ -9239,7 +6269,7 @@
           </a:bodyPr>
           <a:lstStyle/>
           <a:p>
-            <a:pPr marL="0" lvl="0" indent="0" algn="l" rtl="0">
+            <a:pPr marL="342900" lvl="0" algn="l" rtl="0">
               <a:lnSpc>
                 <a:spcPct val="111000"/>
               </a:lnSpc>
@@ -9252,20 +6282,12 @@
               <a:buClr>
                 <a:schemeClr val="dk1"/>
               </a:buClr>
-              <a:buSzPts val="1100"/>
-              <a:buFont typeface="Arial"/>
-              <a:buNone/>
+              <a:buSzPct val="124000"/>
+              <a:buFont typeface="Arial" panose="020B0604020202020204" pitchFamily="34" charset="0"/>
+              <a:buChar char="•"/>
             </a:pPr>
             <a:r>
-              <a:rPr lang="en" sz="2000">
-                <a:solidFill>
-                  <a:schemeClr val="dk1"/>
-                </a:solidFill>
-              </a:rPr>
-              <a:t>–</a:t>
-            </a:r>
-            <a:r>
-              <a:rPr lang="en" sz="2000">
+              <a:rPr lang="en" sz="2000" dirty="0">
                 <a:solidFill>
                   <a:srgbClr val="474B57"/>
                 </a:solidFill>
@@ -9273,7 +6295,7 @@
               <a:t>Original RFP: </a:t>
             </a:r>
             <a:r>
-              <a:rPr lang="en" sz="1100" u="sng">
+              <a:rPr lang="en" sz="2000" u="sng" dirty="0">
                 <a:solidFill>
                   <a:schemeClr val="hlink"/>
                 </a:solidFill>
@@ -9281,14 +6303,14 @@
               </a:rPr>
               <a:t>https://github.com/cbadami/rfp-health-and-wellness</a:t>
             </a:r>
-            <a:endParaRPr sz="2000">
+            <a:endParaRPr sz="2000" dirty="0">
               <a:solidFill>
                 <a:srgbClr val="474B57"/>
               </a:solidFill>
             </a:endParaRPr>
           </a:p>
           <a:p>
-            <a:pPr marL="0" lvl="0" indent="0" algn="l" rtl="0">
+            <a:pPr marL="342900" lvl="0" algn="l" rtl="0">
               <a:lnSpc>
                 <a:spcPct val="111000"/>
               </a:lnSpc>
@@ -9301,20 +6323,12 @@
               <a:buClr>
                 <a:schemeClr val="dk1"/>
               </a:buClr>
-              <a:buSzPts val="1100"/>
-              <a:buFont typeface="Arial"/>
-              <a:buNone/>
+              <a:buSzPct val="124000"/>
+              <a:buFont typeface="Arial" panose="020B0604020202020204" pitchFamily="34" charset="0"/>
+              <a:buChar char="•"/>
             </a:pPr>
             <a:r>
-              <a:rPr lang="en" sz="2000">
-                <a:solidFill>
-                  <a:schemeClr val="dk1"/>
-                </a:solidFill>
-              </a:rPr>
-              <a:t>–</a:t>
-            </a:r>
-            <a:r>
-              <a:rPr lang="en" sz="2000">
+              <a:rPr lang="en" sz="2000" dirty="0">
                 <a:solidFill>
                   <a:srgbClr val="474B57"/>
                 </a:solidFill>
@@ -9322,7 +6336,7 @@
               <a:t>Link to group repository: </a:t>
             </a:r>
             <a:r>
-              <a:rPr lang="en" sz="1100" u="sng">
+              <a:rPr lang="en" sz="2000" u="sng" dirty="0">
                 <a:solidFill>
                   <a:schemeClr val="hlink"/>
                 </a:solidFill>
@@ -9330,14 +6344,14 @@
               </a:rPr>
               <a:t>https://github.com/annie0sc/gdp_group4</a:t>
             </a:r>
-            <a:endParaRPr sz="2000">
+            <a:endParaRPr sz="2000" dirty="0">
               <a:solidFill>
                 <a:srgbClr val="474B57"/>
               </a:solidFill>
             </a:endParaRPr>
           </a:p>
           <a:p>
-            <a:pPr marL="0" lvl="0" indent="0" algn="l" rtl="0">
+            <a:pPr marL="342900" lvl="0" algn="l" rtl="0">
               <a:lnSpc>
                 <a:spcPct val="111000"/>
               </a:lnSpc>
@@ -9347,18 +6361,12 @@
               <a:spcAft>
                 <a:spcPts val="0"/>
               </a:spcAft>
-              <a:buNone/>
+              <a:buSzPct val="124000"/>
+              <a:buFont typeface="Arial" panose="020B0604020202020204" pitchFamily="34" charset="0"/>
+              <a:buChar char="•"/>
             </a:pPr>
             <a:r>
-              <a:rPr lang="en" sz="2000">
-                <a:solidFill>
-                  <a:schemeClr val="dk1"/>
-                </a:solidFill>
-              </a:rPr>
-              <a:t>–</a:t>
-            </a:r>
-            <a:r>
-              <a:rPr lang="en" sz="2000">
+              <a:rPr lang="en" sz="2000" dirty="0">
                 <a:solidFill>
                   <a:srgbClr val="474B57"/>
                 </a:solidFill>
@@ -9366,7 +6374,7 @@
               <a:t>Link to the published site: </a:t>
             </a:r>
             <a:r>
-              <a:rPr lang="en" sz="1100" u="sng">
+              <a:rPr lang="en" sz="2000" u="sng" dirty="0">
                 <a:solidFill>
                   <a:schemeClr val="hlink"/>
                 </a:solidFill>
@@ -9374,7 +6382,7 @@
               </a:rPr>
               <a:t>https://annie0sc.github.io/gdp_group4/</a:t>
             </a:r>
-            <a:endParaRPr sz="2000">
+            <a:endParaRPr sz="2000" dirty="0">
               <a:solidFill>
                 <a:srgbClr val="474B57"/>
               </a:solidFill>
@@ -9390,7 +6398,7 @@
               </a:spcAft>
               <a:buNone/>
             </a:pPr>
-            <a:endParaRPr/>
+            <a:endParaRPr dirty="0"/>
           </a:p>
         </p:txBody>
       </p:sp>
@@ -9749,37 +6757,25 @@
           </a:bodyPr>
           <a:lstStyle/>
           <a:p>
-            <a:pPr marL="0" lvl="0" indent="0" algn="l" rtl="0">
-              <a:spcBef>
-                <a:spcPts val="0"/>
-              </a:spcBef>
-              <a:spcAft>
-                <a:spcPts val="0"/>
-              </a:spcAft>
-              <a:buNone/>
+            <a:pPr marL="171450" lvl="0" indent="-171450" algn="l" rtl="0">
+              <a:spcBef>
+                <a:spcPts val="0"/>
+              </a:spcBef>
+              <a:spcAft>
+                <a:spcPts val="0"/>
+              </a:spcAft>
+              <a:buSzPct val="125000"/>
+              <a:buFont typeface="Arial" panose="020B0604020202020204" pitchFamily="34" charset="0"/>
+              <a:buChar char="•"/>
             </a:pPr>
             <a:r>
-              <a:rPr lang="en" sz="1200">
-                <a:solidFill>
-                  <a:srgbClr val="24292E"/>
-                </a:solidFill>
-                <a:highlight>
-                  <a:srgbClr val="FFFFFF"/>
-                </a:highlight>
-              </a:rPr>
+              <a:rPr lang="en" sz="1200" dirty="0"/>
               <a:t>Using this app, the user can monitor their activity and understand how they can improve or manage daily activities. </a:t>
             </a:r>
-            <a:endParaRPr sz="1200">
-              <a:solidFill>
-                <a:srgbClr val="24292E"/>
-              </a:solidFill>
-              <a:highlight>
-                <a:srgbClr val="FFFFFF"/>
-              </a:highlight>
-            </a:endParaRPr>
-          </a:p>
-          <a:p>
-            <a:pPr marL="0" lvl="0" indent="0" algn="l" rtl="0">
+            <a:endParaRPr sz="1200" dirty="0"/>
+          </a:p>
+          <a:p>
+            <a:pPr marL="171450" lvl="0" indent="-171450" algn="l" rtl="0">
               <a:spcBef>
                 <a:spcPts val="1600"/>
               </a:spcBef>
@@ -9789,29 +6785,51 @@
               <a:buClr>
                 <a:schemeClr val="dk1"/>
               </a:buClr>
-              <a:buSzPts val="1100"/>
-              <a:buFont typeface="Arial"/>
-              <a:buNone/>
+              <a:buSzPct val="125000"/>
+              <a:buFont typeface="Arial" panose="020B0604020202020204" pitchFamily="34" charset="0"/>
+              <a:buChar char="•"/>
             </a:pPr>
             <a:r>
-              <a:rPr lang="en" sz="1200">
-                <a:solidFill>
-                  <a:srgbClr val="24292E"/>
-                </a:solidFill>
-                <a:highlight>
-                  <a:srgbClr val="FFFFFF"/>
-                </a:highlight>
-              </a:rPr>
+              <a:rPr lang="en" sz="1200" dirty="0"/>
               <a:t>With this app, users can set goals they want to reach, such as losing or gaining weight. To let users monitor their eating habits, apps of this type should have a food logging feature.</a:t>
             </a:r>
-            <a:endParaRPr sz="1200">
-              <a:solidFill>
-                <a:srgbClr val="24292E"/>
-              </a:solidFill>
-              <a:highlight>
-                <a:srgbClr val="FFFFFF"/>
-              </a:highlight>
-            </a:endParaRPr>
+            <a:endParaRPr sz="1200" dirty="0"/>
+          </a:p>
+          <a:p>
+            <a:pPr marL="171450" lvl="0" indent="-171450" algn="l" rtl="0">
+              <a:spcBef>
+                <a:spcPts val="1600"/>
+              </a:spcBef>
+              <a:spcAft>
+                <a:spcPts val="0"/>
+              </a:spcAft>
+              <a:buSzPct val="125000"/>
+              <a:buFont typeface="Arial" panose="020B0604020202020204" pitchFamily="34" charset="0"/>
+              <a:buChar char="•"/>
+            </a:pPr>
+            <a:r>
+              <a:rPr lang="en" sz="1200" dirty="0"/>
+              <a:t>Every user can set a personal goal for each activity and see if they can reach it or not.</a:t>
+            </a:r>
+            <a:endParaRPr sz="1200" dirty="0"/>
+          </a:p>
+          <a:p>
+            <a:pPr marL="171450" lvl="0" indent="-171450" algn="l" rtl="0">
+              <a:spcBef>
+                <a:spcPts val="1600"/>
+              </a:spcBef>
+              <a:spcAft>
+                <a:spcPts val="0"/>
+              </a:spcAft>
+              <a:buSzPct val="125000"/>
+              <a:buFont typeface="Arial" panose="020B0604020202020204" pitchFamily="34" charset="0"/>
+              <a:buChar char="•"/>
+            </a:pPr>
+            <a:r>
+              <a:rPr lang="en" sz="1200" dirty="0"/>
+              <a:t> They can accept challenges created by admins and also can create their own challenge among their friends or groups.</a:t>
+            </a:r>
+            <a:endParaRPr sz="1200" dirty="0"/>
           </a:p>
           <a:p>
             <a:pPr marL="0" lvl="0" indent="0" algn="l" rtl="0">
@@ -9819,71 +6837,11 @@
                 <a:spcPts val="1600"/>
               </a:spcBef>
               <a:spcAft>
-                <a:spcPts val="0"/>
+                <a:spcPts val="1600"/>
               </a:spcAft>
               <a:buNone/>
             </a:pPr>
-            <a:r>
-              <a:rPr lang="en" sz="1200">
-                <a:solidFill>
-                  <a:srgbClr val="24292E"/>
-                </a:solidFill>
-                <a:highlight>
-                  <a:srgbClr val="FFFFFF"/>
-                </a:highlight>
-              </a:rPr>
-              <a:t>Every user can set a personal goal for each activity and see if they can reach it or not.</a:t>
-            </a:r>
-            <a:endParaRPr sz="1200">
-              <a:solidFill>
-                <a:srgbClr val="24292E"/>
-              </a:solidFill>
-              <a:highlight>
-                <a:srgbClr val="FFFFFF"/>
-              </a:highlight>
-            </a:endParaRPr>
-          </a:p>
-          <a:p>
-            <a:pPr marL="0" lvl="0" indent="0" algn="l" rtl="0">
-              <a:spcBef>
-                <a:spcPts val="1600"/>
-              </a:spcBef>
-              <a:spcAft>
-                <a:spcPts val="0"/>
-              </a:spcAft>
-              <a:buNone/>
-            </a:pPr>
-            <a:r>
-              <a:rPr lang="en" sz="1200">
-                <a:solidFill>
-                  <a:srgbClr val="24292E"/>
-                </a:solidFill>
-                <a:highlight>
-                  <a:srgbClr val="FFFFFF"/>
-                </a:highlight>
-              </a:rPr>
-              <a:t> They can accept challenges created by admins and also can create their own challenge among their friends or groups.</a:t>
-            </a:r>
-            <a:endParaRPr sz="1200">
-              <a:solidFill>
-                <a:srgbClr val="24292E"/>
-              </a:solidFill>
-              <a:highlight>
-                <a:srgbClr val="FFFFFF"/>
-              </a:highlight>
-            </a:endParaRPr>
-          </a:p>
-          <a:p>
-            <a:pPr marL="0" lvl="0" indent="0" algn="l" rtl="0">
-              <a:spcBef>
-                <a:spcPts val="1600"/>
-              </a:spcBef>
-              <a:spcAft>
-                <a:spcPts val="1600"/>
-              </a:spcAft>
-              <a:buNone/>
-            </a:pPr>
-            <a:endParaRPr sz="1200">
+            <a:endParaRPr sz="1200" dirty="0">
               <a:solidFill>
                 <a:srgbClr val="24292E"/>
               </a:solidFill>
@@ -10076,40 +7034,6 @@
           </a:p>
         </p:txBody>
       </p:sp>
-      <p:sp>
-        <p:nvSpPr>
-          <p:cNvPr id="83" name="Google Shape;83;p17"/>
-          <p:cNvSpPr txBox="1">
-            <a:spLocks noGrp="1"/>
-          </p:cNvSpPr>
-          <p:nvPr>
-            <p:ph type="body" idx="1"/>
-          </p:nvPr>
-        </p:nvSpPr>
-        <p:spPr>
-          <a:prstGeom prst="rect">
-            <a:avLst/>
-          </a:prstGeom>
-        </p:spPr>
-        <p:txBody>
-          <a:bodyPr spcFirstLastPara="1" wrap="square" lIns="91425" tIns="91425" rIns="91425" bIns="91425" anchor="t" anchorCtr="0">
-            <a:noAutofit/>
-          </a:bodyPr>
-          <a:lstStyle/>
-          <a:p>
-            <a:pPr marL="0" lvl="0" indent="0" algn="l" rtl="0">
-              <a:spcBef>
-                <a:spcPts val="0"/>
-              </a:spcBef>
-              <a:spcAft>
-                <a:spcPts val="1600"/>
-              </a:spcAft>
-              <a:buNone/>
-            </a:pPr>
-            <a:endParaRPr/>
-          </a:p>
-        </p:txBody>
-      </p:sp>
       <p:pic>
         <p:nvPicPr>
           <p:cNvPr id="84" name="Google Shape;84;p17"/>
@@ -10229,40 +7153,6 @@
           </a:p>
         </p:txBody>
       </p:sp>
-      <p:sp>
-        <p:nvSpPr>
-          <p:cNvPr id="91" name="Google Shape;91;p18"/>
-          <p:cNvSpPr txBox="1">
-            <a:spLocks noGrp="1"/>
-          </p:cNvSpPr>
-          <p:nvPr>
-            <p:ph type="body" idx="1"/>
-          </p:nvPr>
-        </p:nvSpPr>
-        <p:spPr>
-          <a:prstGeom prst="rect">
-            <a:avLst/>
-          </a:prstGeom>
-        </p:spPr>
-        <p:txBody>
-          <a:bodyPr spcFirstLastPara="1" wrap="square" lIns="91425" tIns="91425" rIns="91425" bIns="91425" anchor="t" anchorCtr="0">
-            <a:noAutofit/>
-          </a:bodyPr>
-          <a:lstStyle/>
-          <a:p>
-            <a:pPr marL="0" lvl="0" indent="0" algn="l" rtl="0">
-              <a:spcBef>
-                <a:spcPts val="0"/>
-              </a:spcBef>
-              <a:spcAft>
-                <a:spcPts val="1600"/>
-              </a:spcAft>
-              <a:buNone/>
-            </a:pPr>
-            <a:endParaRPr/>
-          </a:p>
-        </p:txBody>
-      </p:sp>
       <p:pic>
         <p:nvPicPr>
           <p:cNvPr id="92" name="Google Shape;92;p18"/>
@@ -10382,40 +7272,6 @@
           </a:p>
         </p:txBody>
       </p:sp>
-      <p:sp>
-        <p:nvSpPr>
-          <p:cNvPr id="99" name="Google Shape;99;p19"/>
-          <p:cNvSpPr txBox="1">
-            <a:spLocks noGrp="1"/>
-          </p:cNvSpPr>
-          <p:nvPr>
-            <p:ph type="body" idx="1"/>
-          </p:nvPr>
-        </p:nvSpPr>
-        <p:spPr>
-          <a:prstGeom prst="rect">
-            <a:avLst/>
-          </a:prstGeom>
-        </p:spPr>
-        <p:txBody>
-          <a:bodyPr spcFirstLastPara="1" wrap="square" lIns="91425" tIns="91425" rIns="91425" bIns="91425" anchor="t" anchorCtr="0">
-            <a:noAutofit/>
-          </a:bodyPr>
-          <a:lstStyle/>
-          <a:p>
-            <a:pPr marL="0" lvl="0" indent="0" algn="l" rtl="0">
-              <a:spcBef>
-                <a:spcPts val="0"/>
-              </a:spcBef>
-              <a:spcAft>
-                <a:spcPts val="1600"/>
-              </a:spcAft>
-              <a:buNone/>
-            </a:pPr>
-            <a:endParaRPr/>
-          </a:p>
-        </p:txBody>
-      </p:sp>
       <p:pic>
         <p:nvPicPr>
           <p:cNvPr id="100" name="Google Shape;100;p19"/>
@@ -10511,40 +7367,6 @@
           </a:p>
         </p:txBody>
       </p:sp>
-      <p:sp>
-        <p:nvSpPr>
-          <p:cNvPr id="106" name="Google Shape;106;p20"/>
-          <p:cNvSpPr txBox="1">
-            <a:spLocks noGrp="1"/>
-          </p:cNvSpPr>
-          <p:nvPr>
-            <p:ph type="body" idx="1"/>
-          </p:nvPr>
-        </p:nvSpPr>
-        <p:spPr>
-          <a:prstGeom prst="rect">
-            <a:avLst/>
-          </a:prstGeom>
-        </p:spPr>
-        <p:txBody>
-          <a:bodyPr spcFirstLastPara="1" wrap="square" lIns="91425" tIns="91425" rIns="91425" bIns="91425" anchor="t" anchorCtr="0">
-            <a:noAutofit/>
-          </a:bodyPr>
-          <a:lstStyle/>
-          <a:p>
-            <a:pPr marL="0" lvl="0" indent="0" algn="l" rtl="0">
-              <a:spcBef>
-                <a:spcPts val="0"/>
-              </a:spcBef>
-              <a:spcAft>
-                <a:spcPts val="1600"/>
-              </a:spcAft>
-              <a:buNone/>
-            </a:pPr>
-            <a:endParaRPr/>
-          </a:p>
-        </p:txBody>
-      </p:sp>
       <p:pic>
         <p:nvPicPr>
           <p:cNvPr id="107" name="Google Shape;107;p20"/>
@@ -10640,40 +7462,6 @@
           </a:p>
         </p:txBody>
       </p:sp>
-      <p:sp>
-        <p:nvSpPr>
-          <p:cNvPr id="113" name="Google Shape;113;p21"/>
-          <p:cNvSpPr txBox="1">
-            <a:spLocks noGrp="1"/>
-          </p:cNvSpPr>
-          <p:nvPr>
-            <p:ph type="body" idx="1"/>
-          </p:nvPr>
-        </p:nvSpPr>
-        <p:spPr>
-          <a:prstGeom prst="rect">
-            <a:avLst/>
-          </a:prstGeom>
-        </p:spPr>
-        <p:txBody>
-          <a:bodyPr spcFirstLastPara="1" wrap="square" lIns="91425" tIns="91425" rIns="91425" bIns="91425" anchor="t" anchorCtr="0">
-            <a:noAutofit/>
-          </a:bodyPr>
-          <a:lstStyle/>
-          <a:p>
-            <a:pPr marL="0" lvl="0" indent="0" algn="l" rtl="0">
-              <a:spcBef>
-                <a:spcPts val="0"/>
-              </a:spcBef>
-              <a:spcAft>
-                <a:spcPts val="1600"/>
-              </a:spcAft>
-              <a:buNone/>
-            </a:pPr>
-            <a:endParaRPr/>
-          </a:p>
-        </p:txBody>
-      </p:sp>
       <p:pic>
         <p:nvPicPr>
           <p:cNvPr id="114" name="Google Shape;114;p21"/>
@@ -10711,91 +7499,58 @@
 </file>
 
 <file path=ppt/theme/theme1.xml><?xml version="1.0" encoding="utf-8"?>
-<a:theme xmlns:a="http://schemas.openxmlformats.org/drawingml/2006/main" name="Droplet">
+<a:theme xmlns:a="http://schemas.openxmlformats.org/drawingml/2006/main" name="Parcel">
   <a:themeElements>
-    <a:clrScheme name="Droplet">
+    <a:clrScheme name="Parcel">
       <a:dk1>
-        <a:sysClr val="windowText" lastClr="000000"/>
+        <a:srgbClr val="000000"/>
       </a:dk1>
       <a:lt1>
-        <a:sysClr val="window" lastClr="FFFFFF"/>
+        <a:srgbClr val="FFFFFF"/>
       </a:lt1>
       <a:dk2>
-        <a:srgbClr val="355071"/>
+        <a:srgbClr val="4A5356"/>
       </a:dk2>
       <a:lt2>
-        <a:srgbClr val="AABED7"/>
+        <a:srgbClr val="E8E3CE"/>
       </a:lt2>
       <a:accent1>
-        <a:srgbClr val="2FA3EE"/>
+        <a:srgbClr val="F6A21D"/>
       </a:accent1>
       <a:accent2>
-        <a:srgbClr val="4BCAAD"/>
+        <a:srgbClr val="9BAFB5"/>
       </a:accent2>
       <a:accent3>
-        <a:srgbClr val="86C157"/>
+        <a:srgbClr val="C96731"/>
       </a:accent3>
       <a:accent4>
-        <a:srgbClr val="D99C3F"/>
+        <a:srgbClr val="9CA383"/>
       </a:accent4>
       <a:accent5>
-        <a:srgbClr val="CE6633"/>
+        <a:srgbClr val="87795D"/>
       </a:accent5>
       <a:accent6>
-        <a:srgbClr val="A35DD1"/>
+        <a:srgbClr val="A0988C"/>
       </a:accent6>
       <a:hlink>
-        <a:srgbClr val="56BCFE"/>
+        <a:srgbClr val="00B0F0"/>
       </a:hlink>
       <a:folHlink>
-        <a:srgbClr val="97C5E3"/>
+        <a:srgbClr val="738F97"/>
       </a:folHlink>
     </a:clrScheme>
-    <a:fontScheme name="Droplet">
+    <a:fontScheme name="Parcel">
       <a:majorFont>
-        <a:latin typeface="Tw Cen MT" panose="020B0602020104020603"/>
+        <a:latin typeface="Gill Sans MT" panose="020B0502020104020203"/>
         <a:ea typeface=""/>
         <a:cs typeface=""/>
-        <a:font script="Jpan" typeface="ＭＳ Ｐゴシック"/>
-        <a:font script="Hang" typeface="맑은 고딕"/>
-        <a:font script="Hans" typeface="宋体"/>
-        <a:font script="Hant" typeface="新細明體"/>
-        <a:font script="Arab" typeface="Times New Roman"/>
-        <a:font script="Hebr" typeface="Times New Roman"/>
-        <a:font script="Thai" typeface="Angsana New"/>
-        <a:font script="Ethi" typeface="Nyala"/>
-        <a:font script="Beng" typeface="Vrinda"/>
-        <a:font script="Gujr" typeface="Shruti"/>
-        <a:font script="Khmr" typeface="MoolBoran"/>
-        <a:font script="Knda" typeface="Tunga"/>
-        <a:font script="Guru" typeface="Raavi"/>
-        <a:font script="Cans" typeface="Euphemia"/>
-        <a:font script="Cher" typeface="Plantagenet Cherokee"/>
-        <a:font script="Yiii" typeface="Microsoft Yi Baiti"/>
-        <a:font script="Tibt" typeface="Microsoft Himalaya"/>
-        <a:font script="Thaa" typeface="MV Boli"/>
-        <a:font script="Deva" typeface="Mangal"/>
-        <a:font script="Telu" typeface="Gautami"/>
-        <a:font script="Taml" typeface="Latha"/>
-        <a:font script="Syrc" typeface="Estrangelo Edessa"/>
-        <a:font script="Orya" typeface="Kalinga"/>
-        <a:font script="Mlym" typeface="Kartika"/>
-        <a:font script="Laoo" typeface="DokChampa"/>
-        <a:font script="Sinh" typeface="Iskoola Pota"/>
-        <a:font script="Mong" typeface="Mongolian Baiti"/>
-        <a:font script="Viet" typeface="Times New Roman"/>
-        <a:font script="Uigh" typeface="Microsoft Uighur"/>
-        <a:font script="Geor" typeface="Sylfaen"/>
-      </a:majorFont>
-      <a:minorFont>
-        <a:latin typeface="Tw Cen MT" panose="020B0602020104020603"/>
-        <a:ea typeface=""/>
-        <a:cs typeface=""/>
-        <a:font script="Jpan" typeface="ＭＳ Ｐゴシック"/>
-        <a:font script="Hang" typeface="맑은 고딕"/>
-        <a:font script="Hans" typeface="宋体"/>
-        <a:font script="Hant" typeface="新細明體"/>
-        <a:font script="Arab" typeface="Arial"/>
+        <a:font script="Grek" typeface="Corbel"/>
+        <a:font script="Cyrl" typeface="Corbel"/>
+        <a:font script="Jpan" typeface="HGｺﾞｼｯｸE"/>
+        <a:font script="Hang" typeface="휴먼매직체"/>
+        <a:font script="Hans" typeface="华文中宋"/>
+        <a:font script="Hant" typeface="微軟正黑體"/>
+        <a:font script="Arab" typeface="Majalla UI"/>
         <a:font script="Hebr" typeface="Arial"/>
         <a:font script="Thai" typeface="Cordia New"/>
         <a:font script="Ethi" typeface="Nyala"/>
@@ -10818,45 +7573,93 @@
         <a:font script="Laoo" typeface="DokChampa"/>
         <a:font script="Sinh" typeface="Iskoola Pota"/>
         <a:font script="Mong" typeface="Mongolian Baiti"/>
-        <a:font script="Viet" typeface="Arial"/>
+        <a:font script="Viet" typeface="Tahoma"/>
+        <a:font script="Uigh" typeface="Microsoft Uighur"/>
+        <a:font script="Geor" typeface="Sylfaen"/>
+      </a:majorFont>
+      <a:minorFont>
+        <a:latin typeface="Gill Sans MT" panose="020B0502020104020203"/>
+        <a:ea typeface=""/>
+        <a:cs typeface=""/>
+        <a:font script="Grek" typeface="Corbel"/>
+        <a:font script="Cyrl" typeface="Corbel"/>
+        <a:font script="Jpan" typeface="HGｺﾞｼｯｸE"/>
+        <a:font script="Hang" typeface="휴먼매직체"/>
+        <a:font script="Hans" typeface="华文中宋"/>
+        <a:font script="Hant" typeface="微軟正黑體"/>
+        <a:font script="Arab" typeface="Majalla UI"/>
+        <a:font script="Hebr" typeface="Arial"/>
+        <a:font script="Thai" typeface="Cordia New"/>
+        <a:font script="Ethi" typeface="Nyala"/>
+        <a:font script="Beng" typeface="Vrinda"/>
+        <a:font script="Gujr" typeface="Shruti"/>
+        <a:font script="Khmr" typeface="DaunPenh"/>
+        <a:font script="Knda" typeface="Tunga"/>
+        <a:font script="Guru" typeface="Raavi"/>
+        <a:font script="Cans" typeface="Euphemia"/>
+        <a:font script="Cher" typeface="Plantagenet Cherokee"/>
+        <a:font script="Yiii" typeface="Microsoft Yi Baiti"/>
+        <a:font script="Tibt" typeface="Microsoft Himalaya"/>
+        <a:font script="Thaa" typeface="MV Boli"/>
+        <a:font script="Deva" typeface="Mangal"/>
+        <a:font script="Telu" typeface="Gautami"/>
+        <a:font script="Taml" typeface="Latha"/>
+        <a:font script="Syrc" typeface="Estrangelo Edessa"/>
+        <a:font script="Orya" typeface="Kalinga"/>
+        <a:font script="Mlym" typeface="Kartika"/>
+        <a:font script="Laoo" typeface="DokChampa"/>
+        <a:font script="Sinh" typeface="Iskoola Pota"/>
+        <a:font script="Mong" typeface="Mongolian Baiti"/>
+        <a:font script="Viet" typeface="Tahoma"/>
         <a:font script="Uigh" typeface="Microsoft Uighur"/>
         <a:font script="Geor" typeface="Sylfaen"/>
       </a:minorFont>
     </a:fontScheme>
-    <a:fmtScheme name="Droplet">
+    <a:fmtScheme name="Parcel">
       <a:fillStyleLst>
         <a:solidFill>
           <a:schemeClr val="phClr"/>
-        </a:solidFill>
-        <a:solidFill>
-          <a:schemeClr val="phClr">
-            <a:tint val="69000"/>
-            <a:satMod val="105000"/>
-            <a:lumMod val="110000"/>
-          </a:schemeClr>
         </a:solidFill>
         <a:gradFill rotWithShape="1">
           <a:gsLst>
             <a:gs pos="0">
               <a:schemeClr val="phClr">
-                <a:tint val="94000"/>
+                <a:tint val="80000"/>
+                <a:satMod val="107000"/>
+                <a:lumMod val="103000"/>
+              </a:schemeClr>
+            </a:gs>
+            <a:gs pos="100000">
+              <a:schemeClr val="phClr">
+                <a:tint val="82000"/>
+                <a:satMod val="109000"/>
+                <a:lumMod val="103000"/>
+              </a:schemeClr>
+            </a:gs>
+          </a:gsLst>
+          <a:lin ang="5400000" scaled="0"/>
+        </a:gradFill>
+        <a:gradFill rotWithShape="1">
+          <a:gsLst>
+            <a:gs pos="0">
+              <a:schemeClr val="phClr">
+                <a:tint val="97000"/>
                 <a:satMod val="100000"/>
-                <a:lumMod val="108000"/>
+                <a:lumMod val="102000"/>
               </a:schemeClr>
             </a:gs>
             <a:gs pos="50000">
               <a:schemeClr val="phClr">
-                <a:tint val="98000"/>
                 <a:shade val="100000"/>
-                <a:satMod val="100000"/>
+                <a:satMod val="103000"/>
                 <a:lumMod val="100000"/>
               </a:schemeClr>
             </a:gs>
             <a:gs pos="100000">
               <a:schemeClr val="phClr">
-                <a:shade val="72000"/>
-                <a:satMod val="120000"/>
-                <a:lumMod val="100000"/>
+                <a:shade val="93000"/>
+                <a:satMod val="110000"/>
+                <a:lumMod val="99000"/>
               </a:schemeClr>
             </a:gs>
           </a:gsLst>
@@ -10864,21 +7667,19 @@
         </a:gradFill>
       </a:fillStyleLst>
       <a:lnStyleLst>
-        <a:ln w="9525" cap="flat" cmpd="sng" algn="ctr">
-          <a:solidFill>
-            <a:schemeClr val="phClr">
-              <a:shade val="60000"/>
-            </a:schemeClr>
-          </a:solidFill>
-          <a:prstDash val="solid"/>
-        </a:ln>
-        <a:ln w="15875" cap="flat" cmpd="sng" algn="ctr">
+        <a:ln w="6350" cap="flat" cmpd="sng" algn="ctr">
           <a:solidFill>
             <a:schemeClr val="phClr"/>
           </a:solidFill>
           <a:prstDash val="solid"/>
         </a:ln>
-        <a:ln w="22225" cap="flat" cmpd="sng" algn="ctr">
+        <a:ln w="12700" cap="flat" cmpd="sng" algn="ctr">
+          <a:solidFill>
+            <a:schemeClr val="phClr"/>
+          </a:solidFill>
+          <a:prstDash val="solid"/>
+        </a:ln>
+        <a:ln w="31750" cap="flat" cmpd="sng" algn="ctr">
           <a:solidFill>
             <a:schemeClr val="phClr"/>
           </a:solidFill>
@@ -10890,19 +7691,13 @@
           <a:effectLst/>
         </a:effectStyle>
         <a:effectStyle>
-          <a:effectLst>
-            <a:outerShdw blurRad="50800" dist="25400" dir="5400000" rotWithShape="0">
-              <a:srgbClr val="000000">
-                <a:alpha val="28000"/>
-              </a:srgbClr>
-            </a:outerShdw>
-          </a:effectLst>
+          <a:effectLst/>
         </a:effectStyle>
         <a:effectStyle>
           <a:effectLst>
-            <a:outerShdw blurRad="63500" dist="25400" dir="5400000" algn="ctr" rotWithShape="0">
+            <a:outerShdw blurRad="55880" dist="15240" dir="5400000" algn="ctr" rotWithShape="0">
               <a:srgbClr val="000000">
-                <a:alpha val="69000"/>
+                <a:alpha val="45000"/>
               </a:srgbClr>
             </a:outerShdw>
           </a:effectLst>
@@ -10910,12 +7705,10 @@
             <a:camera prst="orthographicFront">
               <a:rot lat="0" lon="0" rev="0"/>
             </a:camera>
-            <a:lightRig rig="balanced" dir="t">
-              <a:rot lat="0" lon="0" rev="1200000"/>
-            </a:lightRig>
+            <a:lightRig rig="brightRoom" dir="tl"/>
           </a:scene3d>
-          <a:sp3d prstMaterial="plastic">
-            <a:bevelT w="25400" h="25400"/>
+          <a:sp3d prstMaterial="dkEdge">
+            <a:bevelT w="0" h="0"/>
           </a:sp3d>
         </a:effectStyle>
       </a:effectStyleLst>
@@ -10923,43 +7716,34 @@
         <a:solidFill>
           <a:schemeClr val="phClr"/>
         </a:solidFill>
+        <a:solidFill>
+          <a:schemeClr val="phClr">
+            <a:tint val="95000"/>
+            <a:satMod val="170000"/>
+          </a:schemeClr>
+        </a:solidFill>
         <a:gradFill rotWithShape="1">
           <a:gsLst>
             <a:gs pos="0">
               <a:schemeClr val="phClr">
-                <a:tint val="90000"/>
-                <a:lumMod val="110000"/>
+                <a:tint val="97000"/>
+                <a:shade val="100000"/>
+                <a:satMod val="185000"/>
+                <a:lumMod val="120000"/>
               </a:schemeClr>
             </a:gs>
             <a:gs pos="100000">
               <a:schemeClr val="phClr">
-                <a:shade val="64000"/>
-                <a:lumMod val="88000"/>
+                <a:tint val="96000"/>
+                <a:shade val="95000"/>
+                <a:satMod val="215000"/>
+                <a:lumMod val="80000"/>
               </a:schemeClr>
             </a:gs>
           </a:gsLst>
-          <a:lin ang="5400000" scaled="0"/>
-        </a:gradFill>
-        <a:gradFill rotWithShape="1">
-          <a:gsLst>
-            <a:gs pos="0">
-              <a:schemeClr val="phClr">
-                <a:tint val="84000"/>
-                <a:shade val="100000"/>
-                <a:hueMod val="130000"/>
-                <a:satMod val="150000"/>
-                <a:lumMod val="112000"/>
-              </a:schemeClr>
-            </a:gs>
-            <a:gs pos="100000">
-              <a:schemeClr val="phClr">
-                <a:shade val="92000"/>
-                <a:satMod val="140000"/>
-                <a:lumMod val="110000"/>
-              </a:schemeClr>
-            </a:gs>
-          </a:gsLst>
-          <a:lin ang="5400000" scaled="0"/>
+          <a:path path="circle">
+            <a:fillToRect l="50000" t="55000" r="125000" b="100000"/>
+          </a:path>
         </a:gradFill>
       </a:bgFillStyleLst>
     </a:fmtScheme>
@@ -10968,7 +7752,7 @@
   <a:extraClrSchemeLst/>
   <a:extLst>
     <a:ext uri="{05A4C25C-085E-4340-85A3-A5531E510DB2}">
-      <thm15:themeFamily xmlns:thm15="http://schemas.microsoft.com/office/thememl/2012/main" name="Droplet" id="{8984A317-299A-4E50-B45D-BFC9EDE2337A}" vid="{A633B6A3-9E7F-4C10-9C98-2517A3134361}"/>
+      <thm15:themeFamily xmlns:thm15="http://schemas.microsoft.com/office/thememl/2012/main" name="Parcel" id="{8BEC4385-4EB9-4D53-BFB5-0EA123736B6D}" vid="{4DB32801-28C0-48B0-8C1D-A9A58613615A}"/>
     </a:ext>
   </a:extLst>
 </a:theme>

--- a/GDP.pptx
+++ b/GDP.pptx
@@ -6089,10 +6089,10 @@
               <a:buNone/>
             </a:pPr>
             <a:r>
-              <a:rPr lang="en"/>
+              <a:rPr lang="en" sz="3200" dirty="0"/>
               <a:t>Enhanced Features</a:t>
             </a:r>
-            <a:endParaRPr/>
+            <a:endParaRPr sz="3200" dirty="0"/>
           </a:p>
         </p:txBody>
       </p:sp>
@@ -6132,10 +6132,10 @@
               <a:buChar char="•"/>
             </a:pPr>
             <a:r>
-              <a:rPr lang="en" dirty="0"/>
+              <a:rPr lang="en" sz="2400" dirty="0"/>
               <a:t>Redefining new tasks for updating.</a:t>
             </a:r>
-            <a:endParaRPr dirty="0"/>
+            <a:endParaRPr sz="2400" dirty="0"/>
           </a:p>
           <a:p>
             <a:pPr marL="285750" lvl="0" indent="-285750" algn="l" rtl="0">
@@ -6149,10 +6149,10 @@
               <a:buChar char="•"/>
             </a:pPr>
             <a:r>
-              <a:rPr lang="en" dirty="0"/>
+              <a:rPr lang="en" sz="2400" dirty="0"/>
               <a:t>Collab with google maps API, and step count apps.</a:t>
             </a:r>
-            <a:endParaRPr dirty="0"/>
+            <a:endParaRPr sz="2400" dirty="0"/>
           </a:p>
           <a:p>
             <a:pPr marL="285750" lvl="0" indent="-285750" algn="l" rtl="0">
@@ -6166,10 +6166,10 @@
               <a:buChar char="•"/>
             </a:pPr>
             <a:r>
-              <a:rPr lang="en" dirty="0"/>
+              <a:rPr lang="en" sz="2400" dirty="0"/>
               <a:t>Adding group challenges as well as setting up user challenge creation.</a:t>
             </a:r>
-            <a:endParaRPr dirty="0"/>
+            <a:endParaRPr sz="2400" dirty="0"/>
           </a:p>
           <a:p>
             <a:pPr marL="0" lvl="0" indent="0" algn="l" rtl="0">
@@ -6221,6 +6221,10 @@
           </p:nvPr>
         </p:nvSpPr>
         <p:spPr>
+          <a:xfrm>
+            <a:off x="311700" y="288275"/>
+            <a:ext cx="8520600" cy="572700"/>
+          </a:xfrm>
           <a:prstGeom prst="rect">
             <a:avLst/>
           </a:prstGeom>
@@ -6241,10 +6245,10 @@
               <a:buNone/>
             </a:pPr>
             <a:r>
-              <a:rPr lang="en"/>
+              <a:rPr lang="en" sz="3200" dirty="0"/>
               <a:t>References</a:t>
             </a:r>
-            <a:endParaRPr/>
+            <a:endParaRPr sz="3200" dirty="0"/>
           </a:p>
         </p:txBody>
       </p:sp>
@@ -6287,7 +6291,7 @@
               <a:buChar char="•"/>
             </a:pPr>
             <a:r>
-              <a:rPr lang="en" sz="2000" dirty="0">
+              <a:rPr lang="en" sz="2400" dirty="0">
                 <a:solidFill>
                   <a:srgbClr val="474B57"/>
                 </a:solidFill>
@@ -6295,7 +6299,7 @@
               <a:t>Original RFP: </a:t>
             </a:r>
             <a:r>
-              <a:rPr lang="en" sz="2000" u="sng" dirty="0">
+              <a:rPr lang="en" sz="2400" u="sng" dirty="0">
                 <a:solidFill>
                   <a:schemeClr val="hlink"/>
                 </a:solidFill>
@@ -6303,7 +6307,7 @@
               </a:rPr>
               <a:t>https://github.com/cbadami/rfp-health-and-wellness</a:t>
             </a:r>
-            <a:endParaRPr sz="2000" dirty="0">
+            <a:endParaRPr sz="2400" dirty="0">
               <a:solidFill>
                 <a:srgbClr val="474B57"/>
               </a:solidFill>
@@ -6328,7 +6332,7 @@
               <a:buChar char="•"/>
             </a:pPr>
             <a:r>
-              <a:rPr lang="en" sz="2000" dirty="0">
+              <a:rPr lang="en" sz="2400" dirty="0">
                 <a:solidFill>
                   <a:srgbClr val="474B57"/>
                 </a:solidFill>
@@ -6336,7 +6340,7 @@
               <a:t>Link to group repository: </a:t>
             </a:r>
             <a:r>
-              <a:rPr lang="en" sz="2000" u="sng" dirty="0">
+              <a:rPr lang="en" sz="2400" u="sng" dirty="0">
                 <a:solidFill>
                   <a:schemeClr val="hlink"/>
                 </a:solidFill>
@@ -6344,7 +6348,7 @@
               </a:rPr>
               <a:t>https://github.com/annie0sc/gdp_group4</a:t>
             </a:r>
-            <a:endParaRPr sz="2000" dirty="0">
+            <a:endParaRPr sz="2400" dirty="0">
               <a:solidFill>
                 <a:srgbClr val="474B57"/>
               </a:solidFill>
@@ -6366,7 +6370,7 @@
               <a:buChar char="•"/>
             </a:pPr>
             <a:r>
-              <a:rPr lang="en" sz="2000" dirty="0">
+              <a:rPr lang="en" sz="2400" dirty="0">
                 <a:solidFill>
                   <a:srgbClr val="474B57"/>
                 </a:solidFill>
@@ -6374,7 +6378,7 @@
               <a:t>Link to the published site: </a:t>
             </a:r>
             <a:r>
-              <a:rPr lang="en" sz="2000" u="sng" dirty="0">
+              <a:rPr lang="en" sz="2400" u="sng" dirty="0">
                 <a:solidFill>
                   <a:schemeClr val="hlink"/>
                 </a:solidFill>
@@ -6382,7 +6386,7 @@
               </a:rPr>
               <a:t>https://annie0sc.github.io/gdp_group4/</a:t>
             </a:r>
-            <a:endParaRPr sz="2000" dirty="0">
+            <a:endParaRPr sz="2400" dirty="0">
               <a:solidFill>
                 <a:srgbClr val="474B57"/>
               </a:solidFill>
@@ -6729,10 +6733,10 @@
               <a:buNone/>
             </a:pPr>
             <a:r>
-              <a:rPr lang="en"/>
+              <a:rPr lang="en" sz="3200" dirty="0"/>
               <a:t>Overview</a:t>
             </a:r>
-            <a:endParaRPr/>
+            <a:endParaRPr sz="3200" dirty="0"/>
           </a:p>
         </p:txBody>
       </p:sp>
@@ -6769,10 +6773,10 @@
               <a:buChar char="•"/>
             </a:pPr>
             <a:r>
-              <a:rPr lang="en" sz="1200" dirty="0"/>
+              <a:rPr lang="en" sz="1600" dirty="0"/>
               <a:t>Using this app, the user can monitor their activity and understand how they can improve or manage daily activities. </a:t>
             </a:r>
-            <a:endParaRPr sz="1200" dirty="0"/>
+            <a:endParaRPr sz="1600" dirty="0"/>
           </a:p>
           <a:p>
             <a:pPr marL="171450" lvl="0" indent="-171450" algn="l" rtl="0">
@@ -6790,10 +6794,10 @@
               <a:buChar char="•"/>
             </a:pPr>
             <a:r>
-              <a:rPr lang="en" sz="1200" dirty="0"/>
+              <a:rPr lang="en" sz="1600" dirty="0"/>
               <a:t>With this app, users can set goals they want to reach, such as losing or gaining weight. To let users monitor their eating habits, apps of this type should have a food logging feature.</a:t>
             </a:r>
-            <a:endParaRPr sz="1200" dirty="0"/>
+            <a:endParaRPr sz="1600" dirty="0"/>
           </a:p>
           <a:p>
             <a:pPr marL="171450" lvl="0" indent="-171450" algn="l" rtl="0">
@@ -6808,10 +6812,10 @@
               <a:buChar char="•"/>
             </a:pPr>
             <a:r>
-              <a:rPr lang="en" sz="1200" dirty="0"/>
+              <a:rPr lang="en" sz="1600" dirty="0"/>
               <a:t>Every user can set a personal goal for each activity and see if they can reach it or not.</a:t>
             </a:r>
-            <a:endParaRPr sz="1200" dirty="0"/>
+            <a:endParaRPr sz="1600" dirty="0"/>
           </a:p>
           <a:p>
             <a:pPr marL="171450" lvl="0" indent="-171450" algn="l" rtl="0">
@@ -6826,10 +6830,10 @@
               <a:buChar char="•"/>
             </a:pPr>
             <a:r>
-              <a:rPr lang="en" sz="1200" dirty="0"/>
+              <a:rPr lang="en" sz="1600" dirty="0"/>
               <a:t> They can accept challenges created by admins and also can create their own challenge among their friends or groups.</a:t>
             </a:r>
-            <a:endParaRPr sz="1200" dirty="0"/>
+            <a:endParaRPr sz="1600" dirty="0"/>
           </a:p>
           <a:p>
             <a:pPr marL="0" lvl="0" indent="0" algn="l" rtl="0">
@@ -6888,6 +6892,10 @@
           </p:nvPr>
         </p:nvSpPr>
         <p:spPr>
+          <a:xfrm>
+            <a:off x="311700" y="430848"/>
+            <a:ext cx="1949491" cy="572700"/>
+          </a:xfrm>
           <a:prstGeom prst="rect">
             <a:avLst/>
           </a:prstGeom>
@@ -6931,8 +6939,8 @@
         </p:blipFill>
         <p:spPr>
           <a:xfrm>
-            <a:off x="1862275" y="1152475"/>
-            <a:ext cx="2174450" cy="3675850"/>
+            <a:off x="2946059" y="430848"/>
+            <a:ext cx="2568694" cy="4373563"/>
           </a:xfrm>
           <a:prstGeom prst="rect">
             <a:avLst/>
@@ -6959,8 +6967,8 @@
         </p:blipFill>
         <p:spPr>
           <a:xfrm>
-            <a:off x="5062775" y="1145025"/>
-            <a:ext cx="2174450" cy="3659386"/>
+            <a:off x="5951526" y="402494"/>
+            <a:ext cx="2568694" cy="4373564"/>
           </a:xfrm>
           <a:prstGeom prst="rect">
             <a:avLst/>
@@ -7007,6 +7015,10 @@
           </p:nvPr>
         </p:nvSpPr>
         <p:spPr>
+          <a:xfrm>
+            <a:off x="311700" y="430848"/>
+            <a:ext cx="1864430" cy="572700"/>
+          </a:xfrm>
           <a:prstGeom prst="rect">
             <a:avLst/>
           </a:prstGeom>
@@ -7050,8 +7062,8 @@
         </p:blipFill>
         <p:spPr>
           <a:xfrm>
-            <a:off x="1777500" y="1028250"/>
-            <a:ext cx="2546525" cy="3812701"/>
+            <a:off x="2663546" y="431279"/>
+            <a:ext cx="2546525" cy="4280941"/>
           </a:xfrm>
           <a:prstGeom prst="rect">
             <a:avLst/>
@@ -7078,8 +7090,8 @@
         </p:blipFill>
         <p:spPr>
           <a:xfrm>
-            <a:off x="5181325" y="1017725"/>
-            <a:ext cx="2546525" cy="3799600"/>
+            <a:off x="5854721" y="430848"/>
+            <a:ext cx="2546525" cy="4414830"/>
           </a:xfrm>
           <a:prstGeom prst="rect">
             <a:avLst/>
@@ -7126,6 +7138,10 @@
           </p:nvPr>
         </p:nvSpPr>
         <p:spPr>
+          <a:xfrm>
+            <a:off x="311701" y="430849"/>
+            <a:ext cx="1899872" cy="572700"/>
+          </a:xfrm>
           <a:prstGeom prst="rect">
             <a:avLst/>
           </a:prstGeom>
@@ -7169,8 +7185,8 @@
         </p:blipFill>
         <p:spPr>
           <a:xfrm>
-            <a:off x="5042250" y="1041537"/>
-            <a:ext cx="2661700" cy="3806438"/>
+            <a:off x="5914119" y="452142"/>
+            <a:ext cx="2661700" cy="4295082"/>
           </a:xfrm>
           <a:prstGeom prst="rect">
             <a:avLst/>
@@ -7197,8 +7213,8 @@
         </p:blipFill>
         <p:spPr>
           <a:xfrm>
-            <a:off x="1260675" y="1017725"/>
-            <a:ext cx="2661700" cy="3835825"/>
+            <a:off x="2731996" y="452143"/>
+            <a:ext cx="2661700" cy="4295082"/>
           </a:xfrm>
           <a:prstGeom prst="rect">
             <a:avLst/>
@@ -7245,6 +7261,10 @@
           </p:nvPr>
         </p:nvSpPr>
         <p:spPr>
+          <a:xfrm>
+            <a:off x="311700" y="402494"/>
+            <a:ext cx="2785919" cy="572700"/>
+          </a:xfrm>
           <a:prstGeom prst="rect">
             <a:avLst/>
           </a:prstGeom>
@@ -7337,8 +7357,8 @@
         </p:nvSpPr>
         <p:spPr>
           <a:xfrm>
-            <a:off x="311700" y="445025"/>
-            <a:ext cx="1718100" cy="1559400"/>
+            <a:off x="311700" y="430848"/>
+            <a:ext cx="1629725" cy="1559400"/>
           </a:xfrm>
           <a:prstGeom prst="rect">
             <a:avLst/>

--- a/GDP.pptx
+++ b/GDP.pptx
@@ -6089,8 +6089,8 @@
               <a:buNone/>
             </a:pPr>
             <a:r>
-              <a:rPr lang="en" sz="3200" dirty="0"/>
-              <a:t>Enhanced Features</a:t>
+              <a:rPr lang="en" sz="3200" dirty="0" smtClean="0"/>
+              <a:t>EnhanCEMENTS</a:t>
             </a:r>
             <a:endParaRPr sz="3200" dirty="0"/>
           </a:p>
@@ -6121,7 +6121,7 @@
           </a:bodyPr>
           <a:lstStyle/>
           <a:p>
-            <a:pPr marL="285750" lvl="0" indent="-285750" algn="l" rtl="0">
+            <a:pPr marL="342900" lvl="0" algn="l" rtl="0">
               <a:spcBef>
                 <a:spcPts val="0"/>
               </a:spcBef>
@@ -6132,15 +6132,14 @@
               <a:buChar char="•"/>
             </a:pPr>
             <a:r>
-              <a:rPr lang="en" sz="2400" dirty="0"/>
-              <a:t>Redefining new tasks for updating.</a:t>
-            </a:r>
-            <a:endParaRPr sz="2400" dirty="0"/>
-          </a:p>
-          <a:p>
-            <a:pPr marL="285750" lvl="0" indent="-285750" algn="l" rtl="0">
-              <a:spcBef>
-                <a:spcPts val="1600"/>
+              <a:rPr lang="en" sz="2400" dirty="0" smtClean="0"/>
+              <a:t>Setting up challenges among groups.</a:t>
+            </a:r>
+          </a:p>
+          <a:p>
+            <a:pPr marL="342900" lvl="0" algn="l" rtl="0">
+              <a:spcBef>
+                <a:spcPts val="0"/>
               </a:spcBef>
               <a:spcAft>
                 <a:spcPts val="0"/>
@@ -6149,39 +6148,22 @@
               <a:buChar char="•"/>
             </a:pPr>
             <a:r>
-              <a:rPr lang="en" sz="2400" dirty="0"/>
-              <a:t>Collab with google maps API, and step count apps.</a:t>
-            </a:r>
-            <a:endParaRPr sz="2400" dirty="0"/>
-          </a:p>
-          <a:p>
-            <a:pPr marL="285750" lvl="0" indent="-285750" algn="l" rtl="0">
-              <a:spcBef>
-                <a:spcPts val="1600"/>
-              </a:spcBef>
-              <a:spcAft>
-                <a:spcPts val="0"/>
-              </a:spcAft>
-              <a:buFont typeface="Arial" panose="020B0604020202020204" pitchFamily="34" charset="0"/>
-              <a:buChar char="•"/>
+              <a:rPr lang="en" sz="2400" dirty="0" smtClean="0"/>
+              <a:t>Including tracker for step count.</a:t>
+            </a:r>
+            <a:endParaRPr lang="en" dirty="0" smtClean="0"/>
+          </a:p>
+          <a:p>
+            <a:pPr marL="0" lvl="0" indent="0" algn="l" rtl="0">
+              <a:spcBef>
+                <a:spcPts val="0"/>
+              </a:spcBef>
+              <a:spcAft>
+                <a:spcPts val="0"/>
+              </a:spcAft>
+              <a:buNone/>
             </a:pPr>
-            <a:r>
-              <a:rPr lang="en" sz="2400" dirty="0"/>
-              <a:t>Adding group challenges as well as setting up user challenge creation.</a:t>
-            </a:r>
-            <a:endParaRPr sz="2400" dirty="0"/>
-          </a:p>
-          <a:p>
-            <a:pPr marL="0" lvl="0" indent="0" algn="l" rtl="0">
-              <a:spcBef>
-                <a:spcPts val="1600"/>
-              </a:spcBef>
-              <a:spcAft>
-                <a:spcPts val="1600"/>
-              </a:spcAft>
-              <a:buNone/>
-            </a:pPr>
-            <a:endParaRPr dirty="0"/>
+            <a:endParaRPr lang="en-US" sz="2400" dirty="0" smtClean="0"/>
           </a:p>
         </p:txBody>
       </p:sp>
@@ -6636,8 +6618,8 @@
         </p:blipFill>
         <p:spPr>
           <a:xfrm>
-            <a:off x="-15367" y="0"/>
-            <a:ext cx="9159368" cy="5143500"/>
+            <a:off x="-1" y="0"/>
+            <a:ext cx="9144001" cy="5143500"/>
           </a:xfrm>
           <a:prstGeom prst="rect">
             <a:avLst/>
@@ -6773,10 +6755,10 @@
               <a:buChar char="•"/>
             </a:pPr>
             <a:r>
-              <a:rPr lang="en" sz="1600" dirty="0"/>
+              <a:rPr lang="en" sz="2000" dirty="0"/>
               <a:t>Using this app, the user can monitor their activity and understand how they can improve or manage daily activities. </a:t>
             </a:r>
-            <a:endParaRPr sz="1600" dirty="0"/>
+            <a:endParaRPr sz="2000" dirty="0"/>
           </a:p>
           <a:p>
             <a:pPr marL="171450" lvl="0" indent="-171450" algn="l" rtl="0">
@@ -6794,10 +6776,10 @@
               <a:buChar char="•"/>
             </a:pPr>
             <a:r>
-              <a:rPr lang="en" sz="1600" dirty="0"/>
+              <a:rPr lang="en" sz="2000" dirty="0"/>
               <a:t>With this app, users can set goals they want to reach, such as losing or gaining weight. To let users monitor their eating habits, apps of this type should have a food logging feature.</a:t>
             </a:r>
-            <a:endParaRPr sz="1600" dirty="0"/>
+            <a:endParaRPr sz="2000" dirty="0"/>
           </a:p>
           <a:p>
             <a:pPr marL="171450" lvl="0" indent="-171450" algn="l" rtl="0">
@@ -6812,10 +6794,10 @@
               <a:buChar char="•"/>
             </a:pPr>
             <a:r>
-              <a:rPr lang="en" sz="1600" dirty="0"/>
+              <a:rPr lang="en" sz="2000" dirty="0"/>
               <a:t>Every user can set a personal goal for each activity and see if they can reach it or not.</a:t>
             </a:r>
-            <a:endParaRPr sz="1600" dirty="0"/>
+            <a:endParaRPr sz="2000" dirty="0"/>
           </a:p>
           <a:p>
             <a:pPr marL="171450" lvl="0" indent="-171450" algn="l" rtl="0">
@@ -6830,10 +6812,10 @@
               <a:buChar char="•"/>
             </a:pPr>
             <a:r>
-              <a:rPr lang="en" sz="1600" dirty="0"/>
+              <a:rPr lang="en" sz="2000" dirty="0"/>
               <a:t> They can accept challenges created by admins and also can create their own challenge among their friends or groups.</a:t>
             </a:r>
-            <a:endParaRPr sz="1600" dirty="0"/>
+            <a:endParaRPr sz="2000" dirty="0"/>
           </a:p>
           <a:p>
             <a:pPr marL="0" lvl="0" indent="0" algn="l" rtl="0">
@@ -7357,7 +7339,7 @@
         </p:nvSpPr>
         <p:spPr>
           <a:xfrm>
-            <a:off x="311700" y="430848"/>
+            <a:off x="143535" y="430848"/>
             <a:ext cx="1629725" cy="1559400"/>
           </a:xfrm>
           <a:prstGeom prst="rect">

--- a/GDP.pptx
+++ b/GDP.pptx
@@ -6148,8 +6148,12 @@
               <a:buChar char="•"/>
             </a:pPr>
             <a:r>
+              <a:rPr lang="en" sz="2400" smtClean="0"/>
+              <a:t>Including automatic tracking option </a:t>
+            </a:r>
+            <a:r>
               <a:rPr lang="en" sz="2400" dirty="0" smtClean="0"/>
-              <a:t>Including tracker for step count.</a:t>
+              <a:t>for step count.</a:t>
             </a:r>
             <a:endParaRPr lang="en" dirty="0" smtClean="0"/>
           </a:p>
@@ -6794,26 +6798,20 @@
               <a:buChar char="•"/>
             </a:pPr>
             <a:r>
+              <a:rPr lang="en" sz="2000" dirty="0" smtClean="0"/>
+              <a:t>They </a:t>
+            </a:r>
+            <a:r>
               <a:rPr lang="en" sz="2000" dirty="0"/>
-              <a:t>Every user can set a personal goal for each activity and see if they can reach it or not.</a:t>
-            </a:r>
-            <a:endParaRPr sz="2000" dirty="0"/>
-          </a:p>
-          <a:p>
-            <a:pPr marL="171450" lvl="0" indent="-171450" algn="l" rtl="0">
-              <a:spcBef>
-                <a:spcPts val="1600"/>
-              </a:spcBef>
-              <a:spcAft>
-                <a:spcPts val="0"/>
-              </a:spcAft>
-              <a:buSzPct val="125000"/>
-              <a:buFont typeface="Arial" panose="020B0604020202020204" pitchFamily="34" charset="0"/>
-              <a:buChar char="•"/>
-            </a:pPr>
+              <a:t>can accept challenges created by admins and also can create their own </a:t>
+            </a:r>
+            <a:r>
+              <a:rPr lang="en" sz="2000" dirty="0" smtClean="0"/>
+              <a:t>challenges </a:t>
+            </a:r>
             <a:r>
               <a:rPr lang="en" sz="2000" dirty="0"/>
-              <a:t> They can accept challenges created by admins and also can create their own challenge among their friends or groups.</a:t>
+              <a:t>among their friends or groups.</a:t>
             </a:r>
             <a:endParaRPr sz="2000" dirty="0"/>
           </a:p>

--- a/GDP.pptx
+++ b/GDP.pptx
@@ -9,7 +9,7 @@
   </p:notesMasterIdLst>
   <p:sldIdLst>
     <p:sldId id="256" r:id="rId2"/>
-    <p:sldId id="257" r:id="rId3"/>
+    <p:sldId id="271" r:id="rId3"/>
     <p:sldId id="258" r:id="rId4"/>
     <p:sldId id="259" r:id="rId5"/>
     <p:sldId id="260" r:id="rId6"/>
@@ -689,7 +689,7 @@
   <p:cSld>
     <p:spTree>
       <p:nvGrpSpPr>
-        <p:cNvPr id="1" name="Shape 115"/>
+        <p:cNvPr id="1" name="Shape 122"/>
         <p:cNvGrpSpPr/>
         <p:nvPr/>
       </p:nvGrpSpPr>
@@ -703,7 +703,7 @@
       </p:grpSpPr>
       <p:sp>
         <p:nvSpPr>
-          <p:cNvPr id="116" name="Google Shape;116;g93b923dd57_2_62:notes"/>
+          <p:cNvPr id="123" name="Google Shape;123;g93b923dd57_2_68:notes"/>
           <p:cNvSpPr>
             <a:spLocks noGrp="1" noRot="1" noChangeAspect="1"/>
           </p:cNvSpPr>
@@ -744,7 +744,7 @@
       </p:sp>
       <p:sp>
         <p:nvSpPr>
-          <p:cNvPr id="117" name="Google Shape;117;g93b923dd57_2_62:notes"/>
+          <p:cNvPr id="124" name="Google Shape;124;g93b923dd57_2_68:notes"/>
           <p:cNvSpPr txBox="1">
             <a:spLocks noGrp="1"/>
           </p:cNvSpPr>
@@ -793,7 +793,7 @@
   <p:cSld>
     <p:spTree>
       <p:nvGrpSpPr>
-        <p:cNvPr id="1" name="Shape 122"/>
+        <p:cNvPr id="1" name="Shape 129"/>
         <p:cNvGrpSpPr/>
         <p:nvPr/>
       </p:nvGrpSpPr>
@@ -807,7 +807,7 @@
       </p:grpSpPr>
       <p:sp>
         <p:nvSpPr>
-          <p:cNvPr id="123" name="Google Shape;123;g93b923dd57_2_68:notes"/>
+          <p:cNvPr id="130" name="Google Shape;130;g93b923dd57_0_0:notes"/>
           <p:cNvSpPr>
             <a:spLocks noGrp="1" noRot="1" noChangeAspect="1"/>
           </p:cNvSpPr>
@@ -848,7 +848,7 @@
       </p:sp>
       <p:sp>
         <p:nvSpPr>
-          <p:cNvPr id="124" name="Google Shape;124;g93b923dd57_2_68:notes"/>
+          <p:cNvPr id="131" name="Google Shape;131;g93b923dd57_0_0:notes"/>
           <p:cNvSpPr txBox="1">
             <a:spLocks noGrp="1"/>
           </p:cNvSpPr>
@@ -897,7 +897,7 @@
   <p:cSld>
     <p:spTree>
       <p:nvGrpSpPr>
-        <p:cNvPr id="1" name="Shape 129"/>
+        <p:cNvPr id="1" name="Shape 135"/>
         <p:cNvGrpSpPr/>
         <p:nvPr/>
       </p:nvGrpSpPr>
@@ -911,7 +911,7 @@
       </p:grpSpPr>
       <p:sp>
         <p:nvSpPr>
-          <p:cNvPr id="130" name="Google Shape;130;g93b923dd57_0_0:notes"/>
+          <p:cNvPr id="136" name="Google Shape;136;g93b923dd57_0_5:notes"/>
           <p:cNvSpPr>
             <a:spLocks noGrp="1" noRot="1" noChangeAspect="1"/>
           </p:cNvSpPr>
@@ -952,7 +952,7 @@
       </p:sp>
       <p:sp>
         <p:nvSpPr>
-          <p:cNvPr id="131" name="Google Shape;131;g93b923dd57_0_0:notes"/>
+          <p:cNvPr id="137" name="Google Shape;137;g93b923dd57_0_5:notes"/>
           <p:cNvSpPr txBox="1">
             <a:spLocks noGrp="1"/>
           </p:cNvSpPr>
@@ -1001,7 +1001,7 @@
   <p:cSld>
     <p:spTree>
       <p:nvGrpSpPr>
-        <p:cNvPr id="1" name="Shape 135"/>
+        <p:cNvPr id="1" name="Shape 141"/>
         <p:cNvGrpSpPr/>
         <p:nvPr/>
       </p:nvGrpSpPr>
@@ -1015,7 +1015,7 @@
       </p:grpSpPr>
       <p:sp>
         <p:nvSpPr>
-          <p:cNvPr id="136" name="Google Shape;136;g93b923dd57_0_5:notes"/>
+          <p:cNvPr id="142" name="Google Shape;142;g93b923dd57_0_10:notes"/>
           <p:cNvSpPr>
             <a:spLocks noGrp="1" noRot="1" noChangeAspect="1"/>
           </p:cNvSpPr>
@@ -1056,7 +1056,7 @@
       </p:sp>
       <p:sp>
         <p:nvSpPr>
-          <p:cNvPr id="137" name="Google Shape;137;g93b923dd57_0_5:notes"/>
+          <p:cNvPr id="143" name="Google Shape;143;g93b923dd57_0_10:notes"/>
           <p:cNvSpPr txBox="1">
             <a:spLocks noGrp="1"/>
           </p:cNvSpPr>
@@ -1100,12 +1100,12 @@
 </p:notes>
 </file>
 
-<file path=ppt/notesSlides/notesSlide14.xml><?xml version="1.0" encoding="utf-8"?>
+<file path=ppt/notesSlides/notesSlide2.xml><?xml version="1.0" encoding="utf-8"?>
 <p:notes xmlns:a="http://schemas.openxmlformats.org/drawingml/2006/main" xmlns:r="http://schemas.openxmlformats.org/officeDocument/2006/relationships" xmlns:p="http://schemas.openxmlformats.org/presentationml/2006/main" showMasterSp="0" showMasterPhAnim="0">
   <p:cSld>
     <p:spTree>
       <p:nvGrpSpPr>
-        <p:cNvPr id="1" name="Shape 141"/>
+        <p:cNvPr id="1" name="Shape 64"/>
         <p:cNvGrpSpPr/>
         <p:nvPr/>
       </p:nvGrpSpPr>
@@ -1119,7 +1119,7 @@
       </p:grpSpPr>
       <p:sp>
         <p:nvSpPr>
-          <p:cNvPr id="142" name="Google Shape;142;g93b923dd57_0_10:notes"/>
+          <p:cNvPr id="65" name="Google Shape;65;g93b923dd57_2_28:notes"/>
           <p:cNvSpPr>
             <a:spLocks noGrp="1" noRot="1" noChangeAspect="1"/>
           </p:cNvSpPr>
@@ -1160,7 +1160,7 @@
       </p:sp>
       <p:sp>
         <p:nvSpPr>
-          <p:cNvPr id="143" name="Google Shape;143;g93b923dd57_0_10:notes"/>
+          <p:cNvPr id="66" name="Google Shape;66;g93b923dd57_2_28:notes"/>
           <p:cNvSpPr txBox="1">
             <a:spLocks noGrp="1"/>
           </p:cNvSpPr>
@@ -1204,12 +1204,12 @@
 </p:notes>
 </file>
 
-<file path=ppt/notesSlides/notesSlide2.xml><?xml version="1.0" encoding="utf-8"?>
+<file path=ppt/notesSlides/notesSlide3.xml><?xml version="1.0" encoding="utf-8"?>
 <p:notes xmlns:a="http://schemas.openxmlformats.org/drawingml/2006/main" xmlns:r="http://schemas.openxmlformats.org/officeDocument/2006/relationships" xmlns:p="http://schemas.openxmlformats.org/presentationml/2006/main" showMasterSp="0" showMasterPhAnim="0">
   <p:cSld>
     <p:spTree>
       <p:nvGrpSpPr>
-        <p:cNvPr id="1" name="Shape 57"/>
+        <p:cNvPr id="1" name="Shape 70"/>
         <p:cNvGrpSpPr/>
         <p:nvPr/>
       </p:nvGrpSpPr>
@@ -1223,7 +1223,7 @@
       </p:grpSpPr>
       <p:sp>
         <p:nvSpPr>
-          <p:cNvPr id="58" name="Google Shape;58;g93b923dd57_2_1:notes"/>
+          <p:cNvPr id="71" name="Google Shape;71;g93b923dd57_2_7:notes"/>
           <p:cNvSpPr>
             <a:spLocks noGrp="1" noRot="1" noChangeAspect="1"/>
           </p:cNvSpPr>
@@ -1264,7 +1264,7 @@
       </p:sp>
       <p:sp>
         <p:nvSpPr>
-          <p:cNvPr id="59" name="Google Shape;59;g93b923dd57_2_1:notes"/>
+          <p:cNvPr id="72" name="Google Shape;72;g93b923dd57_2_7:notes"/>
           <p:cNvSpPr txBox="1">
             <a:spLocks noGrp="1"/>
           </p:cNvSpPr>
@@ -1308,12 +1308,12 @@
 </p:notes>
 </file>
 
-<file path=ppt/notesSlides/notesSlide3.xml><?xml version="1.0" encoding="utf-8"?>
+<file path=ppt/notesSlides/notesSlide4.xml><?xml version="1.0" encoding="utf-8"?>
 <p:notes xmlns:a="http://schemas.openxmlformats.org/drawingml/2006/main" xmlns:r="http://schemas.openxmlformats.org/officeDocument/2006/relationships" xmlns:p="http://schemas.openxmlformats.org/presentationml/2006/main" showMasterSp="0" showMasterPhAnim="0">
   <p:cSld>
     <p:spTree>
       <p:nvGrpSpPr>
-        <p:cNvPr id="1" name="Shape 64"/>
+        <p:cNvPr id="1" name="Shape 78"/>
         <p:cNvGrpSpPr/>
         <p:nvPr/>
       </p:nvGrpSpPr>
@@ -1327,7 +1327,7 @@
       </p:grpSpPr>
       <p:sp>
         <p:nvSpPr>
-          <p:cNvPr id="65" name="Google Shape;65;g93b923dd57_2_28:notes"/>
+          <p:cNvPr id="79" name="Google Shape;79;g93b923dd57_2_12:notes"/>
           <p:cNvSpPr>
             <a:spLocks noGrp="1" noRot="1" noChangeAspect="1"/>
           </p:cNvSpPr>
@@ -1368,7 +1368,7 @@
       </p:sp>
       <p:sp>
         <p:nvSpPr>
-          <p:cNvPr id="66" name="Google Shape;66;g93b923dd57_2_28:notes"/>
+          <p:cNvPr id="80" name="Google Shape;80;g93b923dd57_2_12:notes"/>
           <p:cNvSpPr txBox="1">
             <a:spLocks noGrp="1"/>
           </p:cNvSpPr>
@@ -1412,12 +1412,12 @@
 </p:notes>
 </file>
 
-<file path=ppt/notesSlides/notesSlide4.xml><?xml version="1.0" encoding="utf-8"?>
+<file path=ppt/notesSlides/notesSlide5.xml><?xml version="1.0" encoding="utf-8"?>
 <p:notes xmlns:a="http://schemas.openxmlformats.org/drawingml/2006/main" xmlns:r="http://schemas.openxmlformats.org/officeDocument/2006/relationships" xmlns:p="http://schemas.openxmlformats.org/presentationml/2006/main" showMasterSp="0" showMasterPhAnim="0">
   <p:cSld>
     <p:spTree>
       <p:nvGrpSpPr>
-        <p:cNvPr id="1" name="Shape 70"/>
+        <p:cNvPr id="1" name="Shape 86"/>
         <p:cNvGrpSpPr/>
         <p:nvPr/>
       </p:nvGrpSpPr>
@@ -1431,7 +1431,7 @@
       </p:grpSpPr>
       <p:sp>
         <p:nvSpPr>
-          <p:cNvPr id="71" name="Google Shape;71;g93b923dd57_2_7:notes"/>
+          <p:cNvPr id="87" name="Google Shape;87;g93b923dd57_2_41:notes"/>
           <p:cNvSpPr>
             <a:spLocks noGrp="1" noRot="1" noChangeAspect="1"/>
           </p:cNvSpPr>
@@ -1472,7 +1472,7 @@
       </p:sp>
       <p:sp>
         <p:nvSpPr>
-          <p:cNvPr id="72" name="Google Shape;72;g93b923dd57_2_7:notes"/>
+          <p:cNvPr id="88" name="Google Shape;88;g93b923dd57_2_41:notes"/>
           <p:cNvSpPr txBox="1">
             <a:spLocks noGrp="1"/>
           </p:cNvSpPr>
@@ -1516,12 +1516,12 @@
 </p:notes>
 </file>
 
-<file path=ppt/notesSlides/notesSlide5.xml><?xml version="1.0" encoding="utf-8"?>
+<file path=ppt/notesSlides/notesSlide6.xml><?xml version="1.0" encoding="utf-8"?>
 <p:notes xmlns:a="http://schemas.openxmlformats.org/drawingml/2006/main" xmlns:r="http://schemas.openxmlformats.org/officeDocument/2006/relationships" xmlns:p="http://schemas.openxmlformats.org/presentationml/2006/main" showMasterSp="0" showMasterPhAnim="0">
   <p:cSld>
     <p:spTree>
       <p:nvGrpSpPr>
-        <p:cNvPr id="1" name="Shape 78"/>
+        <p:cNvPr id="1" name="Shape 94"/>
         <p:cNvGrpSpPr/>
         <p:nvPr/>
       </p:nvGrpSpPr>
@@ -1535,7 +1535,7 @@
       </p:grpSpPr>
       <p:sp>
         <p:nvSpPr>
-          <p:cNvPr id="79" name="Google Shape;79;g93b923dd57_2_12:notes"/>
+          <p:cNvPr id="95" name="Google Shape;95;g93b923dd57_2_46:notes"/>
           <p:cNvSpPr>
             <a:spLocks noGrp="1" noRot="1" noChangeAspect="1"/>
           </p:cNvSpPr>
@@ -1576,7 +1576,7 @@
       </p:sp>
       <p:sp>
         <p:nvSpPr>
-          <p:cNvPr id="80" name="Google Shape;80;g93b923dd57_2_12:notes"/>
+          <p:cNvPr id="96" name="Google Shape;96;g93b923dd57_2_46:notes"/>
           <p:cNvSpPr txBox="1">
             <a:spLocks noGrp="1"/>
           </p:cNvSpPr>
@@ -1620,12 +1620,12 @@
 </p:notes>
 </file>
 
-<file path=ppt/notesSlides/notesSlide6.xml><?xml version="1.0" encoding="utf-8"?>
+<file path=ppt/notesSlides/notesSlide7.xml><?xml version="1.0" encoding="utf-8"?>
 <p:notes xmlns:a="http://schemas.openxmlformats.org/drawingml/2006/main" xmlns:r="http://schemas.openxmlformats.org/officeDocument/2006/relationships" xmlns:p="http://schemas.openxmlformats.org/presentationml/2006/main" showMasterSp="0" showMasterPhAnim="0">
   <p:cSld>
     <p:spTree>
       <p:nvGrpSpPr>
-        <p:cNvPr id="1" name="Shape 86"/>
+        <p:cNvPr id="1" name="Shape 101"/>
         <p:cNvGrpSpPr/>
         <p:nvPr/>
       </p:nvGrpSpPr>
@@ -1639,7 +1639,7 @@
       </p:grpSpPr>
       <p:sp>
         <p:nvSpPr>
-          <p:cNvPr id="87" name="Google Shape;87;g93b923dd57_2_41:notes"/>
+          <p:cNvPr id="102" name="Google Shape;102;g93b923dd57_2_33:notes"/>
           <p:cNvSpPr>
             <a:spLocks noGrp="1" noRot="1" noChangeAspect="1"/>
           </p:cNvSpPr>
@@ -1680,7 +1680,7 @@
       </p:sp>
       <p:sp>
         <p:nvSpPr>
-          <p:cNvPr id="88" name="Google Shape;88;g93b923dd57_2_41:notes"/>
+          <p:cNvPr id="103" name="Google Shape;103;g93b923dd57_2_33:notes"/>
           <p:cNvSpPr txBox="1">
             <a:spLocks noGrp="1"/>
           </p:cNvSpPr>
@@ -1724,12 +1724,12 @@
 </p:notes>
 </file>
 
-<file path=ppt/notesSlides/notesSlide7.xml><?xml version="1.0" encoding="utf-8"?>
+<file path=ppt/notesSlides/notesSlide8.xml><?xml version="1.0" encoding="utf-8"?>
 <p:notes xmlns:a="http://schemas.openxmlformats.org/drawingml/2006/main" xmlns:r="http://schemas.openxmlformats.org/officeDocument/2006/relationships" xmlns:p="http://schemas.openxmlformats.org/presentationml/2006/main" showMasterSp="0" showMasterPhAnim="0">
   <p:cSld>
     <p:spTree>
       <p:nvGrpSpPr>
-        <p:cNvPr id="1" name="Shape 94"/>
+        <p:cNvPr id="1" name="Shape 108"/>
         <p:cNvGrpSpPr/>
         <p:nvPr/>
       </p:nvGrpSpPr>
@@ -1743,7 +1743,7 @@
       </p:grpSpPr>
       <p:sp>
         <p:nvSpPr>
-          <p:cNvPr id="95" name="Google Shape;95;g93b923dd57_2_46:notes"/>
+          <p:cNvPr id="109" name="Google Shape;109;g93b923dd57_2_51:notes"/>
           <p:cNvSpPr>
             <a:spLocks noGrp="1" noRot="1" noChangeAspect="1"/>
           </p:cNvSpPr>
@@ -1784,7 +1784,7 @@
       </p:sp>
       <p:sp>
         <p:nvSpPr>
-          <p:cNvPr id="96" name="Google Shape;96;g93b923dd57_2_46:notes"/>
+          <p:cNvPr id="110" name="Google Shape;110;g93b923dd57_2_51:notes"/>
           <p:cNvSpPr txBox="1">
             <a:spLocks noGrp="1"/>
           </p:cNvSpPr>
@@ -1828,12 +1828,12 @@
 </p:notes>
 </file>
 
-<file path=ppt/notesSlides/notesSlide8.xml><?xml version="1.0" encoding="utf-8"?>
+<file path=ppt/notesSlides/notesSlide9.xml><?xml version="1.0" encoding="utf-8"?>
 <p:notes xmlns:a="http://schemas.openxmlformats.org/drawingml/2006/main" xmlns:r="http://schemas.openxmlformats.org/officeDocument/2006/relationships" xmlns:p="http://schemas.openxmlformats.org/presentationml/2006/main" showMasterSp="0" showMasterPhAnim="0">
   <p:cSld>
     <p:spTree>
       <p:nvGrpSpPr>
-        <p:cNvPr id="1" name="Shape 101"/>
+        <p:cNvPr id="1" name="Shape 115"/>
         <p:cNvGrpSpPr/>
         <p:nvPr/>
       </p:nvGrpSpPr>
@@ -1847,7 +1847,7 @@
       </p:grpSpPr>
       <p:sp>
         <p:nvSpPr>
-          <p:cNvPr id="102" name="Google Shape;102;g93b923dd57_2_33:notes"/>
+          <p:cNvPr id="116" name="Google Shape;116;g93b923dd57_2_62:notes"/>
           <p:cNvSpPr>
             <a:spLocks noGrp="1" noRot="1" noChangeAspect="1"/>
           </p:cNvSpPr>
@@ -1888,111 +1888,7 @@
       </p:sp>
       <p:sp>
         <p:nvSpPr>
-          <p:cNvPr id="103" name="Google Shape;103;g93b923dd57_2_33:notes"/>
-          <p:cNvSpPr txBox="1">
-            <a:spLocks noGrp="1"/>
-          </p:cNvSpPr>
-          <p:nvPr>
-            <p:ph type="body" idx="1"/>
-          </p:nvPr>
-        </p:nvSpPr>
-        <p:spPr>
-          <a:xfrm>
-            <a:off x="685800" y="4343400"/>
-            <a:ext cx="5486400" cy="4114800"/>
-          </a:xfrm>
-          <a:prstGeom prst="rect">
-            <a:avLst/>
-          </a:prstGeom>
-        </p:spPr>
-        <p:txBody>
-          <a:bodyPr spcFirstLastPara="1" wrap="square" lIns="91425" tIns="91425" rIns="91425" bIns="91425" anchor="t" anchorCtr="0">
-            <a:noAutofit/>
-          </a:bodyPr>
-          <a:lstStyle/>
-          <a:p>
-            <a:pPr marL="0" lvl="0" indent="0" algn="l" rtl="0">
-              <a:spcBef>
-                <a:spcPts val="0"/>
-              </a:spcBef>
-              <a:spcAft>
-                <a:spcPts val="0"/>
-              </a:spcAft>
-              <a:buNone/>
-            </a:pPr>
-            <a:endParaRPr/>
-          </a:p>
-        </p:txBody>
-      </p:sp>
-    </p:spTree>
-  </p:cSld>
-  <p:clrMapOvr>
-    <a:masterClrMapping/>
-  </p:clrMapOvr>
-</p:notes>
-</file>
-
-<file path=ppt/notesSlides/notesSlide9.xml><?xml version="1.0" encoding="utf-8"?>
-<p:notes xmlns:a="http://schemas.openxmlformats.org/drawingml/2006/main" xmlns:r="http://schemas.openxmlformats.org/officeDocument/2006/relationships" xmlns:p="http://schemas.openxmlformats.org/presentationml/2006/main" showMasterSp="0" showMasterPhAnim="0">
-  <p:cSld>
-    <p:spTree>
-      <p:nvGrpSpPr>
-        <p:cNvPr id="1" name="Shape 108"/>
-        <p:cNvGrpSpPr/>
-        <p:nvPr/>
-      </p:nvGrpSpPr>
-      <p:grpSpPr>
-        <a:xfrm>
-          <a:off x="0" y="0"/>
-          <a:ext cx="0" cy="0"/>
-          <a:chOff x="0" y="0"/>
-          <a:chExt cx="0" cy="0"/>
-        </a:xfrm>
-      </p:grpSpPr>
-      <p:sp>
-        <p:nvSpPr>
-          <p:cNvPr id="109" name="Google Shape;109;g93b923dd57_2_51:notes"/>
-          <p:cNvSpPr>
-            <a:spLocks noGrp="1" noRot="1" noChangeAspect="1"/>
-          </p:cNvSpPr>
-          <p:nvPr>
-            <p:ph type="sldImg" idx="2"/>
-          </p:nvPr>
-        </p:nvSpPr>
-        <p:spPr>
-          <a:xfrm>
-            <a:off x="381000" y="685800"/>
-            <a:ext cx="6096000" cy="3429000"/>
-          </a:xfrm>
-          <a:custGeom>
-            <a:avLst/>
-            <a:gdLst/>
-            <a:ahLst/>
-            <a:cxnLst/>
-            <a:rect l="l" t="t" r="r" b="b"/>
-            <a:pathLst>
-              <a:path w="120000" h="120000" extrusionOk="0">
-                <a:moveTo>
-                  <a:pt x="0" y="0"/>
-                </a:moveTo>
-                <a:lnTo>
-                  <a:pt x="120000" y="0"/>
-                </a:lnTo>
-                <a:lnTo>
-                  <a:pt x="120000" y="120000"/>
-                </a:lnTo>
-                <a:lnTo>
-                  <a:pt x="0" y="120000"/>
-                </a:lnTo>
-                <a:close/>
-              </a:path>
-            </a:pathLst>
-          </a:custGeom>
-        </p:spPr>
-      </p:sp>
-      <p:sp>
-        <p:nvSpPr>
-          <p:cNvPr id="110" name="Google Shape;110;g93b923dd57_2_51:notes"/>
+          <p:cNvPr id="117" name="Google Shape;117;g93b923dd57_2_62:notes"/>
           <p:cNvSpPr txBox="1">
             <a:spLocks noGrp="1"/>
           </p:cNvSpPr>
@@ -6540,7 +6436,7 @@
   <p:cSld>
     <p:spTree>
       <p:nvGrpSpPr>
-        <p:cNvPr id="1" name="Shape 60"/>
+        <p:cNvPr id="1" name=""/>
         <p:cNvGrpSpPr/>
         <p:nvPr/>
       </p:nvGrpSpPr>
@@ -6554,81 +6450,64 @@
       </p:grpSpPr>
       <p:sp>
         <p:nvSpPr>
-          <p:cNvPr id="61" name="Google Shape;61;p14"/>
-          <p:cNvSpPr txBox="1">
-            <a:spLocks noGrp="1"/>
-          </p:cNvSpPr>
-          <p:nvPr>
-            <p:ph type="ctrTitle"/>
-          </p:nvPr>
-        </p:nvSpPr>
-        <p:spPr>
+          <p:cNvPr id="15" name="TextBox 14">
+            <a:extLst>
+              <a:ext uri="{FF2B5EF4-FFF2-40B4-BE49-F238E27FC236}">
+                <a16:creationId xmlns:a16="http://schemas.microsoft.com/office/drawing/2014/main" id="{EC41C322-79AC-4DE2-ACC1-79F0EAAFCE04}"/>
+              </a:ext>
+            </a:extLst>
+          </p:cNvPr>
+          <p:cNvSpPr txBox="1"/>
+          <p:nvPr/>
+        </p:nvSpPr>
+        <p:spPr>
+          <a:xfrm>
+            <a:off x="174491" y="113147"/>
+            <a:ext cx="3562521" cy="707886"/>
+          </a:xfrm>
           <a:prstGeom prst="rect">
             <a:avLst/>
           </a:prstGeom>
-        </p:spPr>
-        <p:txBody>
-          <a:bodyPr spcFirstLastPara="1" wrap="square" lIns="91425" tIns="91425" rIns="91425" bIns="91425" anchor="b" anchorCtr="0">
-            <a:noAutofit/>
+          <a:noFill/>
+        </p:spPr>
+        <p:txBody>
+          <a:bodyPr wrap="square" rtlCol="0">
+            <a:spAutoFit/>
           </a:bodyPr>
           <a:lstStyle/>
           <a:p>
-            <a:pPr marL="0" lvl="0" indent="0" algn="ctr" rtl="0">
-              <a:spcBef>
-                <a:spcPts val="0"/>
-              </a:spcBef>
-              <a:spcAft>
-                <a:spcPts val="0"/>
-              </a:spcAft>
-              <a:buNone/>
-            </a:pPr>
-            <a:endParaRPr/>
-          </a:p>
-        </p:txBody>
-      </p:sp>
-      <p:sp>
-        <p:nvSpPr>
-          <p:cNvPr id="62" name="Google Shape;62;p14"/>
-          <p:cNvSpPr txBox="1">
-            <a:spLocks noGrp="1"/>
-          </p:cNvSpPr>
-          <p:nvPr>
-            <p:ph type="subTitle" idx="1"/>
-          </p:nvPr>
-        </p:nvSpPr>
-        <p:spPr>
-          <a:prstGeom prst="rect">
-            <a:avLst/>
-          </a:prstGeom>
-        </p:spPr>
-        <p:txBody>
-          <a:bodyPr spcFirstLastPara="1" wrap="square" lIns="91425" tIns="91425" rIns="91425" bIns="91425" anchor="t" anchorCtr="0">
-            <a:noAutofit/>
-          </a:bodyPr>
-          <a:lstStyle/>
-          <a:p>
-            <a:pPr marL="0" lvl="0" indent="0" algn="ctr" rtl="0">
-              <a:spcBef>
-                <a:spcPts val="0"/>
-              </a:spcBef>
-              <a:spcAft>
-                <a:spcPts val="0"/>
-              </a:spcAft>
-              <a:buNone/>
-            </a:pPr>
-            <a:endParaRPr/>
+            <a:r>
+              <a:rPr lang="en-US" sz="2800" b="1" dirty="0"/>
+              <a:t>Team Members</a:t>
+            </a:r>
+            <a:r>
+              <a:rPr lang="en-US" sz="4000" b="1" dirty="0"/>
+              <a:t>:</a:t>
+            </a:r>
           </a:p>
         </p:txBody>
       </p:sp>
       <p:pic>
         <p:nvPicPr>
-          <p:cNvPr id="63" name="Google Shape;63;p14"/>
-          <p:cNvPicPr preferRelativeResize="0"/>
+          <p:cNvPr id="16" name="Picture 15" descr="A person smiling for the camera&#10;&#10;Description automatically generated">
+            <a:extLst>
+              <a:ext uri="{FF2B5EF4-FFF2-40B4-BE49-F238E27FC236}">
+                <a16:creationId xmlns:a16="http://schemas.microsoft.com/office/drawing/2014/main" id="{7F264625-224D-40E2-ACE9-00F25C2BA4AB}"/>
+              </a:ext>
+            </a:extLst>
+          </p:cNvPr>
+          <p:cNvPicPr>
+            <a:picLocks noChangeAspect="1"/>
+          </p:cNvPicPr>
           <p:nvPr/>
         </p:nvPicPr>
         <p:blipFill>
-          <a:blip r:embed="rId3">
-            <a:alphaModFix/>
+          <a:blip r:embed="rId2">
+            <a:extLst>
+              <a:ext uri="{28A0092B-C50C-407E-A947-70E740481C1C}">
+                <a14:useLocalDpi xmlns:a14="http://schemas.microsoft.com/office/drawing/2010/main" val="0"/>
+              </a:ext>
+            </a:extLst>
           </a:blip>
           <a:stretch>
             <a:fillRect/>
@@ -6636,24 +6515,20 @@
         </p:blipFill>
         <p:spPr>
           <a:xfrm>
-            <a:off x="-15367" y="0"/>
-            <a:ext cx="9159368" cy="5143500"/>
+            <a:off x="465216" y="2931355"/>
+            <a:ext cx="1592458" cy="1381924"/>
           </a:xfrm>
           <a:prstGeom prst="rect">
             <a:avLst/>
           </a:prstGeom>
-          <a:noFill/>
-          <a:ln>
-            <a:noFill/>
-          </a:ln>
         </p:spPr>
       </p:pic>
       <p:pic>
         <p:nvPicPr>
-          <p:cNvPr id="3" name="Picture 2" descr="A person in a blue shirt&#10;&#10;Description automatically generated">
+          <p:cNvPr id="17" name="Picture 16" descr="A person posing for the camera&#10;&#10;Description automatically generated">
             <a:extLst>
               <a:ext uri="{FF2B5EF4-FFF2-40B4-BE49-F238E27FC236}">
-                <a16:creationId xmlns:a16="http://schemas.microsoft.com/office/drawing/2014/main" id="{192B75C7-6AB6-45BB-A4A7-313B3EF68078}"/>
+                <a16:creationId xmlns:a16="http://schemas.microsoft.com/office/drawing/2014/main" id="{DF6CC074-A715-46A6-8E48-150E37ACC845}"/>
               </a:ext>
             </a:extLst>
           </p:cNvPr>
@@ -6663,14 +6538,464 @@
           <p:nvPr/>
         </p:nvPicPr>
         <p:blipFill rotWithShape="1">
-          <a:blip r:embed="rId4"/>
+          <a:blip r:embed="rId3">
+            <a:extLst>
+              <a:ext uri="{28A0092B-C50C-407E-A947-70E740481C1C}">
+                <a14:useLocalDpi xmlns:a14="http://schemas.microsoft.com/office/drawing/2010/main" val="0"/>
+              </a:ext>
+            </a:extLst>
+          </a:blip>
+          <a:srcRect t="-1" b="32053"/>
+          <a:stretch/>
+        </p:blipFill>
+        <p:spPr>
+          <a:xfrm>
+            <a:off x="565575" y="830222"/>
+            <a:ext cx="1567282" cy="1440010"/>
+          </a:xfrm>
+          <a:prstGeom prst="rect">
+            <a:avLst/>
+          </a:prstGeom>
+        </p:spPr>
+      </p:pic>
+      <p:pic>
+        <p:nvPicPr>
+          <p:cNvPr id="18" name="Picture 17" descr="A person standing on a beach&#10;&#10;Description automatically generated">
+            <a:extLst>
+              <a:ext uri="{FF2B5EF4-FFF2-40B4-BE49-F238E27FC236}">
+                <a16:creationId xmlns:a16="http://schemas.microsoft.com/office/drawing/2014/main" id="{A4BC5954-374E-4960-A896-B81DEC8F190F}"/>
+              </a:ext>
+            </a:extLst>
+          </p:cNvPr>
+          <p:cNvPicPr>
+            <a:picLocks noChangeAspect="1"/>
+          </p:cNvPicPr>
+          <p:nvPr/>
+        </p:nvPicPr>
+        <p:blipFill rotWithShape="1">
+          <a:blip r:embed="rId4">
+            <a:extLst>
+              <a:ext uri="{28A0092B-C50C-407E-A947-70E740481C1C}">
+                <a14:useLocalDpi xmlns:a14="http://schemas.microsoft.com/office/drawing/2010/main" val="0"/>
+              </a:ext>
+            </a:extLst>
+          </a:blip>
+          <a:srcRect l="26345" t="5203" r="31712" b="61951"/>
+          <a:stretch/>
+        </p:blipFill>
+        <p:spPr>
+          <a:xfrm>
+            <a:off x="3748399" y="2929375"/>
+            <a:ext cx="1316668" cy="1362299"/>
+          </a:xfrm>
+          <a:prstGeom prst="rect">
+            <a:avLst/>
+          </a:prstGeom>
+        </p:spPr>
+      </p:pic>
+      <p:sp>
+        <p:nvSpPr>
+          <p:cNvPr id="19" name="TextBox 18">
+            <a:extLst>
+              <a:ext uri="{FF2B5EF4-FFF2-40B4-BE49-F238E27FC236}">
+                <a16:creationId xmlns:a16="http://schemas.microsoft.com/office/drawing/2014/main" id="{6F1C39AF-F3C9-4929-A621-1F71B9FD0D02}"/>
+              </a:ext>
+            </a:extLst>
+          </p:cNvPr>
+          <p:cNvSpPr txBox="1"/>
+          <p:nvPr/>
+        </p:nvSpPr>
+        <p:spPr>
+          <a:xfrm>
+            <a:off x="174491" y="2322030"/>
+            <a:ext cx="3335284" cy="523220"/>
+          </a:xfrm>
+          <a:prstGeom prst="rect">
+            <a:avLst/>
+          </a:prstGeom>
+          <a:noFill/>
+        </p:spPr>
+        <p:txBody>
+          <a:bodyPr wrap="square" rtlCol="0">
+            <a:spAutoFit/>
+          </a:bodyPr>
+          <a:lstStyle/>
+          <a:p>
+            <a:r>
+              <a:rPr lang="en-US" sz="1400" b="1" dirty="0"/>
+              <a:t>Name: </a:t>
+            </a:r>
+            <a:r>
+              <a:rPr lang="en-US" sz="1400" b="1" dirty="0" err="1"/>
+              <a:t>Sindhuja</a:t>
+            </a:r>
+            <a:r>
+              <a:rPr lang="en-US" sz="1400" b="1" dirty="0"/>
+              <a:t> </a:t>
+            </a:r>
+            <a:r>
+              <a:rPr lang="en-US" sz="1400" b="1" dirty="0" err="1"/>
+              <a:t>Valeti</a:t>
+            </a:r>
+            <a:endParaRPr lang="en-US" sz="1400" b="1" dirty="0"/>
+          </a:p>
+          <a:p>
+            <a:r>
+              <a:rPr lang="en-US" sz="1400" b="1" dirty="0"/>
+              <a:t>Designation: Project Manager</a:t>
+            </a:r>
+          </a:p>
+        </p:txBody>
+      </p:sp>
+      <p:sp>
+        <p:nvSpPr>
+          <p:cNvPr id="20" name="TextBox 19">
+            <a:extLst>
+              <a:ext uri="{FF2B5EF4-FFF2-40B4-BE49-F238E27FC236}">
+                <a16:creationId xmlns:a16="http://schemas.microsoft.com/office/drawing/2014/main" id="{033DC338-A594-477B-95A7-4D22DCFB6615}"/>
+              </a:ext>
+            </a:extLst>
+          </p:cNvPr>
+          <p:cNvSpPr txBox="1"/>
+          <p:nvPr/>
+        </p:nvSpPr>
+        <p:spPr>
+          <a:xfrm>
+            <a:off x="6146359" y="4440972"/>
+            <a:ext cx="2997642" cy="523220"/>
+          </a:xfrm>
+          <a:prstGeom prst="rect">
+            <a:avLst/>
+          </a:prstGeom>
+          <a:noFill/>
+        </p:spPr>
+        <p:txBody>
+          <a:bodyPr wrap="square" rtlCol="0">
+            <a:spAutoFit/>
+          </a:bodyPr>
+          <a:lstStyle/>
+          <a:p>
+            <a:r>
+              <a:rPr lang="en-US" sz="1400" b="1" dirty="0"/>
+              <a:t>Name:  </a:t>
+            </a:r>
+            <a:r>
+              <a:rPr lang="en-US" sz="1400" b="1" dirty="0" err="1"/>
+              <a:t>Alekhya</a:t>
+            </a:r>
+            <a:r>
+              <a:rPr lang="en-US" sz="1400" b="1" dirty="0"/>
+              <a:t> </a:t>
+            </a:r>
+            <a:r>
+              <a:rPr lang="en-US" sz="1400" b="1" dirty="0" err="1"/>
+              <a:t>Jaddu</a:t>
+            </a:r>
+            <a:r>
+              <a:rPr lang="en-US" sz="1400" b="1" dirty="0"/>
+              <a:t> </a:t>
+            </a:r>
+          </a:p>
+          <a:p>
+            <a:r>
+              <a:rPr lang="en-US" sz="1400" b="1" dirty="0"/>
+              <a:t>Designation: Front-End Developer</a:t>
+            </a:r>
+          </a:p>
+        </p:txBody>
+      </p:sp>
+      <p:sp>
+        <p:nvSpPr>
+          <p:cNvPr id="21" name="TextBox 20">
+            <a:extLst>
+              <a:ext uri="{FF2B5EF4-FFF2-40B4-BE49-F238E27FC236}">
+                <a16:creationId xmlns:a16="http://schemas.microsoft.com/office/drawing/2014/main" id="{109EC551-ADE1-4457-A8D9-E5292ECE570F}"/>
+              </a:ext>
+            </a:extLst>
+          </p:cNvPr>
+          <p:cNvSpPr txBox="1"/>
+          <p:nvPr/>
+        </p:nvSpPr>
+        <p:spPr>
+          <a:xfrm>
+            <a:off x="3116911" y="4387689"/>
+            <a:ext cx="2814762" cy="523220"/>
+          </a:xfrm>
+          <a:prstGeom prst="rect">
+            <a:avLst/>
+          </a:prstGeom>
+          <a:noFill/>
+        </p:spPr>
+        <p:txBody>
+          <a:bodyPr wrap="square" rtlCol="0">
+            <a:spAutoFit/>
+          </a:bodyPr>
+          <a:lstStyle/>
+          <a:p>
+            <a:r>
+              <a:rPr lang="en-US" sz="1400" b="1" dirty="0"/>
+              <a:t>Name:  </a:t>
+            </a:r>
+            <a:r>
+              <a:rPr lang="en-US" sz="1400" b="1" dirty="0" err="1"/>
+              <a:t>Vigneshwar</a:t>
+            </a:r>
+            <a:r>
+              <a:rPr lang="en-US" sz="1400" b="1" dirty="0"/>
+              <a:t> Reddy</a:t>
+            </a:r>
+          </a:p>
+          <a:p>
+            <a:r>
+              <a:rPr lang="en-US" sz="1400" b="1" dirty="0"/>
+              <a:t>Designation: Database Engineer</a:t>
+            </a:r>
+          </a:p>
+        </p:txBody>
+      </p:sp>
+      <p:sp>
+        <p:nvSpPr>
+          <p:cNvPr id="22" name="TextBox 21">
+            <a:extLst>
+              <a:ext uri="{FF2B5EF4-FFF2-40B4-BE49-F238E27FC236}">
+                <a16:creationId xmlns:a16="http://schemas.microsoft.com/office/drawing/2014/main" id="{FB6A700E-F84E-4640-9347-356C51D93C0F}"/>
+              </a:ext>
+            </a:extLst>
+          </p:cNvPr>
+          <p:cNvSpPr txBox="1"/>
+          <p:nvPr/>
+        </p:nvSpPr>
+        <p:spPr>
+          <a:xfrm>
+            <a:off x="88801" y="4440972"/>
+            <a:ext cx="3335284" cy="523220"/>
+          </a:xfrm>
+          <a:prstGeom prst="rect">
+            <a:avLst/>
+          </a:prstGeom>
+          <a:noFill/>
+        </p:spPr>
+        <p:txBody>
+          <a:bodyPr wrap="square" rtlCol="0">
+            <a:spAutoFit/>
+          </a:bodyPr>
+          <a:lstStyle/>
+          <a:p>
+            <a:r>
+              <a:rPr lang="en-US" sz="1400" b="1" dirty="0"/>
+              <a:t>Name:  Annie Chandolu</a:t>
+            </a:r>
+          </a:p>
+          <a:p>
+            <a:r>
+              <a:rPr lang="en-US" sz="1400" b="1" dirty="0"/>
+              <a:t>Designation: Full Stack Developer</a:t>
+            </a:r>
+          </a:p>
+        </p:txBody>
+      </p:sp>
+      <p:sp>
+        <p:nvSpPr>
+          <p:cNvPr id="23" name="TextBox 22">
+            <a:extLst>
+              <a:ext uri="{FF2B5EF4-FFF2-40B4-BE49-F238E27FC236}">
+                <a16:creationId xmlns:a16="http://schemas.microsoft.com/office/drawing/2014/main" id="{56D26932-108C-4F7B-85CB-460DED8E4D44}"/>
+              </a:ext>
+            </a:extLst>
+          </p:cNvPr>
+          <p:cNvSpPr txBox="1"/>
+          <p:nvPr/>
+        </p:nvSpPr>
+        <p:spPr>
+          <a:xfrm>
+            <a:off x="6411811" y="2323178"/>
+            <a:ext cx="2557698" cy="523220"/>
+          </a:xfrm>
+          <a:prstGeom prst="rect">
+            <a:avLst/>
+          </a:prstGeom>
+          <a:noFill/>
+        </p:spPr>
+        <p:txBody>
+          <a:bodyPr wrap="square" rtlCol="0">
+            <a:spAutoFit/>
+          </a:bodyPr>
+          <a:lstStyle/>
+          <a:p>
+            <a:r>
+              <a:rPr lang="en-US" sz="1400" b="1" dirty="0"/>
+              <a:t>Name: </a:t>
+            </a:r>
+            <a:r>
+              <a:rPr lang="en-US" sz="1400" b="1" dirty="0" err="1"/>
+              <a:t>Neelesh</a:t>
+            </a:r>
+            <a:r>
+              <a:rPr lang="en-US" sz="1400" b="1" dirty="0"/>
+              <a:t> </a:t>
+            </a:r>
+            <a:r>
+              <a:rPr lang="en-US" sz="1400" b="1" dirty="0" err="1"/>
+              <a:t>Saladi</a:t>
+            </a:r>
+            <a:endParaRPr lang="en-US" sz="1400" b="1" dirty="0"/>
+          </a:p>
+          <a:p>
+            <a:r>
+              <a:rPr lang="en-US" sz="1400" b="1" dirty="0"/>
+              <a:t>Designation: UI Developer</a:t>
+            </a:r>
+          </a:p>
+        </p:txBody>
+      </p:sp>
+      <p:sp>
+        <p:nvSpPr>
+          <p:cNvPr id="24" name="TextBox 23">
+            <a:extLst>
+              <a:ext uri="{FF2B5EF4-FFF2-40B4-BE49-F238E27FC236}">
+                <a16:creationId xmlns:a16="http://schemas.microsoft.com/office/drawing/2014/main" id="{A67885D5-4CC1-4EA0-8146-A8CE57FF2C62}"/>
+              </a:ext>
+            </a:extLst>
+          </p:cNvPr>
+          <p:cNvSpPr txBox="1"/>
+          <p:nvPr/>
+        </p:nvSpPr>
+        <p:spPr>
+          <a:xfrm>
+            <a:off x="3314641" y="2310140"/>
+            <a:ext cx="2755304" cy="523220"/>
+          </a:xfrm>
+          <a:prstGeom prst="rect">
+            <a:avLst/>
+          </a:prstGeom>
+          <a:noFill/>
+        </p:spPr>
+        <p:txBody>
+          <a:bodyPr wrap="square" rtlCol="0">
+            <a:spAutoFit/>
+          </a:bodyPr>
+          <a:lstStyle/>
+          <a:p>
+            <a:r>
+              <a:rPr lang="en-US" sz="1400" b="1" dirty="0"/>
+              <a:t>Name: </a:t>
+            </a:r>
+            <a:r>
+              <a:rPr lang="en-US" sz="1400" b="1" dirty="0" err="1"/>
+              <a:t>Tarun</a:t>
+            </a:r>
+            <a:r>
+              <a:rPr lang="en-US" sz="1400" b="1" dirty="0"/>
+              <a:t> </a:t>
+            </a:r>
+            <a:r>
+              <a:rPr lang="en-US" sz="1400" b="1" dirty="0" err="1"/>
+              <a:t>Sarpanjeri</a:t>
+            </a:r>
+            <a:endParaRPr lang="en-US" sz="1400" b="1" dirty="0"/>
+          </a:p>
+          <a:p>
+            <a:r>
+              <a:rPr lang="en-US" sz="1400" b="1" dirty="0"/>
+              <a:t>Designation: Team Lead</a:t>
+            </a:r>
+          </a:p>
+        </p:txBody>
+      </p:sp>
+      <p:pic>
+        <p:nvPicPr>
+          <p:cNvPr id="25" name="Picture 24" descr="A person in a blue dress standing in front of a building&#10;&#10;Description automatically generated">
+            <a:extLst>
+              <a:ext uri="{FF2B5EF4-FFF2-40B4-BE49-F238E27FC236}">
+                <a16:creationId xmlns:a16="http://schemas.microsoft.com/office/drawing/2014/main" id="{E67EFF24-B404-4589-9176-A20EDAC7A872}"/>
+              </a:ext>
+            </a:extLst>
+          </p:cNvPr>
+          <p:cNvPicPr>
+            <a:picLocks noChangeAspect="1"/>
+          </p:cNvPicPr>
+          <p:nvPr/>
+        </p:nvPicPr>
+        <p:blipFill rotWithShape="1">
+          <a:blip r:embed="rId5">
+            <a:extLst>
+              <a:ext uri="{28A0092B-C50C-407E-A947-70E740481C1C}">
+                <a14:useLocalDpi xmlns:a14="http://schemas.microsoft.com/office/drawing/2010/main" val="0"/>
+              </a:ext>
+            </a:extLst>
+          </a:blip>
+          <a:srcRect l="26206" t="13249" r="43100" b="62765"/>
+          <a:stretch/>
+        </p:blipFill>
+        <p:spPr>
+          <a:xfrm>
+            <a:off x="6594930" y="2929375"/>
+            <a:ext cx="1316668" cy="1430447"/>
+          </a:xfrm>
+          <a:prstGeom prst="rect">
+            <a:avLst/>
+          </a:prstGeom>
+        </p:spPr>
+      </p:pic>
+      <p:pic>
+        <p:nvPicPr>
+          <p:cNvPr id="26" name="Picture 25" descr="A person posing for the camera&#10;&#10;Description automatically generated">
+            <a:extLst>
+              <a:ext uri="{FF2B5EF4-FFF2-40B4-BE49-F238E27FC236}">
+                <a16:creationId xmlns:a16="http://schemas.microsoft.com/office/drawing/2014/main" id="{15AB9285-C4EF-4606-926A-42FE4B635DED}"/>
+              </a:ext>
+            </a:extLst>
+          </p:cNvPr>
+          <p:cNvPicPr>
+            <a:picLocks noChangeAspect="1"/>
+          </p:cNvPicPr>
+          <p:nvPr/>
+        </p:nvPicPr>
+        <p:blipFill>
+          <a:blip r:embed="rId6">
+            <a:extLst>
+              <a:ext uri="{28A0092B-C50C-407E-A947-70E740481C1C}">
+                <a14:useLocalDpi xmlns:a14="http://schemas.microsoft.com/office/drawing/2010/main" val="0"/>
+              </a:ext>
+            </a:extLst>
+          </a:blip>
+          <a:stretch>
+            <a:fillRect/>
+          </a:stretch>
+        </p:blipFill>
+        <p:spPr>
+          <a:xfrm>
+            <a:off x="3662719" y="897943"/>
+            <a:ext cx="1402348" cy="1372289"/>
+          </a:xfrm>
+          <a:prstGeom prst="rect">
+            <a:avLst/>
+          </a:prstGeom>
+        </p:spPr>
+      </p:pic>
+      <p:pic>
+        <p:nvPicPr>
+          <p:cNvPr id="27" name="Picture 26" descr="A person in a blue shirt&#10;&#10;Description automatically generated">
+            <a:extLst>
+              <a:ext uri="{FF2B5EF4-FFF2-40B4-BE49-F238E27FC236}">
+                <a16:creationId xmlns:a16="http://schemas.microsoft.com/office/drawing/2014/main" id="{83BFCE8F-96DA-4C7A-8460-4807B7796AEF}"/>
+              </a:ext>
+            </a:extLst>
+          </p:cNvPr>
+          <p:cNvPicPr>
+            <a:picLocks noChangeAspect="1"/>
+          </p:cNvPicPr>
+          <p:nvPr/>
+        </p:nvPicPr>
+        <p:blipFill rotWithShape="1">
+          <a:blip r:embed="rId7"/>
           <a:srcRect l="14271" t="13185" r="24940" b="34757"/>
           <a:stretch/>
         </p:blipFill>
         <p:spPr>
           <a:xfrm>
-            <a:off x="6831106" y="592201"/>
-            <a:ext cx="1381637" cy="1649723"/>
+            <a:off x="6594930" y="931362"/>
+            <a:ext cx="1171182" cy="1418245"/>
           </a:xfrm>
           <a:prstGeom prst="rect">
             <a:avLst/>
@@ -6678,6 +7003,11 @@
         </p:spPr>
       </p:pic>
     </p:spTree>
+    <p:extLst>
+      <p:ext uri="{BB962C8B-B14F-4D97-AF65-F5344CB8AC3E}">
+        <p14:creationId xmlns:p14="http://schemas.microsoft.com/office/powerpoint/2010/main" val="7058810"/>
+      </p:ext>
+    </p:extLst>
   </p:cSld>
   <p:clrMapOvr>
     <a:masterClrMapping/>
@@ -6773,10 +7103,10 @@
               <a:buChar char="•"/>
             </a:pPr>
             <a:r>
-              <a:rPr lang="en" sz="1600" dirty="0"/>
+              <a:rPr lang="en" sz="1800" dirty="0"/>
               <a:t>Using this app, the user can monitor their activity and understand how they can improve or manage daily activities. </a:t>
             </a:r>
-            <a:endParaRPr sz="1600" dirty="0"/>
+            <a:endParaRPr sz="1800" dirty="0"/>
           </a:p>
           <a:p>
             <a:pPr marL="171450" lvl="0" indent="-171450" algn="l" rtl="0">
@@ -6794,10 +7124,10 @@
               <a:buChar char="•"/>
             </a:pPr>
             <a:r>
-              <a:rPr lang="en" sz="1600" dirty="0"/>
+              <a:rPr lang="en" sz="1800" dirty="0"/>
               <a:t>With this app, users can set goals they want to reach, such as losing or gaining weight. To let users monitor their eating habits, apps of this type should have a food logging feature.</a:t>
             </a:r>
-            <a:endParaRPr sz="1600" dirty="0"/>
+            <a:endParaRPr sz="1800" dirty="0"/>
           </a:p>
           <a:p>
             <a:pPr marL="171450" lvl="0" indent="-171450" algn="l" rtl="0">
@@ -6812,10 +7142,10 @@
               <a:buChar char="•"/>
             </a:pPr>
             <a:r>
-              <a:rPr lang="en" sz="1600" dirty="0"/>
+              <a:rPr lang="en" sz="1800" dirty="0"/>
               <a:t>Every user can set a personal goal for each activity and see if they can reach it or not.</a:t>
             </a:r>
-            <a:endParaRPr sz="1600" dirty="0"/>
+            <a:endParaRPr sz="1800" dirty="0"/>
           </a:p>
           <a:p>
             <a:pPr marL="171450" lvl="0" indent="-171450" algn="l" rtl="0">
@@ -6830,10 +7160,10 @@
               <a:buChar char="•"/>
             </a:pPr>
             <a:r>
-              <a:rPr lang="en" sz="1600" dirty="0"/>
+              <a:rPr lang="en" sz="1800" dirty="0"/>
               <a:t> They can accept challenges created by admins and also can create their own challenge among their friends or groups.</a:t>
             </a:r>
-            <a:endParaRPr sz="1600" dirty="0"/>
+            <a:endParaRPr sz="1800" dirty="0"/>
           </a:p>
           <a:p>
             <a:pPr marL="0" lvl="0" indent="0" algn="l" rtl="0">
